--- a/Сортировка с помощью двоичного дерева.pptx
+++ b/Сортировка с помощью двоичного дерева.pptx
@@ -7,6 +7,7 @@
   <p:sldIdLst>
     <p:sldId id="256" r:id="rId2"/>
     <p:sldId id="257" r:id="rId3"/>
+    <p:sldId id="258" r:id="rId4"/>
   </p:sldIdLst>
   <p:sldSz cx="12192000" cy="6858000"/>
   <p:notesSz cx="6858000" cy="9144000"/>
@@ -3474,6 +3475,96 @@
 </p:sld>
 </file>
 
+<file path=ppt/slides/slide3.xml><?xml version="1.0" encoding="utf-8"?>
+<p:sld xmlns:a="http://schemas.openxmlformats.org/drawingml/2006/main" xmlns:r="http://schemas.openxmlformats.org/officeDocument/2006/relationships" xmlns:p="http://schemas.openxmlformats.org/presentationml/2006/main">
+  <p:cSld>
+    <p:spTree>
+      <p:nvGrpSpPr>
+        <p:cNvPr id="1" name=""/>
+        <p:cNvGrpSpPr/>
+        <p:nvPr/>
+      </p:nvGrpSpPr>
+      <p:grpSpPr>
+        <a:xfrm>
+          <a:off x="0" y="0"/>
+          <a:ext cx="0" cy="0"/>
+          <a:chOff x="0" y="0"/>
+          <a:chExt cx="0" cy="0"/>
+        </a:xfrm>
+      </p:grpSpPr>
+      <p:sp>
+        <p:nvSpPr>
+          <p:cNvPr id="2" name="Заголовок 1">
+            <a:extLst>
+              <a:ext uri="{FF2B5EF4-FFF2-40B4-BE49-F238E27FC236}">
+                <a16:creationId xmlns:a16="http://schemas.microsoft.com/office/drawing/2014/main" id="{7C614D15-B8D9-419B-898C-E6422D45EDC0}"/>
+              </a:ext>
+            </a:extLst>
+          </p:cNvPr>
+          <p:cNvSpPr>
+            <a:spLocks noGrp="1"/>
+          </p:cNvSpPr>
+          <p:nvPr>
+            <p:ph type="title"/>
+          </p:nvPr>
+        </p:nvSpPr>
+        <p:spPr>
+          <a:xfrm>
+            <a:off x="3601593" y="193167"/>
+            <a:ext cx="4988814" cy="645033"/>
+          </a:xfrm>
+        </p:spPr>
+        <p:txBody>
+          <a:bodyPr>
+            <a:normAutofit fontScale="90000"/>
+          </a:bodyPr>
+          <a:lstStyle/>
+          <a:p>
+            <a:r>
+              <a:rPr lang="ru-RU" dirty="0"/>
+              <a:t>Блок-схема алгоритма</a:t>
+            </a:r>
+          </a:p>
+        </p:txBody>
+      </p:sp>
+      <p:sp>
+        <p:nvSpPr>
+          <p:cNvPr id="3" name="Объект 2">
+            <a:extLst>
+              <a:ext uri="{FF2B5EF4-FFF2-40B4-BE49-F238E27FC236}">
+                <a16:creationId xmlns:a16="http://schemas.microsoft.com/office/drawing/2014/main" id="{2A109BF7-650E-4D1E-9A9B-528778F96DBF}"/>
+              </a:ext>
+            </a:extLst>
+          </p:cNvPr>
+          <p:cNvSpPr>
+            <a:spLocks noGrp="1"/>
+          </p:cNvSpPr>
+          <p:nvPr>
+            <p:ph idx="1"/>
+          </p:nvPr>
+        </p:nvSpPr>
+        <p:spPr/>
+        <p:txBody>
+          <a:bodyPr/>
+          <a:lstStyle/>
+          <a:p>
+            <a:endParaRPr lang="ru-RU"/>
+          </a:p>
+        </p:txBody>
+      </p:sp>
+    </p:spTree>
+    <p:extLst>
+      <p:ext uri="{BB962C8B-B14F-4D97-AF65-F5344CB8AC3E}">
+        <p14:creationId xmlns:p14="http://schemas.microsoft.com/office/powerpoint/2010/main" val="1641061385"/>
+      </p:ext>
+    </p:extLst>
+  </p:cSld>
+  <p:clrMapOvr>
+    <a:masterClrMapping/>
+  </p:clrMapOvr>
+</p:sld>
+</file>
+
 <file path=ppt/theme/theme1.xml><?xml version="1.0" encoding="utf-8"?>
 <a:theme xmlns:a="http://schemas.openxmlformats.org/drawingml/2006/main" name="Посылка">
   <a:themeElements>

--- a/Сортировка с помощью двоичного дерева.pptx
+++ b/Сортировка с помощью двоичного дерева.pptx
@@ -8,6 +8,11 @@
     <p:sldId id="256" r:id="rId2"/>
     <p:sldId id="257" r:id="rId3"/>
     <p:sldId id="258" r:id="rId4"/>
+    <p:sldId id="259" r:id="rId5"/>
+    <p:sldId id="260" r:id="rId6"/>
+    <p:sldId id="261" r:id="rId7"/>
+    <p:sldId id="262" r:id="rId8"/>
+    <p:sldId id="263" r:id="rId9"/>
   </p:sldIdLst>
   <p:sldSz cx="12192000" cy="6858000"/>
   <p:notesSz cx="6858000" cy="9144000"/>
@@ -106,6 +111,11 @@
       </a:defRPr>
     </a:lvl9pPr>
   </p:defaultTextStyle>
+  <p:extLst>
+    <p:ext uri="{EFAFB233-063F-42B5-8137-9DF3F51BA10A}">
+      <p15:sldGuideLst xmlns:p15="http://schemas.microsoft.com/office/powerpoint/2012/main"/>
+    </p:ext>
+  </p:extLst>
 </p:presentation>
 </file>
 
@@ -3529,10 +3539,5874 @@
       </p:sp>
       <p:sp>
         <p:nvSpPr>
+          <p:cNvPr id="5" name="Прямоугольник: скругленные углы 4">
+            <a:extLst>
+              <a:ext uri="{FF2B5EF4-FFF2-40B4-BE49-F238E27FC236}">
+                <a16:creationId xmlns:a16="http://schemas.microsoft.com/office/drawing/2014/main" id="{6EDB8D9F-59B6-43F9-832D-58E1B261D976}"/>
+              </a:ext>
+            </a:extLst>
+          </p:cNvPr>
+          <p:cNvSpPr/>
+          <p:nvPr/>
+        </p:nvSpPr>
+        <p:spPr>
+          <a:xfrm>
+            <a:off x="783956" y="730157"/>
+            <a:ext cx="997008" cy="264920"/>
+          </a:xfrm>
+          <a:prstGeom prst="roundRect">
+            <a:avLst>
+              <a:gd name="adj" fmla="val 50000"/>
+            </a:avLst>
+          </a:prstGeom>
+          <a:solidFill>
+            <a:schemeClr val="bg1"/>
+          </a:solidFill>
+          <a:ln>
+            <a:solidFill>
+              <a:schemeClr val="tx1"/>
+            </a:solidFill>
+          </a:ln>
+        </p:spPr>
+        <p:style>
+          <a:lnRef idx="2">
+            <a:schemeClr val="accent1">
+              <a:shade val="50000"/>
+            </a:schemeClr>
+          </a:lnRef>
+          <a:fillRef idx="1">
+            <a:schemeClr val="accent1"/>
+          </a:fillRef>
+          <a:effectRef idx="0">
+            <a:schemeClr val="accent1"/>
+          </a:effectRef>
+          <a:fontRef idx="minor">
+            <a:schemeClr val="lt1"/>
+          </a:fontRef>
+        </p:style>
+        <p:txBody>
+          <a:bodyPr rtlCol="0" anchor="ctr"/>
+          <a:lstStyle/>
+          <a:p>
+            <a:pPr algn="ctr"/>
+            <a:r>
+              <a:rPr lang="ru-RU" sz="1600" dirty="0">
+                <a:solidFill>
+                  <a:schemeClr val="tx1"/>
+                </a:solidFill>
+                <a:latin typeface="Arial" panose="020B0604020202020204" pitchFamily="34" charset="0"/>
+                <a:cs typeface="Arial" panose="020B0604020202020204" pitchFamily="34" charset="0"/>
+              </a:rPr>
+              <a:t>Начало</a:t>
+            </a:r>
+          </a:p>
+        </p:txBody>
+      </p:sp>
+      <p:cxnSp>
+        <p:nvCxnSpPr>
+          <p:cNvPr id="6" name="Прямая со стрелкой 5">
+            <a:extLst>
+              <a:ext uri="{FF2B5EF4-FFF2-40B4-BE49-F238E27FC236}">
+                <a16:creationId xmlns:a16="http://schemas.microsoft.com/office/drawing/2014/main" id="{D67E212F-A37F-4B0E-A039-7865976D6780}"/>
+              </a:ext>
+            </a:extLst>
+          </p:cNvPr>
+          <p:cNvCxnSpPr>
+            <a:cxnSpLocks/>
+            <a:stCxn id="5" idx="2"/>
+          </p:cNvCxnSpPr>
+          <p:nvPr/>
+        </p:nvCxnSpPr>
+        <p:spPr>
+          <a:xfrm flipH="1">
+            <a:off x="1279567" y="995077"/>
+            <a:ext cx="2893" cy="335171"/>
+          </a:xfrm>
+          <a:prstGeom prst="straightConnector1">
+            <a:avLst/>
+          </a:prstGeom>
+          <a:ln>
+            <a:tailEnd type="triangle"/>
+          </a:ln>
+        </p:spPr>
+        <p:style>
+          <a:lnRef idx="1">
+            <a:schemeClr val="dk1"/>
+          </a:lnRef>
+          <a:fillRef idx="0">
+            <a:schemeClr val="dk1"/>
+          </a:fillRef>
+          <a:effectRef idx="0">
+            <a:schemeClr val="dk1"/>
+          </a:effectRef>
+          <a:fontRef idx="minor">
+            <a:schemeClr val="tx1"/>
+          </a:fontRef>
+        </p:style>
+      </p:cxnSp>
+      <p:sp>
+        <p:nvSpPr>
+          <p:cNvPr id="7" name="Параллелограмм 6">
+            <a:extLst>
+              <a:ext uri="{FF2B5EF4-FFF2-40B4-BE49-F238E27FC236}">
+                <a16:creationId xmlns:a16="http://schemas.microsoft.com/office/drawing/2014/main" id="{434A291F-A1FA-4824-B3D3-7DB7BC55F886}"/>
+              </a:ext>
+            </a:extLst>
+          </p:cNvPr>
+          <p:cNvSpPr/>
+          <p:nvPr/>
+        </p:nvSpPr>
+        <p:spPr>
+          <a:xfrm>
+            <a:off x="253062" y="1322861"/>
+            <a:ext cx="2053009" cy="532650"/>
+          </a:xfrm>
+          <a:prstGeom prst="parallelogram">
+            <a:avLst/>
+          </a:prstGeom>
+          <a:solidFill>
+            <a:schemeClr val="bg1"/>
+          </a:solidFill>
+          <a:ln>
+            <a:solidFill>
+              <a:schemeClr val="tx1"/>
+            </a:solidFill>
+          </a:ln>
+        </p:spPr>
+        <p:style>
+          <a:lnRef idx="2">
+            <a:schemeClr val="accent1">
+              <a:shade val="50000"/>
+            </a:schemeClr>
+          </a:lnRef>
+          <a:fillRef idx="1">
+            <a:schemeClr val="accent1"/>
+          </a:fillRef>
+          <a:effectRef idx="0">
+            <a:schemeClr val="accent1"/>
+          </a:effectRef>
+          <a:fontRef idx="minor">
+            <a:schemeClr val="lt1"/>
+          </a:fontRef>
+        </p:style>
+        <p:txBody>
+          <a:bodyPr rtlCol="0" anchor="ctr"/>
+          <a:lstStyle/>
+          <a:p>
+            <a:pPr algn="ctr"/>
+            <a:r>
+              <a:rPr lang="ru-RU" sz="1400" dirty="0">
+                <a:solidFill>
+                  <a:schemeClr val="tx1"/>
+                </a:solidFill>
+                <a:latin typeface="Arial" panose="020B0604020202020204" pitchFamily="34" charset="0"/>
+                <a:cs typeface="Arial" panose="020B0604020202020204" pitchFamily="34" charset="0"/>
+              </a:rPr>
+              <a:t>Ввод исходных данных</a:t>
+            </a:r>
+          </a:p>
+        </p:txBody>
+      </p:sp>
+      <p:cxnSp>
+        <p:nvCxnSpPr>
+          <p:cNvPr id="8" name="Прямая со стрелкой 7">
+            <a:extLst>
+              <a:ext uri="{FF2B5EF4-FFF2-40B4-BE49-F238E27FC236}">
+                <a16:creationId xmlns:a16="http://schemas.microsoft.com/office/drawing/2014/main" id="{6AEA5E2E-D10E-4315-8FD6-B1E245F20BCF}"/>
+              </a:ext>
+            </a:extLst>
+          </p:cNvPr>
+          <p:cNvCxnSpPr>
+            <a:cxnSpLocks/>
+            <a:stCxn id="7" idx="4"/>
+          </p:cNvCxnSpPr>
+          <p:nvPr/>
+        </p:nvCxnSpPr>
+        <p:spPr>
+          <a:xfrm>
+            <a:off x="1279567" y="1855511"/>
+            <a:ext cx="7" cy="327785"/>
+          </a:xfrm>
+          <a:prstGeom prst="straightConnector1">
+            <a:avLst/>
+          </a:prstGeom>
+          <a:ln>
+            <a:tailEnd type="triangle"/>
+          </a:ln>
+        </p:spPr>
+        <p:style>
+          <a:lnRef idx="1">
+            <a:schemeClr val="dk1"/>
+          </a:lnRef>
+          <a:fillRef idx="0">
+            <a:schemeClr val="dk1"/>
+          </a:fillRef>
+          <a:effectRef idx="0">
+            <a:schemeClr val="dk1"/>
+          </a:effectRef>
+          <a:fontRef idx="minor">
+            <a:schemeClr val="tx1"/>
+          </a:fontRef>
+        </p:style>
+      </p:cxnSp>
+      <p:sp>
+        <p:nvSpPr>
+          <p:cNvPr id="9" name="Блок-схема: решение 8">
+            <a:extLst>
+              <a:ext uri="{FF2B5EF4-FFF2-40B4-BE49-F238E27FC236}">
+                <a16:creationId xmlns:a16="http://schemas.microsoft.com/office/drawing/2014/main" id="{4C7EDEB3-9538-4FB5-9063-9F0A879A18BB}"/>
+              </a:ext>
+            </a:extLst>
+          </p:cNvPr>
+          <p:cNvSpPr/>
+          <p:nvPr/>
+        </p:nvSpPr>
+        <p:spPr>
+          <a:xfrm>
+            <a:off x="153934" y="2183296"/>
+            <a:ext cx="2251275" cy="769440"/>
+          </a:xfrm>
+          <a:prstGeom prst="flowChartDecision">
+            <a:avLst/>
+          </a:prstGeom>
+          <a:solidFill>
+            <a:schemeClr val="bg1"/>
+          </a:solidFill>
+          <a:ln>
+            <a:solidFill>
+              <a:schemeClr val="tx1"/>
+            </a:solidFill>
+          </a:ln>
+        </p:spPr>
+        <p:style>
+          <a:lnRef idx="2">
+            <a:schemeClr val="accent1">
+              <a:shade val="50000"/>
+            </a:schemeClr>
+          </a:lnRef>
+          <a:fillRef idx="1">
+            <a:schemeClr val="accent1"/>
+          </a:fillRef>
+          <a:effectRef idx="0">
+            <a:schemeClr val="accent1"/>
+          </a:effectRef>
+          <a:fontRef idx="minor">
+            <a:schemeClr val="lt1"/>
+          </a:fontRef>
+        </p:style>
+        <p:txBody>
+          <a:bodyPr rtlCol="0" anchor="ctr"/>
+          <a:lstStyle/>
+          <a:p>
+            <a:pPr algn="ctr"/>
+            <a:r>
+              <a:rPr lang="ru-RU" sz="1100" dirty="0">
+                <a:solidFill>
+                  <a:schemeClr val="tx1"/>
+                </a:solidFill>
+                <a:latin typeface="Arial" panose="020B0604020202020204" pitchFamily="34" charset="0"/>
+                <a:cs typeface="Arial" panose="020B0604020202020204" pitchFamily="34" charset="0"/>
+              </a:rPr>
+              <a:t>Элементы закончились?</a:t>
+            </a:r>
+          </a:p>
+        </p:txBody>
+      </p:sp>
+      <p:cxnSp>
+        <p:nvCxnSpPr>
+          <p:cNvPr id="10" name="Прямая со стрелкой 9">
+            <a:extLst>
+              <a:ext uri="{FF2B5EF4-FFF2-40B4-BE49-F238E27FC236}">
+                <a16:creationId xmlns:a16="http://schemas.microsoft.com/office/drawing/2014/main" id="{546F3FBE-F445-43F8-9F81-8D1AA1C0A569}"/>
+              </a:ext>
+            </a:extLst>
+          </p:cNvPr>
+          <p:cNvCxnSpPr>
+            <a:cxnSpLocks/>
+            <a:endCxn id="11" idx="0"/>
+          </p:cNvCxnSpPr>
+          <p:nvPr/>
+        </p:nvCxnSpPr>
+        <p:spPr>
+          <a:xfrm>
+            <a:off x="1279571" y="2952736"/>
+            <a:ext cx="1" cy="274089"/>
+          </a:xfrm>
+          <a:prstGeom prst="straightConnector1">
+            <a:avLst/>
+          </a:prstGeom>
+          <a:ln>
+            <a:tailEnd type="triangle"/>
+          </a:ln>
+        </p:spPr>
+        <p:style>
+          <a:lnRef idx="1">
+            <a:schemeClr val="dk1"/>
+          </a:lnRef>
+          <a:fillRef idx="0">
+            <a:schemeClr val="dk1"/>
+          </a:fillRef>
+          <a:effectRef idx="0">
+            <a:schemeClr val="dk1"/>
+          </a:effectRef>
+          <a:fontRef idx="minor">
+            <a:schemeClr val="tx1"/>
+          </a:fontRef>
+        </p:style>
+      </p:cxnSp>
+      <p:sp>
+        <p:nvSpPr>
+          <p:cNvPr id="11" name="Блок-схема: решение 10">
+            <a:extLst>
+              <a:ext uri="{FF2B5EF4-FFF2-40B4-BE49-F238E27FC236}">
+                <a16:creationId xmlns:a16="http://schemas.microsoft.com/office/drawing/2014/main" id="{B4A19B2C-0CF1-466F-9F65-6C356D70A45E}"/>
+              </a:ext>
+            </a:extLst>
+          </p:cNvPr>
+          <p:cNvSpPr/>
+          <p:nvPr/>
+        </p:nvSpPr>
+        <p:spPr>
+          <a:xfrm>
+            <a:off x="153934" y="3226825"/>
+            <a:ext cx="2251275" cy="674199"/>
+          </a:xfrm>
+          <a:prstGeom prst="flowChartDecision">
+            <a:avLst/>
+          </a:prstGeom>
+          <a:solidFill>
+            <a:schemeClr val="bg1"/>
+          </a:solidFill>
+          <a:ln>
+            <a:solidFill>
+              <a:schemeClr val="tx1"/>
+            </a:solidFill>
+          </a:ln>
+        </p:spPr>
+        <p:style>
+          <a:lnRef idx="2">
+            <a:schemeClr val="accent1">
+              <a:shade val="50000"/>
+            </a:schemeClr>
+          </a:lnRef>
+          <a:fillRef idx="1">
+            <a:schemeClr val="accent1"/>
+          </a:fillRef>
+          <a:effectRef idx="0">
+            <a:schemeClr val="accent1"/>
+          </a:effectRef>
+          <a:fontRef idx="minor">
+            <a:schemeClr val="lt1"/>
+          </a:fontRef>
+        </p:style>
+        <p:txBody>
+          <a:bodyPr rtlCol="0" anchor="ctr"/>
+          <a:lstStyle/>
+          <a:p>
+            <a:pPr algn="ctr"/>
+            <a:r>
+              <a:rPr lang="ru-RU" sz="1100" dirty="0">
+                <a:solidFill>
+                  <a:schemeClr val="tx1"/>
+                </a:solidFill>
+                <a:latin typeface="Arial" panose="020B0604020202020204" pitchFamily="34" charset="0"/>
+                <a:cs typeface="Arial" panose="020B0604020202020204" pitchFamily="34" charset="0"/>
+              </a:rPr>
+              <a:t>Поиск закончен?</a:t>
+            </a:r>
+          </a:p>
+        </p:txBody>
+      </p:sp>
+      <p:cxnSp>
+        <p:nvCxnSpPr>
+          <p:cNvPr id="12" name="Прямая со стрелкой 11">
+            <a:extLst>
+              <a:ext uri="{FF2B5EF4-FFF2-40B4-BE49-F238E27FC236}">
+                <a16:creationId xmlns:a16="http://schemas.microsoft.com/office/drawing/2014/main" id="{A022D1B7-B3CE-4BF4-AC39-3E18F2904A1B}"/>
+              </a:ext>
+            </a:extLst>
+          </p:cNvPr>
+          <p:cNvCxnSpPr>
+            <a:cxnSpLocks/>
+            <a:endCxn id="13" idx="0"/>
+          </p:cNvCxnSpPr>
+          <p:nvPr/>
+        </p:nvCxnSpPr>
+        <p:spPr>
+          <a:xfrm>
+            <a:off x="1279571" y="3901025"/>
+            <a:ext cx="2889" cy="285681"/>
+          </a:xfrm>
+          <a:prstGeom prst="straightConnector1">
+            <a:avLst/>
+          </a:prstGeom>
+          <a:ln>
+            <a:tailEnd type="triangle"/>
+          </a:ln>
+        </p:spPr>
+        <p:style>
+          <a:lnRef idx="1">
+            <a:schemeClr val="dk1"/>
+          </a:lnRef>
+          <a:fillRef idx="0">
+            <a:schemeClr val="dk1"/>
+          </a:fillRef>
+          <a:effectRef idx="0">
+            <a:schemeClr val="dk1"/>
+          </a:effectRef>
+          <a:fontRef idx="minor">
+            <a:schemeClr val="tx1"/>
+          </a:fontRef>
+        </p:style>
+      </p:cxnSp>
+      <p:sp>
+        <p:nvSpPr>
+          <p:cNvPr id="13" name="Прямоугольник: скругленные углы 12">
+            <a:extLst>
+              <a:ext uri="{FF2B5EF4-FFF2-40B4-BE49-F238E27FC236}">
+                <a16:creationId xmlns:a16="http://schemas.microsoft.com/office/drawing/2014/main" id="{EF91AA58-A1AF-4915-8114-7E889E7F7FF8}"/>
+              </a:ext>
+            </a:extLst>
+          </p:cNvPr>
+          <p:cNvSpPr/>
+          <p:nvPr/>
+        </p:nvSpPr>
+        <p:spPr>
+          <a:xfrm>
+            <a:off x="783956" y="4186706"/>
+            <a:ext cx="997008" cy="264920"/>
+          </a:xfrm>
+          <a:prstGeom prst="roundRect">
+            <a:avLst>
+              <a:gd name="adj" fmla="val 50000"/>
+            </a:avLst>
+          </a:prstGeom>
+          <a:solidFill>
+            <a:schemeClr val="bg1"/>
+          </a:solidFill>
+          <a:ln>
+            <a:solidFill>
+              <a:schemeClr val="tx1"/>
+            </a:solidFill>
+          </a:ln>
+        </p:spPr>
+        <p:style>
+          <a:lnRef idx="2">
+            <a:schemeClr val="accent1">
+              <a:shade val="50000"/>
+            </a:schemeClr>
+          </a:lnRef>
+          <a:fillRef idx="1">
+            <a:schemeClr val="accent1"/>
+          </a:fillRef>
+          <a:effectRef idx="0">
+            <a:schemeClr val="accent1"/>
+          </a:effectRef>
+          <a:fontRef idx="minor">
+            <a:schemeClr val="lt1"/>
+          </a:fontRef>
+        </p:style>
+        <p:txBody>
+          <a:bodyPr rtlCol="0" anchor="ctr"/>
+          <a:lstStyle/>
+          <a:p>
+            <a:pPr algn="ctr"/>
+            <a:r>
+              <a:rPr lang="ru-RU" sz="1600" dirty="0">
+                <a:solidFill>
+                  <a:schemeClr val="tx1"/>
+                </a:solidFill>
+                <a:latin typeface="Arial" panose="020B0604020202020204" pitchFamily="34" charset="0"/>
+                <a:cs typeface="Arial" panose="020B0604020202020204" pitchFamily="34" charset="0"/>
+              </a:rPr>
+              <a:t>Конец</a:t>
+            </a:r>
+          </a:p>
+        </p:txBody>
+      </p:sp>
+      <p:cxnSp>
+        <p:nvCxnSpPr>
+          <p:cNvPr id="14" name="Прямая со стрелкой 13">
+            <a:extLst>
+              <a:ext uri="{FF2B5EF4-FFF2-40B4-BE49-F238E27FC236}">
+                <a16:creationId xmlns:a16="http://schemas.microsoft.com/office/drawing/2014/main" id="{4D83FA41-3C56-4335-8502-E36B1E9DD9D9}"/>
+              </a:ext>
+            </a:extLst>
+          </p:cNvPr>
+          <p:cNvCxnSpPr>
+            <a:cxnSpLocks/>
+          </p:cNvCxnSpPr>
+          <p:nvPr/>
+        </p:nvCxnSpPr>
+        <p:spPr>
+          <a:xfrm>
+            <a:off x="2405209" y="3568063"/>
+            <a:ext cx="673256" cy="0"/>
+          </a:xfrm>
+          <a:prstGeom prst="straightConnector1">
+            <a:avLst/>
+          </a:prstGeom>
+          <a:ln>
+            <a:tailEnd type="triangle"/>
+          </a:ln>
+        </p:spPr>
+        <p:style>
+          <a:lnRef idx="1">
+            <a:schemeClr val="dk1"/>
+          </a:lnRef>
+          <a:fillRef idx="0">
+            <a:schemeClr val="dk1"/>
+          </a:fillRef>
+          <a:effectRef idx="0">
+            <a:schemeClr val="dk1"/>
+          </a:effectRef>
+          <a:fontRef idx="minor">
+            <a:schemeClr val="tx1"/>
+          </a:fontRef>
+        </p:style>
+      </p:cxnSp>
+      <p:sp>
+        <p:nvSpPr>
+          <p:cNvPr id="15" name="Блок-схема: типовой процесс 14">
+            <a:extLst>
+              <a:ext uri="{FF2B5EF4-FFF2-40B4-BE49-F238E27FC236}">
+                <a16:creationId xmlns:a16="http://schemas.microsoft.com/office/drawing/2014/main" id="{A0DAFED4-D22D-48A6-BD6E-9C7B90215D89}"/>
+              </a:ext>
+            </a:extLst>
+          </p:cNvPr>
+          <p:cNvSpPr/>
+          <p:nvPr/>
+        </p:nvSpPr>
+        <p:spPr>
+          <a:xfrm>
+            <a:off x="3078465" y="3378199"/>
+            <a:ext cx="2106010" cy="415994"/>
+          </a:xfrm>
+          <a:prstGeom prst="flowChartPredefinedProcess">
+            <a:avLst/>
+          </a:prstGeom>
+          <a:solidFill>
+            <a:schemeClr val="bg1"/>
+          </a:solidFill>
+          <a:ln>
+            <a:solidFill>
+              <a:schemeClr val="tx1"/>
+            </a:solidFill>
+          </a:ln>
+        </p:spPr>
+        <p:style>
+          <a:lnRef idx="2">
+            <a:schemeClr val="accent1">
+              <a:shade val="50000"/>
+            </a:schemeClr>
+          </a:lnRef>
+          <a:fillRef idx="1">
+            <a:schemeClr val="accent1"/>
+          </a:fillRef>
+          <a:effectRef idx="0">
+            <a:schemeClr val="accent1"/>
+          </a:effectRef>
+          <a:fontRef idx="minor">
+            <a:schemeClr val="lt1"/>
+          </a:fontRef>
+        </p:style>
+        <p:txBody>
+          <a:bodyPr rtlCol="0" anchor="ctr"/>
+          <a:lstStyle/>
+          <a:p>
+            <a:pPr algn="ctr"/>
+            <a:r>
+              <a:rPr lang="ru-RU" sz="1400" dirty="0">
+                <a:solidFill>
+                  <a:schemeClr val="tx1"/>
+                </a:solidFill>
+                <a:latin typeface="Arial" panose="020B0604020202020204" pitchFamily="34" charset="0"/>
+                <a:cs typeface="Arial" panose="020B0604020202020204" pitchFamily="34" charset="0"/>
+              </a:rPr>
+              <a:t>Поиск идентификатора</a:t>
+            </a:r>
+          </a:p>
+        </p:txBody>
+      </p:sp>
+      <p:cxnSp>
+        <p:nvCxnSpPr>
+          <p:cNvPr id="17" name="Прямая соединительная линия 16">
+            <a:extLst>
+              <a:ext uri="{FF2B5EF4-FFF2-40B4-BE49-F238E27FC236}">
+                <a16:creationId xmlns:a16="http://schemas.microsoft.com/office/drawing/2014/main" id="{44D46FFB-107E-4D24-8A36-75F8A6F278A6}"/>
+              </a:ext>
+            </a:extLst>
+          </p:cNvPr>
+          <p:cNvCxnSpPr>
+            <a:cxnSpLocks/>
+            <a:stCxn id="15" idx="0"/>
+          </p:cNvCxnSpPr>
+          <p:nvPr/>
+        </p:nvCxnSpPr>
+        <p:spPr>
+          <a:xfrm flipV="1">
+            <a:off x="4131470" y="3076021"/>
+            <a:ext cx="0" cy="302178"/>
+          </a:xfrm>
+          <a:prstGeom prst="line">
+            <a:avLst/>
+          </a:prstGeom>
+        </p:spPr>
+        <p:style>
+          <a:lnRef idx="1">
+            <a:schemeClr val="dk1"/>
+          </a:lnRef>
+          <a:fillRef idx="0">
+            <a:schemeClr val="dk1"/>
+          </a:fillRef>
+          <a:effectRef idx="0">
+            <a:schemeClr val="dk1"/>
+          </a:effectRef>
+          <a:fontRef idx="minor">
+            <a:schemeClr val="tx1"/>
+          </a:fontRef>
+        </p:style>
+      </p:cxnSp>
+      <p:cxnSp>
+        <p:nvCxnSpPr>
+          <p:cNvPr id="20" name="Прямая со стрелкой 19">
+            <a:extLst>
+              <a:ext uri="{FF2B5EF4-FFF2-40B4-BE49-F238E27FC236}">
+                <a16:creationId xmlns:a16="http://schemas.microsoft.com/office/drawing/2014/main" id="{A9FE684C-912B-4C87-A910-2B265D88E40C}"/>
+              </a:ext>
+            </a:extLst>
+          </p:cNvPr>
+          <p:cNvCxnSpPr>
+            <a:cxnSpLocks/>
+          </p:cNvCxnSpPr>
+          <p:nvPr/>
+        </p:nvCxnSpPr>
+        <p:spPr>
+          <a:xfrm flipH="1" flipV="1">
+            <a:off x="1279571" y="3053751"/>
+            <a:ext cx="2851899" cy="22270"/>
+          </a:xfrm>
+          <a:prstGeom prst="straightConnector1">
+            <a:avLst/>
+          </a:prstGeom>
+          <a:ln>
+            <a:tailEnd type="triangle"/>
+          </a:ln>
+        </p:spPr>
+        <p:style>
+          <a:lnRef idx="1">
+            <a:schemeClr val="dk1"/>
+          </a:lnRef>
+          <a:fillRef idx="0">
+            <a:schemeClr val="dk1"/>
+          </a:fillRef>
+          <a:effectRef idx="0">
+            <a:schemeClr val="dk1"/>
+          </a:effectRef>
+          <a:fontRef idx="minor">
+            <a:schemeClr val="tx1"/>
+          </a:fontRef>
+        </p:style>
+      </p:cxnSp>
+      <p:sp>
+        <p:nvSpPr>
+          <p:cNvPr id="26" name="TextBox 25">
+            <a:extLst>
+              <a:ext uri="{FF2B5EF4-FFF2-40B4-BE49-F238E27FC236}">
+                <a16:creationId xmlns:a16="http://schemas.microsoft.com/office/drawing/2014/main" id="{6D45B7BA-5CDC-4112-9B01-29AB1F35A088}"/>
+              </a:ext>
+            </a:extLst>
+          </p:cNvPr>
+          <p:cNvSpPr txBox="1"/>
+          <p:nvPr/>
+        </p:nvSpPr>
+        <p:spPr>
+          <a:xfrm>
+            <a:off x="591920" y="2834608"/>
+            <a:ext cx="621102" cy="369332"/>
+          </a:xfrm>
+          <a:prstGeom prst="rect">
+            <a:avLst/>
+          </a:prstGeom>
+          <a:noFill/>
+        </p:spPr>
+        <p:txBody>
+          <a:bodyPr wrap="square" rtlCol="0">
+            <a:spAutoFit/>
+          </a:bodyPr>
+          <a:lstStyle/>
+          <a:p>
+            <a:r>
+              <a:rPr lang="ru-RU" dirty="0"/>
+              <a:t>Нет</a:t>
+            </a:r>
+          </a:p>
+        </p:txBody>
+      </p:sp>
+      <p:sp>
+        <p:nvSpPr>
+          <p:cNvPr id="28" name="TextBox 27">
+            <a:extLst>
+              <a:ext uri="{FF2B5EF4-FFF2-40B4-BE49-F238E27FC236}">
+                <a16:creationId xmlns:a16="http://schemas.microsoft.com/office/drawing/2014/main" id="{5E960E09-6A12-41C9-A202-99C538FFE057}"/>
+              </a:ext>
+            </a:extLst>
+          </p:cNvPr>
+          <p:cNvSpPr txBox="1"/>
+          <p:nvPr/>
+        </p:nvSpPr>
+        <p:spPr>
+          <a:xfrm>
+            <a:off x="658465" y="3794193"/>
+            <a:ext cx="621102" cy="369332"/>
+          </a:xfrm>
+          <a:prstGeom prst="rect">
+            <a:avLst/>
+          </a:prstGeom>
+          <a:noFill/>
+        </p:spPr>
+        <p:txBody>
+          <a:bodyPr wrap="square" rtlCol="0">
+            <a:spAutoFit/>
+          </a:bodyPr>
+          <a:lstStyle/>
+          <a:p>
+            <a:r>
+              <a:rPr lang="ru-RU" dirty="0"/>
+              <a:t>Нет</a:t>
+            </a:r>
+          </a:p>
+        </p:txBody>
+      </p:sp>
+      <p:cxnSp>
+        <p:nvCxnSpPr>
+          <p:cNvPr id="33" name="Прямая со стрелкой 32">
+            <a:extLst>
+              <a:ext uri="{FF2B5EF4-FFF2-40B4-BE49-F238E27FC236}">
+                <a16:creationId xmlns:a16="http://schemas.microsoft.com/office/drawing/2014/main" id="{B72DFF25-9F19-4A09-AEDD-65C46E22714C}"/>
+              </a:ext>
+            </a:extLst>
+          </p:cNvPr>
+          <p:cNvCxnSpPr>
+            <a:cxnSpLocks/>
+          </p:cNvCxnSpPr>
+          <p:nvPr/>
+        </p:nvCxnSpPr>
+        <p:spPr>
+          <a:xfrm>
+            <a:off x="2405209" y="2573150"/>
+            <a:ext cx="673256" cy="0"/>
+          </a:xfrm>
+          <a:prstGeom prst="straightConnector1">
+            <a:avLst/>
+          </a:prstGeom>
+          <a:ln>
+            <a:tailEnd type="triangle"/>
+          </a:ln>
+        </p:spPr>
+        <p:style>
+          <a:lnRef idx="1">
+            <a:schemeClr val="dk1"/>
+          </a:lnRef>
+          <a:fillRef idx="0">
+            <a:schemeClr val="dk1"/>
+          </a:fillRef>
+          <a:effectRef idx="0">
+            <a:schemeClr val="dk1"/>
+          </a:effectRef>
+          <a:fontRef idx="minor">
+            <a:schemeClr val="tx1"/>
+          </a:fontRef>
+        </p:style>
+      </p:cxnSp>
+      <p:sp>
+        <p:nvSpPr>
+          <p:cNvPr id="34" name="Блок-схема: типовой процесс 33">
+            <a:extLst>
+              <a:ext uri="{FF2B5EF4-FFF2-40B4-BE49-F238E27FC236}">
+                <a16:creationId xmlns:a16="http://schemas.microsoft.com/office/drawing/2014/main" id="{0B1E9B34-07ED-4D95-8623-DF93403F37C4}"/>
+              </a:ext>
+            </a:extLst>
+          </p:cNvPr>
+          <p:cNvSpPr/>
+          <p:nvPr/>
+        </p:nvSpPr>
+        <p:spPr>
+          <a:xfrm>
+            <a:off x="3078465" y="2353561"/>
+            <a:ext cx="2106010" cy="415994"/>
+          </a:xfrm>
+          <a:prstGeom prst="flowChartPredefinedProcess">
+            <a:avLst/>
+          </a:prstGeom>
+          <a:solidFill>
+            <a:schemeClr val="bg1"/>
+          </a:solidFill>
+          <a:ln>
+            <a:solidFill>
+              <a:schemeClr val="tx1"/>
+            </a:solidFill>
+          </a:ln>
+        </p:spPr>
+        <p:style>
+          <a:lnRef idx="2">
+            <a:schemeClr val="accent1">
+              <a:shade val="50000"/>
+            </a:schemeClr>
+          </a:lnRef>
+          <a:fillRef idx="1">
+            <a:schemeClr val="accent1"/>
+          </a:fillRef>
+          <a:effectRef idx="0">
+            <a:schemeClr val="accent1"/>
+          </a:effectRef>
+          <a:fontRef idx="minor">
+            <a:schemeClr val="lt1"/>
+          </a:fontRef>
+        </p:style>
+        <p:txBody>
+          <a:bodyPr rtlCol="0" anchor="ctr"/>
+          <a:lstStyle/>
+          <a:p>
+            <a:pPr algn="ctr"/>
+            <a:r>
+              <a:rPr lang="ru-RU" sz="1400" dirty="0">
+                <a:solidFill>
+                  <a:schemeClr val="tx1"/>
+                </a:solidFill>
+                <a:latin typeface="Arial" panose="020B0604020202020204" pitchFamily="34" charset="0"/>
+                <a:cs typeface="Arial" panose="020B0604020202020204" pitchFamily="34" charset="0"/>
+              </a:rPr>
+              <a:t>Добавление идентификатора</a:t>
+            </a:r>
+          </a:p>
+        </p:txBody>
+      </p:sp>
+      <p:cxnSp>
+        <p:nvCxnSpPr>
+          <p:cNvPr id="35" name="Прямая соединительная линия 34">
+            <a:extLst>
+              <a:ext uri="{FF2B5EF4-FFF2-40B4-BE49-F238E27FC236}">
+                <a16:creationId xmlns:a16="http://schemas.microsoft.com/office/drawing/2014/main" id="{B0B9B87E-A9E7-46E7-BCBA-BA890681DFDF}"/>
+              </a:ext>
+            </a:extLst>
+          </p:cNvPr>
+          <p:cNvCxnSpPr>
+            <a:cxnSpLocks/>
+            <a:stCxn id="34" idx="0"/>
+          </p:cNvCxnSpPr>
+          <p:nvPr/>
+        </p:nvCxnSpPr>
+        <p:spPr>
+          <a:xfrm flipH="1" flipV="1">
+            <a:off x="4131463" y="2026716"/>
+            <a:ext cx="7" cy="326845"/>
+          </a:xfrm>
+          <a:prstGeom prst="line">
+            <a:avLst/>
+          </a:prstGeom>
+        </p:spPr>
+        <p:style>
+          <a:lnRef idx="1">
+            <a:schemeClr val="dk1"/>
+          </a:lnRef>
+          <a:fillRef idx="0">
+            <a:schemeClr val="dk1"/>
+          </a:fillRef>
+          <a:effectRef idx="0">
+            <a:schemeClr val="dk1"/>
+          </a:effectRef>
+          <a:fontRef idx="minor">
+            <a:schemeClr val="tx1"/>
+          </a:fontRef>
+        </p:style>
+      </p:cxnSp>
+      <p:cxnSp>
+        <p:nvCxnSpPr>
+          <p:cNvPr id="36" name="Прямая со стрелкой 35">
+            <a:extLst>
+              <a:ext uri="{FF2B5EF4-FFF2-40B4-BE49-F238E27FC236}">
+                <a16:creationId xmlns:a16="http://schemas.microsoft.com/office/drawing/2014/main" id="{FB9942B5-86B8-47C7-9274-C29B326FDDBB}"/>
+              </a:ext>
+            </a:extLst>
+          </p:cNvPr>
+          <p:cNvCxnSpPr>
+            <a:cxnSpLocks/>
+          </p:cNvCxnSpPr>
+          <p:nvPr/>
+        </p:nvCxnSpPr>
+        <p:spPr>
+          <a:xfrm flipH="1" flipV="1">
+            <a:off x="1279566" y="2004446"/>
+            <a:ext cx="2851899" cy="22270"/>
+          </a:xfrm>
+          <a:prstGeom prst="straightConnector1">
+            <a:avLst/>
+          </a:prstGeom>
+          <a:ln>
+            <a:tailEnd type="triangle"/>
+          </a:ln>
+        </p:spPr>
+        <p:style>
+          <a:lnRef idx="1">
+            <a:schemeClr val="dk1"/>
+          </a:lnRef>
+          <a:fillRef idx="0">
+            <a:schemeClr val="dk1"/>
+          </a:fillRef>
+          <a:effectRef idx="0">
+            <a:schemeClr val="dk1"/>
+          </a:effectRef>
+          <a:fontRef idx="minor">
+            <a:schemeClr val="tx1"/>
+          </a:fontRef>
+        </p:style>
+      </p:cxnSp>
+      <p:sp>
+        <p:nvSpPr>
+          <p:cNvPr id="43" name="TextBox 42">
+            <a:extLst>
+              <a:ext uri="{FF2B5EF4-FFF2-40B4-BE49-F238E27FC236}">
+                <a16:creationId xmlns:a16="http://schemas.microsoft.com/office/drawing/2014/main" id="{56A9BCAE-5F05-45D7-A194-D1EC26EC9044}"/>
+              </a:ext>
+            </a:extLst>
+          </p:cNvPr>
+          <p:cNvSpPr txBox="1"/>
+          <p:nvPr/>
+        </p:nvSpPr>
+        <p:spPr>
+          <a:xfrm>
+            <a:off x="2526561" y="2244697"/>
+            <a:ext cx="621102" cy="369332"/>
+          </a:xfrm>
+          <a:prstGeom prst="rect">
+            <a:avLst/>
+          </a:prstGeom>
+          <a:noFill/>
+        </p:spPr>
+        <p:txBody>
+          <a:bodyPr wrap="square" rtlCol="0">
+            <a:spAutoFit/>
+          </a:bodyPr>
+          <a:lstStyle/>
+          <a:p>
+            <a:r>
+              <a:rPr lang="ru-RU" dirty="0"/>
+              <a:t>Да</a:t>
+            </a:r>
+          </a:p>
+        </p:txBody>
+      </p:sp>
+      <p:sp>
+        <p:nvSpPr>
+          <p:cNvPr id="44" name="TextBox 43">
+            <a:extLst>
+              <a:ext uri="{FF2B5EF4-FFF2-40B4-BE49-F238E27FC236}">
+                <a16:creationId xmlns:a16="http://schemas.microsoft.com/office/drawing/2014/main" id="{7E928D22-7E41-4FB0-9D3D-5337C6DEC611}"/>
+              </a:ext>
+            </a:extLst>
+          </p:cNvPr>
+          <p:cNvSpPr txBox="1"/>
+          <p:nvPr/>
+        </p:nvSpPr>
+        <p:spPr>
+          <a:xfrm>
+            <a:off x="2526561" y="3250155"/>
+            <a:ext cx="621102" cy="369332"/>
+          </a:xfrm>
+          <a:prstGeom prst="rect">
+            <a:avLst/>
+          </a:prstGeom>
+          <a:noFill/>
+        </p:spPr>
+        <p:txBody>
+          <a:bodyPr wrap="square" rtlCol="0">
+            <a:spAutoFit/>
+          </a:bodyPr>
+          <a:lstStyle/>
+          <a:p>
+            <a:r>
+              <a:rPr lang="ru-RU" dirty="0"/>
+              <a:t>Да</a:t>
+            </a:r>
+          </a:p>
+        </p:txBody>
+      </p:sp>
+      <p:sp>
+        <p:nvSpPr>
+          <p:cNvPr id="45" name="Прямоугольник: скругленные углы 44">
+            <a:extLst>
+              <a:ext uri="{FF2B5EF4-FFF2-40B4-BE49-F238E27FC236}">
+                <a16:creationId xmlns:a16="http://schemas.microsoft.com/office/drawing/2014/main" id="{BFE559C6-FD1A-476A-B3AF-5463F8B1E8B0}"/>
+              </a:ext>
+            </a:extLst>
+          </p:cNvPr>
+          <p:cNvSpPr/>
+          <p:nvPr/>
+        </p:nvSpPr>
+        <p:spPr>
+          <a:xfrm>
+            <a:off x="5338703" y="862617"/>
+            <a:ext cx="2545785" cy="335171"/>
+          </a:xfrm>
+          <a:prstGeom prst="roundRect">
+            <a:avLst>
+              <a:gd name="adj" fmla="val 50000"/>
+            </a:avLst>
+          </a:prstGeom>
+          <a:solidFill>
+            <a:schemeClr val="bg1"/>
+          </a:solidFill>
+          <a:ln>
+            <a:solidFill>
+              <a:schemeClr val="tx1"/>
+            </a:solidFill>
+          </a:ln>
+        </p:spPr>
+        <p:style>
+          <a:lnRef idx="2">
+            <a:schemeClr val="accent1">
+              <a:shade val="50000"/>
+            </a:schemeClr>
+          </a:lnRef>
+          <a:fillRef idx="1">
+            <a:schemeClr val="accent1"/>
+          </a:fillRef>
+          <a:effectRef idx="0">
+            <a:schemeClr val="accent1"/>
+          </a:effectRef>
+          <a:fontRef idx="minor">
+            <a:schemeClr val="lt1"/>
+          </a:fontRef>
+        </p:style>
+        <p:txBody>
+          <a:bodyPr rtlCol="0" anchor="ctr"/>
+          <a:lstStyle/>
+          <a:p>
+            <a:pPr algn="ctr"/>
+            <a:r>
+              <a:rPr lang="ru-RU" sz="1200" dirty="0">
+                <a:solidFill>
+                  <a:schemeClr val="tx1"/>
+                </a:solidFill>
+                <a:latin typeface="Arial" panose="020B0604020202020204" pitchFamily="34" charset="0"/>
+                <a:cs typeface="Arial" panose="020B0604020202020204" pitchFamily="34" charset="0"/>
+              </a:rPr>
+              <a:t>Добавление идентификатора</a:t>
+            </a:r>
+          </a:p>
+        </p:txBody>
+      </p:sp>
+      <p:cxnSp>
+        <p:nvCxnSpPr>
+          <p:cNvPr id="47" name="Прямая со стрелкой 46">
+            <a:extLst>
+              <a:ext uri="{FF2B5EF4-FFF2-40B4-BE49-F238E27FC236}">
+                <a16:creationId xmlns:a16="http://schemas.microsoft.com/office/drawing/2014/main" id="{4FE3D7F8-8D94-4F36-ACBE-6604822AD7B5}"/>
+              </a:ext>
+            </a:extLst>
+          </p:cNvPr>
+          <p:cNvCxnSpPr>
+            <a:cxnSpLocks/>
+          </p:cNvCxnSpPr>
+          <p:nvPr/>
+        </p:nvCxnSpPr>
+        <p:spPr>
+          <a:xfrm flipH="1">
+            <a:off x="6608702" y="1197788"/>
+            <a:ext cx="2893" cy="335171"/>
+          </a:xfrm>
+          <a:prstGeom prst="straightConnector1">
+            <a:avLst/>
+          </a:prstGeom>
+          <a:ln>
+            <a:tailEnd type="triangle"/>
+          </a:ln>
+        </p:spPr>
+        <p:style>
+          <a:lnRef idx="1">
+            <a:schemeClr val="dk1"/>
+          </a:lnRef>
+          <a:fillRef idx="0">
+            <a:schemeClr val="dk1"/>
+          </a:fillRef>
+          <a:effectRef idx="0">
+            <a:schemeClr val="dk1"/>
+          </a:effectRef>
+          <a:fontRef idx="minor">
+            <a:schemeClr val="tx1"/>
+          </a:fontRef>
+        </p:style>
+      </p:cxnSp>
+      <p:sp>
+        <p:nvSpPr>
+          <p:cNvPr id="48" name="Блок-схема: решение 47">
+            <a:extLst>
+              <a:ext uri="{FF2B5EF4-FFF2-40B4-BE49-F238E27FC236}">
+                <a16:creationId xmlns:a16="http://schemas.microsoft.com/office/drawing/2014/main" id="{665CBF1B-FC96-49F6-AE39-41A46C7C75CE}"/>
+              </a:ext>
+            </a:extLst>
+          </p:cNvPr>
+          <p:cNvSpPr/>
+          <p:nvPr/>
+        </p:nvSpPr>
+        <p:spPr>
+          <a:xfrm>
+            <a:off x="5520914" y="1532959"/>
+            <a:ext cx="2213426" cy="711738"/>
+          </a:xfrm>
+          <a:prstGeom prst="flowChartDecision">
+            <a:avLst/>
+          </a:prstGeom>
+          <a:solidFill>
+            <a:schemeClr val="bg1"/>
+          </a:solidFill>
+          <a:ln>
+            <a:solidFill>
+              <a:schemeClr val="tx1"/>
+            </a:solidFill>
+          </a:ln>
+        </p:spPr>
+        <p:style>
+          <a:lnRef idx="2">
+            <a:schemeClr val="accent1">
+              <a:shade val="50000"/>
+            </a:schemeClr>
+          </a:lnRef>
+          <a:fillRef idx="1">
+            <a:schemeClr val="accent1"/>
+          </a:fillRef>
+          <a:effectRef idx="0">
+            <a:schemeClr val="accent1"/>
+          </a:effectRef>
+          <a:fontRef idx="minor">
+            <a:schemeClr val="lt1"/>
+          </a:fontRef>
+        </p:style>
+        <p:txBody>
+          <a:bodyPr rtlCol="0" anchor="ctr"/>
+          <a:lstStyle/>
+          <a:p>
+            <a:pPr algn="ctr"/>
+            <a:r>
+              <a:rPr lang="ru-RU" sz="1100" dirty="0">
+                <a:solidFill>
+                  <a:schemeClr val="tx1"/>
+                </a:solidFill>
+                <a:latin typeface="Arial" panose="020B0604020202020204" pitchFamily="34" charset="0"/>
+                <a:cs typeface="Arial" panose="020B0604020202020204" pitchFamily="34" charset="0"/>
+              </a:rPr>
+              <a:t>Первый элемент дерева?</a:t>
+            </a:r>
+          </a:p>
+        </p:txBody>
+      </p:sp>
+      <p:cxnSp>
+        <p:nvCxnSpPr>
+          <p:cNvPr id="49" name="Прямая со стрелкой 48">
+            <a:extLst>
+              <a:ext uri="{FF2B5EF4-FFF2-40B4-BE49-F238E27FC236}">
+                <a16:creationId xmlns:a16="http://schemas.microsoft.com/office/drawing/2014/main" id="{99B3D4A7-7764-4CE9-83E2-42DAEB5B0CF8}"/>
+              </a:ext>
+            </a:extLst>
+          </p:cNvPr>
+          <p:cNvCxnSpPr>
+            <a:cxnSpLocks/>
+          </p:cNvCxnSpPr>
+          <p:nvPr/>
+        </p:nvCxnSpPr>
+        <p:spPr>
+          <a:xfrm>
+            <a:off x="6630521" y="2244697"/>
+            <a:ext cx="0" cy="316861"/>
+          </a:xfrm>
+          <a:prstGeom prst="straightConnector1">
+            <a:avLst/>
+          </a:prstGeom>
+          <a:ln>
+            <a:tailEnd type="triangle"/>
+          </a:ln>
+        </p:spPr>
+        <p:style>
+          <a:lnRef idx="1">
+            <a:schemeClr val="dk1"/>
+          </a:lnRef>
+          <a:fillRef idx="0">
+            <a:schemeClr val="dk1"/>
+          </a:fillRef>
+          <a:effectRef idx="0">
+            <a:schemeClr val="dk1"/>
+          </a:effectRef>
+          <a:fontRef idx="minor">
+            <a:schemeClr val="tx1"/>
+          </a:fontRef>
+        </p:style>
+      </p:cxnSp>
+      <p:cxnSp>
+        <p:nvCxnSpPr>
+          <p:cNvPr id="51" name="Прямая соединительная линия 50">
+            <a:extLst>
+              <a:ext uri="{FF2B5EF4-FFF2-40B4-BE49-F238E27FC236}">
+                <a16:creationId xmlns:a16="http://schemas.microsoft.com/office/drawing/2014/main" id="{4B3FF557-0BCE-49E8-96EF-CCBE46D60BB4}"/>
+              </a:ext>
+            </a:extLst>
+          </p:cNvPr>
+          <p:cNvCxnSpPr>
+            <a:stCxn id="48" idx="3"/>
+          </p:cNvCxnSpPr>
+          <p:nvPr/>
+        </p:nvCxnSpPr>
+        <p:spPr>
+          <a:xfrm>
+            <a:off x="7734340" y="1888828"/>
+            <a:ext cx="1047351" cy="0"/>
+          </a:xfrm>
+          <a:prstGeom prst="line">
+            <a:avLst/>
+          </a:prstGeom>
+        </p:spPr>
+        <p:style>
+          <a:lnRef idx="1">
+            <a:schemeClr val="dk1"/>
+          </a:lnRef>
+          <a:fillRef idx="0">
+            <a:schemeClr val="dk1"/>
+          </a:fillRef>
+          <a:effectRef idx="0">
+            <a:schemeClr val="dk1"/>
+          </a:effectRef>
+          <a:fontRef idx="minor">
+            <a:schemeClr val="tx1"/>
+          </a:fontRef>
+        </p:style>
+      </p:cxnSp>
+      <p:cxnSp>
+        <p:nvCxnSpPr>
+          <p:cNvPr id="52" name="Прямая со стрелкой 51">
+            <a:extLst>
+              <a:ext uri="{FF2B5EF4-FFF2-40B4-BE49-F238E27FC236}">
+                <a16:creationId xmlns:a16="http://schemas.microsoft.com/office/drawing/2014/main" id="{3376CF6D-14A9-4669-A390-B6FFC1BCC387}"/>
+              </a:ext>
+            </a:extLst>
+          </p:cNvPr>
+          <p:cNvCxnSpPr>
+            <a:cxnSpLocks/>
+          </p:cNvCxnSpPr>
+          <p:nvPr/>
+        </p:nvCxnSpPr>
+        <p:spPr>
+          <a:xfrm flipH="1">
+            <a:off x="8781691" y="1877591"/>
+            <a:ext cx="1" cy="275980"/>
+          </a:xfrm>
+          <a:prstGeom prst="straightConnector1">
+            <a:avLst/>
+          </a:prstGeom>
+          <a:ln>
+            <a:tailEnd type="triangle"/>
+          </a:ln>
+        </p:spPr>
+        <p:style>
+          <a:lnRef idx="1">
+            <a:schemeClr val="dk1"/>
+          </a:lnRef>
+          <a:fillRef idx="0">
+            <a:schemeClr val="dk1"/>
+          </a:fillRef>
+          <a:effectRef idx="0">
+            <a:schemeClr val="dk1"/>
+          </a:effectRef>
+          <a:fontRef idx="minor">
+            <a:schemeClr val="tx1"/>
+          </a:fontRef>
+        </p:style>
+      </p:cxnSp>
+      <p:sp>
+        <p:nvSpPr>
+          <p:cNvPr id="54" name="Прямоугольник 53">
+            <a:extLst>
+              <a:ext uri="{FF2B5EF4-FFF2-40B4-BE49-F238E27FC236}">
+                <a16:creationId xmlns:a16="http://schemas.microsoft.com/office/drawing/2014/main" id="{DE431FD1-EA99-4BC9-88F8-AEA69326B6CA}"/>
+              </a:ext>
+            </a:extLst>
+          </p:cNvPr>
+          <p:cNvSpPr/>
+          <p:nvPr/>
+        </p:nvSpPr>
+        <p:spPr>
+          <a:xfrm>
+            <a:off x="8004014" y="2153571"/>
+            <a:ext cx="1549567" cy="449211"/>
+          </a:xfrm>
+          <a:prstGeom prst="rect">
+            <a:avLst/>
+          </a:prstGeom>
+          <a:solidFill>
+            <a:schemeClr val="bg1"/>
+          </a:solidFill>
+        </p:spPr>
+        <p:style>
+          <a:lnRef idx="2">
+            <a:schemeClr val="dk1">
+              <a:shade val="50000"/>
+            </a:schemeClr>
+          </a:lnRef>
+          <a:fillRef idx="1">
+            <a:schemeClr val="dk1"/>
+          </a:fillRef>
+          <a:effectRef idx="0">
+            <a:schemeClr val="dk1"/>
+          </a:effectRef>
+          <a:fontRef idx="minor">
+            <a:schemeClr val="lt1"/>
+          </a:fontRef>
+        </p:style>
+        <p:txBody>
+          <a:bodyPr rtlCol="0" anchor="ctr"/>
+          <a:lstStyle/>
+          <a:p>
+            <a:pPr algn="ctr"/>
+            <a:r>
+              <a:rPr lang="ru-RU" sz="1100" dirty="0">
+                <a:solidFill>
+                  <a:schemeClr val="tx1"/>
+                </a:solidFill>
+                <a:latin typeface="Arial" panose="020B0604020202020204" pitchFamily="34" charset="0"/>
+                <a:cs typeface="Arial" panose="020B0604020202020204" pitchFamily="34" charset="0"/>
+              </a:rPr>
+              <a:t>Сделать корнем дерева</a:t>
+            </a:r>
+          </a:p>
+        </p:txBody>
+      </p:sp>
+      <p:sp>
+        <p:nvSpPr>
+          <p:cNvPr id="56" name="TextBox 55">
+            <a:extLst>
+              <a:ext uri="{FF2B5EF4-FFF2-40B4-BE49-F238E27FC236}">
+                <a16:creationId xmlns:a16="http://schemas.microsoft.com/office/drawing/2014/main" id="{B1B63D22-8F0A-4962-B295-BC9FB3E8BF40}"/>
+              </a:ext>
+            </a:extLst>
+          </p:cNvPr>
+          <p:cNvSpPr txBox="1"/>
+          <p:nvPr/>
+        </p:nvSpPr>
+        <p:spPr>
+          <a:xfrm>
+            <a:off x="7969305" y="1554201"/>
+            <a:ext cx="621102" cy="369332"/>
+          </a:xfrm>
+          <a:prstGeom prst="rect">
+            <a:avLst/>
+          </a:prstGeom>
+          <a:noFill/>
+        </p:spPr>
+        <p:txBody>
+          <a:bodyPr wrap="square" rtlCol="0">
+            <a:spAutoFit/>
+          </a:bodyPr>
+          <a:lstStyle/>
+          <a:p>
+            <a:r>
+              <a:rPr lang="ru-RU" dirty="0"/>
+              <a:t>Да</a:t>
+            </a:r>
+          </a:p>
+        </p:txBody>
+      </p:sp>
+      <p:cxnSp>
+        <p:nvCxnSpPr>
+          <p:cNvPr id="57" name="Прямая со стрелкой 56">
+            <a:extLst>
+              <a:ext uri="{FF2B5EF4-FFF2-40B4-BE49-F238E27FC236}">
+                <a16:creationId xmlns:a16="http://schemas.microsoft.com/office/drawing/2014/main" id="{62303367-8E85-4B74-AF22-9714FC8051D2}"/>
+              </a:ext>
+            </a:extLst>
+          </p:cNvPr>
+          <p:cNvCxnSpPr>
+            <a:cxnSpLocks/>
+          </p:cNvCxnSpPr>
+          <p:nvPr/>
+        </p:nvCxnSpPr>
+        <p:spPr>
+          <a:xfrm flipH="1">
+            <a:off x="6627627" y="2370173"/>
+            <a:ext cx="412963" cy="1288"/>
+          </a:xfrm>
+          <a:prstGeom prst="straightConnector1">
+            <a:avLst/>
+          </a:prstGeom>
+          <a:ln>
+            <a:tailEnd type="triangle"/>
+          </a:ln>
+        </p:spPr>
+        <p:style>
+          <a:lnRef idx="1">
+            <a:schemeClr val="dk1"/>
+          </a:lnRef>
+          <a:fillRef idx="0">
+            <a:schemeClr val="dk1"/>
+          </a:fillRef>
+          <a:effectRef idx="0">
+            <a:schemeClr val="dk1"/>
+          </a:effectRef>
+          <a:fontRef idx="minor">
+            <a:schemeClr val="tx1"/>
+          </a:fontRef>
+        </p:style>
+      </p:cxnSp>
+      <p:sp>
+        <p:nvSpPr>
+          <p:cNvPr id="60" name="Овал 59">
+            <a:extLst>
+              <a:ext uri="{FF2B5EF4-FFF2-40B4-BE49-F238E27FC236}">
+                <a16:creationId xmlns:a16="http://schemas.microsoft.com/office/drawing/2014/main" id="{7FDCEC92-88F8-41D4-B38B-9CA4A713CB13}"/>
+              </a:ext>
+            </a:extLst>
+          </p:cNvPr>
+          <p:cNvSpPr/>
+          <p:nvPr/>
+        </p:nvSpPr>
+        <p:spPr>
+          <a:xfrm>
+            <a:off x="7041725" y="2153571"/>
+            <a:ext cx="463672" cy="449211"/>
+          </a:xfrm>
+          <a:prstGeom prst="ellipse">
+            <a:avLst/>
+          </a:prstGeom>
+          <a:solidFill>
+            <a:schemeClr val="bg1"/>
+          </a:solidFill>
+        </p:spPr>
+        <p:style>
+          <a:lnRef idx="2">
+            <a:schemeClr val="dk1">
+              <a:shade val="50000"/>
+            </a:schemeClr>
+          </a:lnRef>
+          <a:fillRef idx="1">
+            <a:schemeClr val="dk1"/>
+          </a:fillRef>
+          <a:effectRef idx="0">
+            <a:schemeClr val="dk1"/>
+          </a:effectRef>
+          <a:fontRef idx="minor">
+            <a:schemeClr val="lt1"/>
+          </a:fontRef>
+        </p:style>
+        <p:txBody>
+          <a:bodyPr rtlCol="0" anchor="ctr"/>
+          <a:lstStyle/>
+          <a:p>
+            <a:pPr algn="ctr"/>
+            <a:r>
+              <a:rPr lang="ru-RU" dirty="0">
+                <a:solidFill>
+                  <a:schemeClr val="tx1"/>
+                </a:solidFill>
+              </a:rPr>
+              <a:t>А</a:t>
+            </a:r>
+          </a:p>
+        </p:txBody>
+      </p:sp>
+      <p:sp>
+        <p:nvSpPr>
+          <p:cNvPr id="64" name="Блок-схема: решение 63">
+            <a:extLst>
+              <a:ext uri="{FF2B5EF4-FFF2-40B4-BE49-F238E27FC236}">
+                <a16:creationId xmlns:a16="http://schemas.microsoft.com/office/drawing/2014/main" id="{28793EB6-B8E9-4EB1-8912-3F02E3FC41A6}"/>
+              </a:ext>
+            </a:extLst>
+          </p:cNvPr>
+          <p:cNvSpPr/>
+          <p:nvPr/>
+        </p:nvSpPr>
+        <p:spPr>
+          <a:xfrm>
+            <a:off x="5821062" y="2562658"/>
+            <a:ext cx="1613130" cy="769440"/>
+          </a:xfrm>
+          <a:prstGeom prst="flowChartDecision">
+            <a:avLst/>
+          </a:prstGeom>
+          <a:solidFill>
+            <a:schemeClr val="bg1"/>
+          </a:solidFill>
+          <a:ln>
+            <a:solidFill>
+              <a:schemeClr val="tx1"/>
+            </a:solidFill>
+          </a:ln>
+        </p:spPr>
+        <p:style>
+          <a:lnRef idx="2">
+            <a:schemeClr val="accent1">
+              <a:shade val="50000"/>
+            </a:schemeClr>
+          </a:lnRef>
+          <a:fillRef idx="1">
+            <a:schemeClr val="accent1"/>
+          </a:fillRef>
+          <a:effectRef idx="0">
+            <a:schemeClr val="accent1"/>
+          </a:effectRef>
+          <a:fontRef idx="minor">
+            <a:schemeClr val="lt1"/>
+          </a:fontRef>
+        </p:style>
+        <p:txBody>
+          <a:bodyPr rtlCol="0" anchor="ctr"/>
+          <a:lstStyle/>
+          <a:p>
+            <a:pPr algn="ctr"/>
+            <a:r>
+              <a:rPr lang="ru-RU" sz="1100" dirty="0">
+                <a:solidFill>
+                  <a:schemeClr val="tx1"/>
+                </a:solidFill>
+                <a:latin typeface="Arial" panose="020B0604020202020204" pitchFamily="34" charset="0"/>
+                <a:cs typeface="Arial" panose="020B0604020202020204" pitchFamily="34" charset="0"/>
+              </a:rPr>
+              <a:t>Элемент</a:t>
+            </a:r>
+            <a:r>
+              <a:rPr lang="en-US" sz="1100" dirty="0">
+                <a:solidFill>
+                  <a:schemeClr val="tx1"/>
+                </a:solidFill>
+                <a:latin typeface="Arial" panose="020B0604020202020204" pitchFamily="34" charset="0"/>
+                <a:cs typeface="Arial" panose="020B0604020202020204" pitchFamily="34" charset="0"/>
+              </a:rPr>
+              <a:t> &lt; </a:t>
+            </a:r>
+            <a:r>
+              <a:rPr lang="ru-RU" sz="1100" dirty="0">
+                <a:solidFill>
+                  <a:schemeClr val="tx1"/>
+                </a:solidFill>
+                <a:latin typeface="Arial" panose="020B0604020202020204" pitchFamily="34" charset="0"/>
+                <a:cs typeface="Arial" panose="020B0604020202020204" pitchFamily="34" charset="0"/>
+              </a:rPr>
+              <a:t>текущего</a:t>
+            </a:r>
+          </a:p>
+        </p:txBody>
+      </p:sp>
+      <p:cxnSp>
+        <p:nvCxnSpPr>
+          <p:cNvPr id="66" name="Прямая со стрелкой 65">
+            <a:extLst>
+              <a:ext uri="{FF2B5EF4-FFF2-40B4-BE49-F238E27FC236}">
+                <a16:creationId xmlns:a16="http://schemas.microsoft.com/office/drawing/2014/main" id="{71D37CEC-7BE4-4190-81E6-E08C0B3B50A1}"/>
+              </a:ext>
+            </a:extLst>
+          </p:cNvPr>
+          <p:cNvCxnSpPr>
+            <a:cxnSpLocks/>
+          </p:cNvCxnSpPr>
+          <p:nvPr/>
+        </p:nvCxnSpPr>
+        <p:spPr>
+          <a:xfrm>
+            <a:off x="6637140" y="3332098"/>
+            <a:ext cx="0" cy="316861"/>
+          </a:xfrm>
+          <a:prstGeom prst="straightConnector1">
+            <a:avLst/>
+          </a:prstGeom>
+          <a:ln>
+            <a:tailEnd type="triangle"/>
+          </a:ln>
+        </p:spPr>
+        <p:style>
+          <a:lnRef idx="1">
+            <a:schemeClr val="dk1"/>
+          </a:lnRef>
+          <a:fillRef idx="0">
+            <a:schemeClr val="dk1"/>
+          </a:fillRef>
+          <a:effectRef idx="0">
+            <a:schemeClr val="dk1"/>
+          </a:effectRef>
+          <a:fontRef idx="minor">
+            <a:schemeClr val="tx1"/>
+          </a:fontRef>
+        </p:style>
+      </p:cxnSp>
+      <p:sp>
+        <p:nvSpPr>
+          <p:cNvPr id="67" name="Блок-схема: решение 66">
+            <a:extLst>
+              <a:ext uri="{FF2B5EF4-FFF2-40B4-BE49-F238E27FC236}">
+                <a16:creationId xmlns:a16="http://schemas.microsoft.com/office/drawing/2014/main" id="{61373912-24EB-4CCC-B5D8-9E70A0D6FF38}"/>
+              </a:ext>
+            </a:extLst>
+          </p:cNvPr>
+          <p:cNvSpPr/>
+          <p:nvPr/>
+        </p:nvSpPr>
+        <p:spPr>
+          <a:xfrm>
+            <a:off x="5830575" y="3659145"/>
+            <a:ext cx="1613130" cy="674199"/>
+          </a:xfrm>
+          <a:prstGeom prst="flowChartDecision">
+            <a:avLst/>
+          </a:prstGeom>
+          <a:solidFill>
+            <a:schemeClr val="bg1"/>
+          </a:solidFill>
+          <a:ln>
+            <a:solidFill>
+              <a:schemeClr val="tx1"/>
+            </a:solidFill>
+          </a:ln>
+        </p:spPr>
+        <p:style>
+          <a:lnRef idx="2">
+            <a:schemeClr val="accent1">
+              <a:shade val="50000"/>
+            </a:schemeClr>
+          </a:lnRef>
+          <a:fillRef idx="1">
+            <a:schemeClr val="accent1"/>
+          </a:fillRef>
+          <a:effectRef idx="0">
+            <a:schemeClr val="accent1"/>
+          </a:effectRef>
+          <a:fontRef idx="minor">
+            <a:schemeClr val="lt1"/>
+          </a:fontRef>
+        </p:style>
+        <p:txBody>
+          <a:bodyPr rtlCol="0" anchor="ctr"/>
+          <a:lstStyle/>
+          <a:p>
+            <a:pPr algn="ctr"/>
+            <a:r>
+              <a:rPr lang="ru-RU" sz="1100" dirty="0">
+                <a:solidFill>
+                  <a:schemeClr val="tx1"/>
+                </a:solidFill>
+                <a:latin typeface="Arial" panose="020B0604020202020204" pitchFamily="34" charset="0"/>
+                <a:cs typeface="Arial" panose="020B0604020202020204" pitchFamily="34" charset="0"/>
+              </a:rPr>
+              <a:t>Левая ветвь пуста?</a:t>
+            </a:r>
+          </a:p>
+        </p:txBody>
+      </p:sp>
+      <p:sp>
+        <p:nvSpPr>
+          <p:cNvPr id="68" name="Прямоугольник 67">
+            <a:extLst>
+              <a:ext uri="{FF2B5EF4-FFF2-40B4-BE49-F238E27FC236}">
+                <a16:creationId xmlns:a16="http://schemas.microsoft.com/office/drawing/2014/main" id="{6B055471-95DF-4F67-84E1-75FF9B194215}"/>
+              </a:ext>
+            </a:extLst>
+          </p:cNvPr>
+          <p:cNvSpPr/>
+          <p:nvPr/>
+        </p:nvSpPr>
+        <p:spPr>
+          <a:xfrm>
+            <a:off x="5852843" y="4632514"/>
+            <a:ext cx="1549567" cy="449211"/>
+          </a:xfrm>
+          <a:prstGeom prst="rect">
+            <a:avLst/>
+          </a:prstGeom>
+          <a:solidFill>
+            <a:schemeClr val="bg1"/>
+          </a:solidFill>
+        </p:spPr>
+        <p:style>
+          <a:lnRef idx="2">
+            <a:schemeClr val="dk1">
+              <a:shade val="50000"/>
+            </a:schemeClr>
+          </a:lnRef>
+          <a:fillRef idx="1">
+            <a:schemeClr val="dk1"/>
+          </a:fillRef>
+          <a:effectRef idx="0">
+            <a:schemeClr val="dk1"/>
+          </a:effectRef>
+          <a:fontRef idx="minor">
+            <a:schemeClr val="lt1"/>
+          </a:fontRef>
+        </p:style>
+        <p:txBody>
+          <a:bodyPr rtlCol="0" anchor="ctr"/>
+          <a:lstStyle/>
+          <a:p>
+            <a:pPr algn="ctr"/>
+            <a:r>
+              <a:rPr lang="ru-RU" sz="1100" dirty="0">
+                <a:solidFill>
+                  <a:schemeClr val="tx1"/>
+                </a:solidFill>
+                <a:latin typeface="Arial" panose="020B0604020202020204" pitchFamily="34" charset="0"/>
+                <a:cs typeface="Arial" panose="020B0604020202020204" pitchFamily="34" charset="0"/>
+              </a:rPr>
+              <a:t>Сделать левый узел текущим</a:t>
+            </a:r>
+          </a:p>
+        </p:txBody>
+      </p:sp>
+      <p:cxnSp>
+        <p:nvCxnSpPr>
+          <p:cNvPr id="69" name="Прямая со стрелкой 68">
+            <a:extLst>
+              <a:ext uri="{FF2B5EF4-FFF2-40B4-BE49-F238E27FC236}">
+                <a16:creationId xmlns:a16="http://schemas.microsoft.com/office/drawing/2014/main" id="{82BEAA08-5AB0-49B8-B140-032481B0A982}"/>
+              </a:ext>
+            </a:extLst>
+          </p:cNvPr>
+          <p:cNvCxnSpPr>
+            <a:cxnSpLocks/>
+          </p:cNvCxnSpPr>
+          <p:nvPr/>
+        </p:nvCxnSpPr>
+        <p:spPr>
+          <a:xfrm flipH="1">
+            <a:off x="6627627" y="4343530"/>
+            <a:ext cx="1" cy="275980"/>
+          </a:xfrm>
+          <a:prstGeom prst="straightConnector1">
+            <a:avLst/>
+          </a:prstGeom>
+          <a:ln>
+            <a:tailEnd type="triangle"/>
+          </a:ln>
+        </p:spPr>
+        <p:style>
+          <a:lnRef idx="1">
+            <a:schemeClr val="dk1"/>
+          </a:lnRef>
+          <a:fillRef idx="0">
+            <a:schemeClr val="dk1"/>
+          </a:fillRef>
+          <a:effectRef idx="0">
+            <a:schemeClr val="dk1"/>
+          </a:effectRef>
+          <a:fontRef idx="minor">
+            <a:schemeClr val="tx1"/>
+          </a:fontRef>
+        </p:style>
+      </p:cxnSp>
+      <p:cxnSp>
+        <p:nvCxnSpPr>
+          <p:cNvPr id="71" name="Прямая соединительная линия 70">
+            <a:extLst>
+              <a:ext uri="{FF2B5EF4-FFF2-40B4-BE49-F238E27FC236}">
+                <a16:creationId xmlns:a16="http://schemas.microsoft.com/office/drawing/2014/main" id="{78104C33-682A-477C-8EA9-578FFF4CF9B2}"/>
+              </a:ext>
+            </a:extLst>
+          </p:cNvPr>
+          <p:cNvCxnSpPr>
+            <a:cxnSpLocks/>
+            <a:stCxn id="68" idx="2"/>
+          </p:cNvCxnSpPr>
+          <p:nvPr/>
+        </p:nvCxnSpPr>
+        <p:spPr>
+          <a:xfrm flipH="1">
+            <a:off x="6627626" y="5081725"/>
+            <a:ext cx="1" cy="243316"/>
+          </a:xfrm>
+          <a:prstGeom prst="line">
+            <a:avLst/>
+          </a:prstGeom>
+        </p:spPr>
+        <p:style>
+          <a:lnRef idx="1">
+            <a:schemeClr val="dk1"/>
+          </a:lnRef>
+          <a:fillRef idx="0">
+            <a:schemeClr val="dk1"/>
+          </a:fillRef>
+          <a:effectRef idx="0">
+            <a:schemeClr val="dk1"/>
+          </a:effectRef>
+          <a:fontRef idx="minor">
+            <a:schemeClr val="tx1"/>
+          </a:fontRef>
+        </p:style>
+      </p:cxnSp>
+      <p:cxnSp>
+        <p:nvCxnSpPr>
+          <p:cNvPr id="74" name="Прямая соединительная линия 73">
+            <a:extLst>
+              <a:ext uri="{FF2B5EF4-FFF2-40B4-BE49-F238E27FC236}">
+                <a16:creationId xmlns:a16="http://schemas.microsoft.com/office/drawing/2014/main" id="{89DA9DA5-BC39-4282-815F-6ECEF2F93BDA}"/>
+              </a:ext>
+            </a:extLst>
+          </p:cNvPr>
+          <p:cNvCxnSpPr/>
+          <p:nvPr/>
+        </p:nvCxnSpPr>
+        <p:spPr>
+          <a:xfrm flipH="1">
+            <a:off x="5338703" y="5325041"/>
+            <a:ext cx="1288923" cy="0"/>
+          </a:xfrm>
+          <a:prstGeom prst="line">
+            <a:avLst/>
+          </a:prstGeom>
+        </p:spPr>
+        <p:style>
+          <a:lnRef idx="1">
+            <a:schemeClr val="dk1"/>
+          </a:lnRef>
+          <a:fillRef idx="0">
+            <a:schemeClr val="dk1"/>
+          </a:fillRef>
+          <a:effectRef idx="0">
+            <a:schemeClr val="dk1"/>
+          </a:effectRef>
+          <a:fontRef idx="minor">
+            <a:schemeClr val="tx1"/>
+          </a:fontRef>
+        </p:style>
+      </p:cxnSp>
+      <p:cxnSp>
+        <p:nvCxnSpPr>
+          <p:cNvPr id="76" name="Прямая соединительная линия 75">
+            <a:extLst>
+              <a:ext uri="{FF2B5EF4-FFF2-40B4-BE49-F238E27FC236}">
+                <a16:creationId xmlns:a16="http://schemas.microsoft.com/office/drawing/2014/main" id="{22CAA15B-61CC-47C4-B88C-E73B30C98C51}"/>
+              </a:ext>
+            </a:extLst>
+          </p:cNvPr>
+          <p:cNvCxnSpPr>
+            <a:cxnSpLocks/>
+          </p:cNvCxnSpPr>
+          <p:nvPr/>
+        </p:nvCxnSpPr>
+        <p:spPr>
+          <a:xfrm flipV="1">
+            <a:off x="5338703" y="2378176"/>
+            <a:ext cx="0" cy="2946865"/>
+          </a:xfrm>
+          <a:prstGeom prst="line">
+            <a:avLst/>
+          </a:prstGeom>
+        </p:spPr>
+        <p:style>
+          <a:lnRef idx="1">
+            <a:schemeClr val="dk1"/>
+          </a:lnRef>
+          <a:fillRef idx="0">
+            <a:schemeClr val="dk1"/>
+          </a:fillRef>
+          <a:effectRef idx="0">
+            <a:schemeClr val="dk1"/>
+          </a:effectRef>
+          <a:fontRef idx="minor">
+            <a:schemeClr val="tx1"/>
+          </a:fontRef>
+        </p:style>
+      </p:cxnSp>
+      <p:cxnSp>
+        <p:nvCxnSpPr>
+          <p:cNvPr id="78" name="Прямая со стрелкой 77">
+            <a:extLst>
+              <a:ext uri="{FF2B5EF4-FFF2-40B4-BE49-F238E27FC236}">
+                <a16:creationId xmlns:a16="http://schemas.microsoft.com/office/drawing/2014/main" id="{14ECD1E3-6E8F-4F16-89D8-2D6E42B0DAB8}"/>
+              </a:ext>
+            </a:extLst>
+          </p:cNvPr>
+          <p:cNvCxnSpPr>
+            <a:cxnSpLocks/>
+          </p:cNvCxnSpPr>
+          <p:nvPr/>
+        </p:nvCxnSpPr>
+        <p:spPr>
+          <a:xfrm>
+            <a:off x="5333947" y="2370173"/>
+            <a:ext cx="1303193" cy="0"/>
+          </a:xfrm>
+          <a:prstGeom prst="straightConnector1">
+            <a:avLst/>
+          </a:prstGeom>
+          <a:ln>
+            <a:tailEnd type="triangle"/>
+          </a:ln>
+        </p:spPr>
+        <p:style>
+          <a:lnRef idx="1">
+            <a:schemeClr val="dk1"/>
+          </a:lnRef>
+          <a:fillRef idx="0">
+            <a:schemeClr val="dk1"/>
+          </a:fillRef>
+          <a:effectRef idx="0">
+            <a:schemeClr val="dk1"/>
+          </a:effectRef>
+          <a:fontRef idx="minor">
+            <a:schemeClr val="tx1"/>
+          </a:fontRef>
+        </p:style>
+      </p:cxnSp>
+      <p:cxnSp>
+        <p:nvCxnSpPr>
+          <p:cNvPr id="89" name="Прямая соединительная линия 88">
+            <a:extLst>
+              <a:ext uri="{FF2B5EF4-FFF2-40B4-BE49-F238E27FC236}">
+                <a16:creationId xmlns:a16="http://schemas.microsoft.com/office/drawing/2014/main" id="{253CE88B-6E6D-4EDC-84B8-6995775454E7}"/>
+              </a:ext>
+            </a:extLst>
+          </p:cNvPr>
+          <p:cNvCxnSpPr>
+            <a:cxnSpLocks/>
+            <a:stCxn id="67" idx="3"/>
+          </p:cNvCxnSpPr>
+          <p:nvPr/>
+        </p:nvCxnSpPr>
+        <p:spPr>
+          <a:xfrm>
+            <a:off x="7443705" y="3996245"/>
+            <a:ext cx="854189" cy="0"/>
+          </a:xfrm>
+          <a:prstGeom prst="line">
+            <a:avLst/>
+          </a:prstGeom>
+        </p:spPr>
+        <p:style>
+          <a:lnRef idx="1">
+            <a:schemeClr val="dk1"/>
+          </a:lnRef>
+          <a:fillRef idx="0">
+            <a:schemeClr val="dk1"/>
+          </a:fillRef>
+          <a:effectRef idx="0">
+            <a:schemeClr val="dk1"/>
+          </a:effectRef>
+          <a:fontRef idx="minor">
+            <a:schemeClr val="tx1"/>
+          </a:fontRef>
+        </p:style>
+      </p:cxnSp>
+      <p:sp>
+        <p:nvSpPr>
+          <p:cNvPr id="91" name="Прямоугольник 90">
+            <a:extLst>
+              <a:ext uri="{FF2B5EF4-FFF2-40B4-BE49-F238E27FC236}">
+                <a16:creationId xmlns:a16="http://schemas.microsoft.com/office/drawing/2014/main" id="{8C305A6E-03EB-48F3-815F-4FE689093BD2}"/>
+              </a:ext>
+            </a:extLst>
+          </p:cNvPr>
+          <p:cNvSpPr/>
+          <p:nvPr/>
+        </p:nvSpPr>
+        <p:spPr>
+          <a:xfrm>
+            <a:off x="7523110" y="5465170"/>
+            <a:ext cx="1549567" cy="449211"/>
+          </a:xfrm>
+          <a:prstGeom prst="rect">
+            <a:avLst/>
+          </a:prstGeom>
+          <a:solidFill>
+            <a:schemeClr val="bg1"/>
+          </a:solidFill>
+        </p:spPr>
+        <p:style>
+          <a:lnRef idx="2">
+            <a:schemeClr val="dk1">
+              <a:shade val="50000"/>
+            </a:schemeClr>
+          </a:lnRef>
+          <a:fillRef idx="1">
+            <a:schemeClr val="dk1"/>
+          </a:fillRef>
+          <a:effectRef idx="0">
+            <a:schemeClr val="dk1"/>
+          </a:effectRef>
+          <a:fontRef idx="minor">
+            <a:schemeClr val="lt1"/>
+          </a:fontRef>
+        </p:style>
+        <p:txBody>
+          <a:bodyPr rtlCol="0" anchor="ctr"/>
+          <a:lstStyle/>
+          <a:p>
+            <a:pPr algn="ctr"/>
+            <a:r>
+              <a:rPr lang="ru-RU" sz="1100" dirty="0">
+                <a:solidFill>
+                  <a:schemeClr val="tx1"/>
+                </a:solidFill>
+                <a:latin typeface="Arial" panose="020B0604020202020204" pitchFamily="34" charset="0"/>
+                <a:cs typeface="Arial" panose="020B0604020202020204" pitchFamily="34" charset="0"/>
+              </a:rPr>
+              <a:t>Добавить элемент в левую ветвь</a:t>
+            </a:r>
+          </a:p>
+        </p:txBody>
+      </p:sp>
+      <p:cxnSp>
+        <p:nvCxnSpPr>
+          <p:cNvPr id="93" name="Прямая со стрелкой 92">
+            <a:extLst>
+              <a:ext uri="{FF2B5EF4-FFF2-40B4-BE49-F238E27FC236}">
+                <a16:creationId xmlns:a16="http://schemas.microsoft.com/office/drawing/2014/main" id="{5C11096B-259E-4487-8CDA-3289E48FEFC9}"/>
+              </a:ext>
+            </a:extLst>
+          </p:cNvPr>
+          <p:cNvCxnSpPr>
+            <a:cxnSpLocks/>
+            <a:endCxn id="91" idx="0"/>
+          </p:cNvCxnSpPr>
+          <p:nvPr/>
+        </p:nvCxnSpPr>
+        <p:spPr>
+          <a:xfrm>
+            <a:off x="8297894" y="4005928"/>
+            <a:ext cx="0" cy="1459242"/>
+          </a:xfrm>
+          <a:prstGeom prst="straightConnector1">
+            <a:avLst/>
+          </a:prstGeom>
+          <a:ln>
+            <a:tailEnd type="triangle"/>
+          </a:ln>
+        </p:spPr>
+        <p:style>
+          <a:lnRef idx="1">
+            <a:schemeClr val="dk1"/>
+          </a:lnRef>
+          <a:fillRef idx="0">
+            <a:schemeClr val="dk1"/>
+          </a:fillRef>
+          <a:effectRef idx="0">
+            <a:schemeClr val="dk1"/>
+          </a:effectRef>
+          <a:fontRef idx="minor">
+            <a:schemeClr val="tx1"/>
+          </a:fontRef>
+        </p:style>
+      </p:cxnSp>
+      <p:cxnSp>
+        <p:nvCxnSpPr>
+          <p:cNvPr id="97" name="Прямая со стрелкой 96">
+            <a:extLst>
+              <a:ext uri="{FF2B5EF4-FFF2-40B4-BE49-F238E27FC236}">
+                <a16:creationId xmlns:a16="http://schemas.microsoft.com/office/drawing/2014/main" id="{8D9975CA-98FD-4535-84E9-9CE2C743F34D}"/>
+              </a:ext>
+            </a:extLst>
+          </p:cNvPr>
+          <p:cNvCxnSpPr>
+            <a:cxnSpLocks/>
+            <a:endCxn id="99" idx="0"/>
+          </p:cNvCxnSpPr>
+          <p:nvPr/>
+        </p:nvCxnSpPr>
+        <p:spPr>
+          <a:xfrm>
+            <a:off x="8315607" y="5914381"/>
+            <a:ext cx="0" cy="564334"/>
+          </a:xfrm>
+          <a:prstGeom prst="straightConnector1">
+            <a:avLst/>
+          </a:prstGeom>
+          <a:ln>
+            <a:tailEnd type="triangle"/>
+          </a:ln>
+        </p:spPr>
+        <p:style>
+          <a:lnRef idx="1">
+            <a:schemeClr val="dk1"/>
+          </a:lnRef>
+          <a:fillRef idx="0">
+            <a:schemeClr val="dk1"/>
+          </a:fillRef>
+          <a:effectRef idx="0">
+            <a:schemeClr val="dk1"/>
+          </a:effectRef>
+          <a:fontRef idx="minor">
+            <a:schemeClr val="tx1"/>
+          </a:fontRef>
+        </p:style>
+      </p:cxnSp>
+      <p:sp>
+        <p:nvSpPr>
+          <p:cNvPr id="99" name="Прямоугольник: скругленные углы 98">
+            <a:extLst>
+              <a:ext uri="{FF2B5EF4-FFF2-40B4-BE49-F238E27FC236}">
+                <a16:creationId xmlns:a16="http://schemas.microsoft.com/office/drawing/2014/main" id="{2B1A3D2B-091E-4D60-B218-C3AAF55D4513}"/>
+              </a:ext>
+            </a:extLst>
+          </p:cNvPr>
+          <p:cNvSpPr/>
+          <p:nvPr/>
+        </p:nvSpPr>
+        <p:spPr>
+          <a:xfrm>
+            <a:off x="7817103" y="6478715"/>
+            <a:ext cx="997008" cy="264920"/>
+          </a:xfrm>
+          <a:prstGeom prst="roundRect">
+            <a:avLst>
+              <a:gd name="adj" fmla="val 50000"/>
+            </a:avLst>
+          </a:prstGeom>
+          <a:solidFill>
+            <a:schemeClr val="bg1"/>
+          </a:solidFill>
+          <a:ln>
+            <a:solidFill>
+              <a:schemeClr val="tx1"/>
+            </a:solidFill>
+          </a:ln>
+        </p:spPr>
+        <p:style>
+          <a:lnRef idx="2">
+            <a:schemeClr val="accent1">
+              <a:shade val="50000"/>
+            </a:schemeClr>
+          </a:lnRef>
+          <a:fillRef idx="1">
+            <a:schemeClr val="accent1"/>
+          </a:fillRef>
+          <a:effectRef idx="0">
+            <a:schemeClr val="accent1"/>
+          </a:effectRef>
+          <a:fontRef idx="minor">
+            <a:schemeClr val="lt1"/>
+          </a:fontRef>
+        </p:style>
+        <p:txBody>
+          <a:bodyPr rtlCol="0" anchor="ctr"/>
+          <a:lstStyle/>
+          <a:p>
+            <a:pPr algn="ctr"/>
+            <a:r>
+              <a:rPr lang="ru-RU" sz="1600" dirty="0">
+                <a:solidFill>
+                  <a:schemeClr val="tx1"/>
+                </a:solidFill>
+                <a:latin typeface="Arial" panose="020B0604020202020204" pitchFamily="34" charset="0"/>
+                <a:cs typeface="Arial" panose="020B0604020202020204" pitchFamily="34" charset="0"/>
+              </a:rPr>
+              <a:t>Конец</a:t>
+            </a:r>
+          </a:p>
+        </p:txBody>
+      </p:sp>
+      <p:cxnSp>
+        <p:nvCxnSpPr>
+          <p:cNvPr id="100" name="Прямая соединительная линия 99">
+            <a:extLst>
+              <a:ext uri="{FF2B5EF4-FFF2-40B4-BE49-F238E27FC236}">
+                <a16:creationId xmlns:a16="http://schemas.microsoft.com/office/drawing/2014/main" id="{A2123C21-7C91-4FCA-B454-5892FE53193B}"/>
+              </a:ext>
+            </a:extLst>
+          </p:cNvPr>
+          <p:cNvCxnSpPr>
+            <a:cxnSpLocks/>
+          </p:cNvCxnSpPr>
+          <p:nvPr/>
+        </p:nvCxnSpPr>
+        <p:spPr>
+          <a:xfrm>
+            <a:off x="7425667" y="2947378"/>
+            <a:ext cx="2210889" cy="0"/>
+          </a:xfrm>
+          <a:prstGeom prst="line">
+            <a:avLst/>
+          </a:prstGeom>
+        </p:spPr>
+        <p:style>
+          <a:lnRef idx="1">
+            <a:schemeClr val="dk1"/>
+          </a:lnRef>
+          <a:fillRef idx="0">
+            <a:schemeClr val="dk1"/>
+          </a:fillRef>
+          <a:effectRef idx="0">
+            <a:schemeClr val="dk1"/>
+          </a:effectRef>
+          <a:fontRef idx="minor">
+            <a:schemeClr val="tx1"/>
+          </a:fontRef>
+        </p:style>
+      </p:cxnSp>
+      <p:sp>
+        <p:nvSpPr>
+          <p:cNvPr id="102" name="Блок-схема: решение 101">
+            <a:extLst>
+              <a:ext uri="{FF2B5EF4-FFF2-40B4-BE49-F238E27FC236}">
+                <a16:creationId xmlns:a16="http://schemas.microsoft.com/office/drawing/2014/main" id="{96842E25-615A-4C1E-B2F0-D1C69152B89F}"/>
+              </a:ext>
+            </a:extLst>
+          </p:cNvPr>
+          <p:cNvSpPr/>
+          <p:nvPr/>
+        </p:nvSpPr>
+        <p:spPr>
+          <a:xfrm>
+            <a:off x="8829991" y="3203940"/>
+            <a:ext cx="1613130" cy="769440"/>
+          </a:xfrm>
+          <a:prstGeom prst="flowChartDecision">
+            <a:avLst/>
+          </a:prstGeom>
+          <a:solidFill>
+            <a:schemeClr val="bg1"/>
+          </a:solidFill>
+          <a:ln>
+            <a:solidFill>
+              <a:schemeClr val="tx1"/>
+            </a:solidFill>
+          </a:ln>
+        </p:spPr>
+        <p:style>
+          <a:lnRef idx="2">
+            <a:schemeClr val="accent1">
+              <a:shade val="50000"/>
+            </a:schemeClr>
+          </a:lnRef>
+          <a:fillRef idx="1">
+            <a:schemeClr val="accent1"/>
+          </a:fillRef>
+          <a:effectRef idx="0">
+            <a:schemeClr val="accent1"/>
+          </a:effectRef>
+          <a:fontRef idx="minor">
+            <a:schemeClr val="lt1"/>
+          </a:fontRef>
+        </p:style>
+        <p:txBody>
+          <a:bodyPr rtlCol="0" anchor="ctr"/>
+          <a:lstStyle/>
+          <a:p>
+            <a:pPr algn="ctr"/>
+            <a:r>
+              <a:rPr lang="ru-RU" sz="1100" dirty="0">
+                <a:solidFill>
+                  <a:schemeClr val="tx1"/>
+                </a:solidFill>
+                <a:latin typeface="Arial" panose="020B0604020202020204" pitchFamily="34" charset="0"/>
+                <a:cs typeface="Arial" panose="020B0604020202020204" pitchFamily="34" charset="0"/>
+              </a:rPr>
+              <a:t>Правая ветвь пуста?</a:t>
+            </a:r>
+          </a:p>
+        </p:txBody>
+      </p:sp>
+      <p:cxnSp>
+        <p:nvCxnSpPr>
+          <p:cNvPr id="104" name="Прямая со стрелкой 103">
+            <a:extLst>
+              <a:ext uri="{FF2B5EF4-FFF2-40B4-BE49-F238E27FC236}">
+                <a16:creationId xmlns:a16="http://schemas.microsoft.com/office/drawing/2014/main" id="{EEC62F4B-2AFE-40D1-835B-013E89CA9E01}"/>
+              </a:ext>
+            </a:extLst>
+          </p:cNvPr>
+          <p:cNvCxnSpPr>
+            <a:cxnSpLocks/>
+          </p:cNvCxnSpPr>
+          <p:nvPr/>
+        </p:nvCxnSpPr>
+        <p:spPr>
+          <a:xfrm flipH="1">
+            <a:off x="9638060" y="2951790"/>
+            <a:ext cx="1" cy="275980"/>
+          </a:xfrm>
+          <a:prstGeom prst="straightConnector1">
+            <a:avLst/>
+          </a:prstGeom>
+          <a:ln>
+            <a:tailEnd type="triangle"/>
+          </a:ln>
+        </p:spPr>
+        <p:style>
+          <a:lnRef idx="1">
+            <a:schemeClr val="dk1"/>
+          </a:lnRef>
+          <a:fillRef idx="0">
+            <a:schemeClr val="dk1"/>
+          </a:fillRef>
+          <a:effectRef idx="0">
+            <a:schemeClr val="dk1"/>
+          </a:effectRef>
+          <a:fontRef idx="minor">
+            <a:schemeClr val="tx1"/>
+          </a:fontRef>
+        </p:style>
+      </p:cxnSp>
+      <p:cxnSp>
+        <p:nvCxnSpPr>
+          <p:cNvPr id="105" name="Прямая со стрелкой 104">
+            <a:extLst>
+              <a:ext uri="{FF2B5EF4-FFF2-40B4-BE49-F238E27FC236}">
+                <a16:creationId xmlns:a16="http://schemas.microsoft.com/office/drawing/2014/main" id="{CD962323-02E3-4D5D-BACB-E1B02A26DC09}"/>
+              </a:ext>
+            </a:extLst>
+          </p:cNvPr>
+          <p:cNvCxnSpPr>
+            <a:cxnSpLocks/>
+          </p:cNvCxnSpPr>
+          <p:nvPr/>
+        </p:nvCxnSpPr>
+        <p:spPr>
+          <a:xfrm flipH="1">
+            <a:off x="9636558" y="3978859"/>
+            <a:ext cx="1" cy="364671"/>
+          </a:xfrm>
+          <a:prstGeom prst="straightConnector1">
+            <a:avLst/>
+          </a:prstGeom>
+          <a:ln>
+            <a:tailEnd type="triangle"/>
+          </a:ln>
+        </p:spPr>
+        <p:style>
+          <a:lnRef idx="1">
+            <a:schemeClr val="dk1"/>
+          </a:lnRef>
+          <a:fillRef idx="0">
+            <a:schemeClr val="dk1"/>
+          </a:fillRef>
+          <a:effectRef idx="0">
+            <a:schemeClr val="dk1"/>
+          </a:effectRef>
+          <a:fontRef idx="minor">
+            <a:schemeClr val="tx1"/>
+          </a:fontRef>
+        </p:style>
+      </p:cxnSp>
+      <p:sp>
+        <p:nvSpPr>
+          <p:cNvPr id="108" name="Прямоугольник 107">
+            <a:extLst>
+              <a:ext uri="{FF2B5EF4-FFF2-40B4-BE49-F238E27FC236}">
+                <a16:creationId xmlns:a16="http://schemas.microsoft.com/office/drawing/2014/main" id="{F2517624-960C-41C6-9458-17B8F353F734}"/>
+              </a:ext>
+            </a:extLst>
+          </p:cNvPr>
+          <p:cNvSpPr/>
+          <p:nvPr/>
+        </p:nvSpPr>
+        <p:spPr>
+          <a:xfrm>
+            <a:off x="8829991" y="4352530"/>
+            <a:ext cx="1549567" cy="449211"/>
+          </a:xfrm>
+          <a:prstGeom prst="rect">
+            <a:avLst/>
+          </a:prstGeom>
+          <a:solidFill>
+            <a:schemeClr val="bg1"/>
+          </a:solidFill>
+        </p:spPr>
+        <p:style>
+          <a:lnRef idx="2">
+            <a:schemeClr val="dk1">
+              <a:shade val="50000"/>
+            </a:schemeClr>
+          </a:lnRef>
+          <a:fillRef idx="1">
+            <a:schemeClr val="dk1"/>
+          </a:fillRef>
+          <a:effectRef idx="0">
+            <a:schemeClr val="dk1"/>
+          </a:effectRef>
+          <a:fontRef idx="minor">
+            <a:schemeClr val="lt1"/>
+          </a:fontRef>
+        </p:style>
+        <p:txBody>
+          <a:bodyPr rtlCol="0" anchor="ctr"/>
+          <a:lstStyle/>
+          <a:p>
+            <a:pPr algn="ctr"/>
+            <a:r>
+              <a:rPr lang="ru-RU" sz="1100" dirty="0">
+                <a:solidFill>
+                  <a:schemeClr val="tx1"/>
+                </a:solidFill>
+                <a:latin typeface="Arial" panose="020B0604020202020204" pitchFamily="34" charset="0"/>
+                <a:cs typeface="Arial" panose="020B0604020202020204" pitchFamily="34" charset="0"/>
+              </a:rPr>
+              <a:t>Сделать левый узел текущим</a:t>
+            </a:r>
+          </a:p>
+        </p:txBody>
+      </p:sp>
+      <p:cxnSp>
+        <p:nvCxnSpPr>
+          <p:cNvPr id="117" name="Прямая соединительная линия 116">
+            <a:extLst>
+              <a:ext uri="{FF2B5EF4-FFF2-40B4-BE49-F238E27FC236}">
+                <a16:creationId xmlns:a16="http://schemas.microsoft.com/office/drawing/2014/main" id="{8716F1CA-1A29-4DB5-953F-854FA6CA4FD5}"/>
+              </a:ext>
+            </a:extLst>
+          </p:cNvPr>
+          <p:cNvCxnSpPr>
+            <a:cxnSpLocks/>
+            <a:endCxn id="108" idx="2"/>
+          </p:cNvCxnSpPr>
+          <p:nvPr/>
+        </p:nvCxnSpPr>
+        <p:spPr>
+          <a:xfrm flipV="1">
+            <a:off x="9604775" y="4801741"/>
+            <a:ext cx="0" cy="279984"/>
+          </a:xfrm>
+          <a:prstGeom prst="line">
+            <a:avLst/>
+          </a:prstGeom>
+        </p:spPr>
+        <p:style>
+          <a:lnRef idx="1">
+            <a:schemeClr val="dk1"/>
+          </a:lnRef>
+          <a:fillRef idx="0">
+            <a:schemeClr val="dk1"/>
+          </a:fillRef>
+          <a:effectRef idx="0">
+            <a:schemeClr val="dk1"/>
+          </a:effectRef>
+          <a:fontRef idx="minor">
+            <a:schemeClr val="tx1"/>
+          </a:fontRef>
+        </p:style>
+      </p:cxnSp>
+      <p:cxnSp>
+        <p:nvCxnSpPr>
+          <p:cNvPr id="120" name="Прямая соединительная линия 119">
+            <a:extLst>
+              <a:ext uri="{FF2B5EF4-FFF2-40B4-BE49-F238E27FC236}">
+                <a16:creationId xmlns:a16="http://schemas.microsoft.com/office/drawing/2014/main" id="{44EC3F6E-B816-4C37-B1A8-6F54E483544D}"/>
+              </a:ext>
+            </a:extLst>
+          </p:cNvPr>
+          <p:cNvCxnSpPr/>
+          <p:nvPr/>
+        </p:nvCxnSpPr>
+        <p:spPr>
+          <a:xfrm flipH="1">
+            <a:off x="8590407" y="5081725"/>
+            <a:ext cx="1014368" cy="0"/>
+          </a:xfrm>
+          <a:prstGeom prst="line">
+            <a:avLst/>
+          </a:prstGeom>
+        </p:spPr>
+        <p:style>
+          <a:lnRef idx="1">
+            <a:schemeClr val="dk1"/>
+          </a:lnRef>
+          <a:fillRef idx="0">
+            <a:schemeClr val="dk1"/>
+          </a:fillRef>
+          <a:effectRef idx="0">
+            <a:schemeClr val="dk1"/>
+          </a:effectRef>
+          <a:fontRef idx="minor">
+            <a:schemeClr val="tx1"/>
+          </a:fontRef>
+        </p:style>
+      </p:cxnSp>
+      <p:cxnSp>
+        <p:nvCxnSpPr>
+          <p:cNvPr id="122" name="Прямая со стрелкой 121">
+            <a:extLst>
+              <a:ext uri="{FF2B5EF4-FFF2-40B4-BE49-F238E27FC236}">
+                <a16:creationId xmlns:a16="http://schemas.microsoft.com/office/drawing/2014/main" id="{7D35CA2D-3384-45EC-9091-85C6DD24E9A0}"/>
+              </a:ext>
+            </a:extLst>
+          </p:cNvPr>
+          <p:cNvCxnSpPr/>
+          <p:nvPr/>
+        </p:nvCxnSpPr>
+        <p:spPr>
+          <a:xfrm flipV="1">
+            <a:off x="8590407" y="4186706"/>
+            <a:ext cx="0" cy="895019"/>
+          </a:xfrm>
+          <a:prstGeom prst="straightConnector1">
+            <a:avLst/>
+          </a:prstGeom>
+          <a:ln>
+            <a:tailEnd type="triangle"/>
+          </a:ln>
+        </p:spPr>
+        <p:style>
+          <a:lnRef idx="1">
+            <a:schemeClr val="dk1"/>
+          </a:lnRef>
+          <a:fillRef idx="0">
+            <a:schemeClr val="dk1"/>
+          </a:fillRef>
+          <a:effectRef idx="0">
+            <a:schemeClr val="dk1"/>
+          </a:effectRef>
+          <a:fontRef idx="minor">
+            <a:schemeClr val="tx1"/>
+          </a:fontRef>
+        </p:style>
+      </p:cxnSp>
+      <p:sp>
+        <p:nvSpPr>
+          <p:cNvPr id="123" name="Овал 122">
+            <a:extLst>
+              <a:ext uri="{FF2B5EF4-FFF2-40B4-BE49-F238E27FC236}">
+                <a16:creationId xmlns:a16="http://schemas.microsoft.com/office/drawing/2014/main" id="{7B77D815-A94E-430B-A075-C6EBF4D644F6}"/>
+              </a:ext>
+            </a:extLst>
+          </p:cNvPr>
+          <p:cNvSpPr/>
+          <p:nvPr/>
+        </p:nvSpPr>
+        <p:spPr>
+          <a:xfrm>
+            <a:off x="8358571" y="3737494"/>
+            <a:ext cx="463672" cy="449211"/>
+          </a:xfrm>
+          <a:prstGeom prst="ellipse">
+            <a:avLst/>
+          </a:prstGeom>
+          <a:solidFill>
+            <a:schemeClr val="bg1"/>
+          </a:solidFill>
+        </p:spPr>
+        <p:style>
+          <a:lnRef idx="2">
+            <a:schemeClr val="dk1">
+              <a:shade val="50000"/>
+            </a:schemeClr>
+          </a:lnRef>
+          <a:fillRef idx="1">
+            <a:schemeClr val="dk1"/>
+          </a:fillRef>
+          <a:effectRef idx="0">
+            <a:schemeClr val="dk1"/>
+          </a:effectRef>
+          <a:fontRef idx="minor">
+            <a:schemeClr val="lt1"/>
+          </a:fontRef>
+        </p:style>
+        <p:txBody>
+          <a:bodyPr rtlCol="0" anchor="ctr"/>
+          <a:lstStyle/>
+          <a:p>
+            <a:pPr algn="ctr"/>
+            <a:r>
+              <a:rPr lang="ru-RU" dirty="0">
+                <a:solidFill>
+                  <a:schemeClr val="tx1"/>
+                </a:solidFill>
+              </a:rPr>
+              <a:t>А</a:t>
+            </a:r>
+          </a:p>
+        </p:txBody>
+      </p:sp>
+      <p:cxnSp>
+        <p:nvCxnSpPr>
+          <p:cNvPr id="125" name="Прямая соединительная линия 124">
+            <a:extLst>
+              <a:ext uri="{FF2B5EF4-FFF2-40B4-BE49-F238E27FC236}">
+                <a16:creationId xmlns:a16="http://schemas.microsoft.com/office/drawing/2014/main" id="{5F793568-7E66-4FCA-8F78-E44F4AEB9151}"/>
+              </a:ext>
+            </a:extLst>
+          </p:cNvPr>
+          <p:cNvCxnSpPr>
+            <a:stCxn id="102" idx="3"/>
+          </p:cNvCxnSpPr>
+          <p:nvPr/>
+        </p:nvCxnSpPr>
+        <p:spPr>
+          <a:xfrm flipV="1">
+            <a:off x="10443121" y="3586196"/>
+            <a:ext cx="512426" cy="2464"/>
+          </a:xfrm>
+          <a:prstGeom prst="line">
+            <a:avLst/>
+          </a:prstGeom>
+        </p:spPr>
+        <p:style>
+          <a:lnRef idx="1">
+            <a:schemeClr val="dk1"/>
+          </a:lnRef>
+          <a:fillRef idx="0">
+            <a:schemeClr val="dk1"/>
+          </a:fillRef>
+          <a:effectRef idx="0">
+            <a:schemeClr val="dk1"/>
+          </a:effectRef>
+          <a:fontRef idx="minor">
+            <a:schemeClr val="tx1"/>
+          </a:fontRef>
+        </p:style>
+      </p:cxnSp>
+      <p:cxnSp>
+        <p:nvCxnSpPr>
+          <p:cNvPr id="127" name="Прямая соединительная линия 126">
+            <a:extLst>
+              <a:ext uri="{FF2B5EF4-FFF2-40B4-BE49-F238E27FC236}">
+                <a16:creationId xmlns:a16="http://schemas.microsoft.com/office/drawing/2014/main" id="{B8BF523A-4BE3-42DC-8E4E-A76AFF21AC7D}"/>
+              </a:ext>
+            </a:extLst>
+          </p:cNvPr>
+          <p:cNvCxnSpPr/>
+          <p:nvPr/>
+        </p:nvCxnSpPr>
+        <p:spPr>
+          <a:xfrm>
+            <a:off x="10955547" y="3586196"/>
+            <a:ext cx="0" cy="1738845"/>
+          </a:xfrm>
+          <a:prstGeom prst="line">
+            <a:avLst/>
+          </a:prstGeom>
+        </p:spPr>
+        <p:style>
+          <a:lnRef idx="1">
+            <a:schemeClr val="dk1"/>
+          </a:lnRef>
+          <a:fillRef idx="0">
+            <a:schemeClr val="dk1"/>
+          </a:fillRef>
+          <a:effectRef idx="0">
+            <a:schemeClr val="dk1"/>
+          </a:effectRef>
+          <a:fontRef idx="minor">
+            <a:schemeClr val="tx1"/>
+          </a:fontRef>
+        </p:style>
+      </p:cxnSp>
+      <p:cxnSp>
+        <p:nvCxnSpPr>
+          <p:cNvPr id="129" name="Прямая соединительная линия 128">
+            <a:extLst>
+              <a:ext uri="{FF2B5EF4-FFF2-40B4-BE49-F238E27FC236}">
+                <a16:creationId xmlns:a16="http://schemas.microsoft.com/office/drawing/2014/main" id="{810108E5-9003-48DA-B569-7D87F0F20A36}"/>
+              </a:ext>
+            </a:extLst>
+          </p:cNvPr>
+          <p:cNvCxnSpPr/>
+          <p:nvPr/>
+        </p:nvCxnSpPr>
+        <p:spPr>
+          <a:xfrm flipH="1">
+            <a:off x="10248181" y="5325041"/>
+            <a:ext cx="707366" cy="0"/>
+          </a:xfrm>
+          <a:prstGeom prst="line">
+            <a:avLst/>
+          </a:prstGeom>
+        </p:spPr>
+        <p:style>
+          <a:lnRef idx="1">
+            <a:schemeClr val="dk1"/>
+          </a:lnRef>
+          <a:fillRef idx="0">
+            <a:schemeClr val="dk1"/>
+          </a:fillRef>
+          <a:effectRef idx="0">
+            <a:schemeClr val="dk1"/>
+          </a:effectRef>
+          <a:fontRef idx="minor">
+            <a:schemeClr val="tx1"/>
+          </a:fontRef>
+        </p:style>
+      </p:cxnSp>
+      <p:cxnSp>
+        <p:nvCxnSpPr>
+          <p:cNvPr id="130" name="Прямая со стрелкой 129">
+            <a:extLst>
+              <a:ext uri="{FF2B5EF4-FFF2-40B4-BE49-F238E27FC236}">
+                <a16:creationId xmlns:a16="http://schemas.microsoft.com/office/drawing/2014/main" id="{A2813690-72A9-4E5E-BBA4-66759B403060}"/>
+              </a:ext>
+            </a:extLst>
+          </p:cNvPr>
+          <p:cNvCxnSpPr>
+            <a:cxnSpLocks/>
+          </p:cNvCxnSpPr>
+          <p:nvPr/>
+        </p:nvCxnSpPr>
+        <p:spPr>
+          <a:xfrm>
+            <a:off x="10253675" y="5338185"/>
+            <a:ext cx="0" cy="268985"/>
+          </a:xfrm>
+          <a:prstGeom prst="straightConnector1">
+            <a:avLst/>
+          </a:prstGeom>
+          <a:ln>
+            <a:tailEnd type="triangle"/>
+          </a:ln>
+        </p:spPr>
+        <p:style>
+          <a:lnRef idx="1">
+            <a:schemeClr val="dk1"/>
+          </a:lnRef>
+          <a:fillRef idx="0">
+            <a:schemeClr val="dk1"/>
+          </a:fillRef>
+          <a:effectRef idx="0">
+            <a:schemeClr val="dk1"/>
+          </a:effectRef>
+          <a:fontRef idx="minor">
+            <a:schemeClr val="tx1"/>
+          </a:fontRef>
+        </p:style>
+      </p:cxnSp>
+      <p:sp>
+        <p:nvSpPr>
+          <p:cNvPr id="132" name="Прямоугольник 131">
+            <a:extLst>
+              <a:ext uri="{FF2B5EF4-FFF2-40B4-BE49-F238E27FC236}">
+                <a16:creationId xmlns:a16="http://schemas.microsoft.com/office/drawing/2014/main" id="{93F2295F-A3B4-47D7-9540-1783D962A5A3}"/>
+              </a:ext>
+            </a:extLst>
+          </p:cNvPr>
+          <p:cNvSpPr/>
+          <p:nvPr/>
+        </p:nvSpPr>
+        <p:spPr>
+          <a:xfrm>
+            <a:off x="9473397" y="5634972"/>
+            <a:ext cx="1549567" cy="449211"/>
+          </a:xfrm>
+          <a:prstGeom prst="rect">
+            <a:avLst/>
+          </a:prstGeom>
+          <a:solidFill>
+            <a:schemeClr val="bg1"/>
+          </a:solidFill>
+        </p:spPr>
+        <p:style>
+          <a:lnRef idx="2">
+            <a:schemeClr val="dk1">
+              <a:shade val="50000"/>
+            </a:schemeClr>
+          </a:lnRef>
+          <a:fillRef idx="1">
+            <a:schemeClr val="dk1"/>
+          </a:fillRef>
+          <a:effectRef idx="0">
+            <a:schemeClr val="dk1"/>
+          </a:effectRef>
+          <a:fontRef idx="minor">
+            <a:schemeClr val="lt1"/>
+          </a:fontRef>
+        </p:style>
+        <p:txBody>
+          <a:bodyPr rtlCol="0" anchor="ctr"/>
+          <a:lstStyle/>
+          <a:p>
+            <a:pPr algn="ctr"/>
+            <a:r>
+              <a:rPr lang="ru-RU" sz="1100" dirty="0">
+                <a:solidFill>
+                  <a:schemeClr val="tx1"/>
+                </a:solidFill>
+                <a:latin typeface="Arial" panose="020B0604020202020204" pitchFamily="34" charset="0"/>
+                <a:cs typeface="Arial" panose="020B0604020202020204" pitchFamily="34" charset="0"/>
+              </a:rPr>
+              <a:t>Добавить элемент в правую ветвь</a:t>
+            </a:r>
+          </a:p>
+        </p:txBody>
+      </p:sp>
+      <p:cxnSp>
+        <p:nvCxnSpPr>
+          <p:cNvPr id="134" name="Прямая соединительная линия 133">
+            <a:extLst>
+              <a:ext uri="{FF2B5EF4-FFF2-40B4-BE49-F238E27FC236}">
+                <a16:creationId xmlns:a16="http://schemas.microsoft.com/office/drawing/2014/main" id="{A8690E15-B8AD-44A7-A895-D4890DA4A28C}"/>
+              </a:ext>
+            </a:extLst>
+          </p:cNvPr>
+          <p:cNvCxnSpPr>
+            <a:stCxn id="54" idx="2"/>
+          </p:cNvCxnSpPr>
+          <p:nvPr/>
+        </p:nvCxnSpPr>
+        <p:spPr>
+          <a:xfrm flipH="1">
+            <a:off x="8778797" y="2602782"/>
+            <a:ext cx="1" cy="254712"/>
+          </a:xfrm>
+          <a:prstGeom prst="line">
+            <a:avLst/>
+          </a:prstGeom>
+        </p:spPr>
+        <p:style>
+          <a:lnRef idx="1">
+            <a:schemeClr val="dk1"/>
+          </a:lnRef>
+          <a:fillRef idx="0">
+            <a:schemeClr val="dk1"/>
+          </a:fillRef>
+          <a:effectRef idx="0">
+            <a:schemeClr val="dk1"/>
+          </a:effectRef>
+          <a:fontRef idx="minor">
+            <a:schemeClr val="tx1"/>
+          </a:fontRef>
+        </p:style>
+      </p:cxnSp>
+      <p:cxnSp>
+        <p:nvCxnSpPr>
+          <p:cNvPr id="136" name="Прямая соединительная линия 135">
+            <a:extLst>
+              <a:ext uri="{FF2B5EF4-FFF2-40B4-BE49-F238E27FC236}">
+                <a16:creationId xmlns:a16="http://schemas.microsoft.com/office/drawing/2014/main" id="{1660C24F-F55E-443F-B41C-84FCF1875576}"/>
+              </a:ext>
+            </a:extLst>
+          </p:cNvPr>
+          <p:cNvCxnSpPr>
+            <a:cxnSpLocks/>
+          </p:cNvCxnSpPr>
+          <p:nvPr/>
+        </p:nvCxnSpPr>
+        <p:spPr>
+          <a:xfrm>
+            <a:off x="8778797" y="2875676"/>
+            <a:ext cx="2677082" cy="0"/>
+          </a:xfrm>
+          <a:prstGeom prst="line">
+            <a:avLst/>
+          </a:prstGeom>
+        </p:spPr>
+        <p:style>
+          <a:lnRef idx="1">
+            <a:schemeClr val="dk1"/>
+          </a:lnRef>
+          <a:fillRef idx="0">
+            <a:schemeClr val="dk1"/>
+          </a:fillRef>
+          <a:effectRef idx="0">
+            <a:schemeClr val="dk1"/>
+          </a:effectRef>
+          <a:fontRef idx="minor">
+            <a:schemeClr val="tx1"/>
+          </a:fontRef>
+        </p:style>
+      </p:cxnSp>
+      <p:cxnSp>
+        <p:nvCxnSpPr>
+          <p:cNvPr id="140" name="Прямая соединительная линия 139">
+            <a:extLst>
+              <a:ext uri="{FF2B5EF4-FFF2-40B4-BE49-F238E27FC236}">
+                <a16:creationId xmlns:a16="http://schemas.microsoft.com/office/drawing/2014/main" id="{5EB8FB85-8411-45D4-9308-35DB10B4CE83}"/>
+              </a:ext>
+            </a:extLst>
+          </p:cNvPr>
+          <p:cNvCxnSpPr>
+            <a:cxnSpLocks/>
+          </p:cNvCxnSpPr>
+          <p:nvPr/>
+        </p:nvCxnSpPr>
+        <p:spPr>
+          <a:xfrm>
+            <a:off x="11455879" y="2875676"/>
+            <a:ext cx="0" cy="3456113"/>
+          </a:xfrm>
+          <a:prstGeom prst="line">
+            <a:avLst/>
+          </a:prstGeom>
+        </p:spPr>
+        <p:style>
+          <a:lnRef idx="1">
+            <a:schemeClr val="dk1"/>
+          </a:lnRef>
+          <a:fillRef idx="0">
+            <a:schemeClr val="dk1"/>
+          </a:fillRef>
+          <a:effectRef idx="0">
+            <a:schemeClr val="dk1"/>
+          </a:effectRef>
+          <a:fontRef idx="minor">
+            <a:schemeClr val="tx1"/>
+          </a:fontRef>
+        </p:style>
+      </p:cxnSp>
+      <p:cxnSp>
+        <p:nvCxnSpPr>
+          <p:cNvPr id="144" name="Прямая соединительная линия 143">
+            <a:extLst>
+              <a:ext uri="{FF2B5EF4-FFF2-40B4-BE49-F238E27FC236}">
+                <a16:creationId xmlns:a16="http://schemas.microsoft.com/office/drawing/2014/main" id="{DEA91742-9A84-4F25-B410-32464BCC38E1}"/>
+              </a:ext>
+            </a:extLst>
+          </p:cNvPr>
+          <p:cNvCxnSpPr>
+            <a:stCxn id="132" idx="2"/>
+          </p:cNvCxnSpPr>
+          <p:nvPr/>
+        </p:nvCxnSpPr>
+        <p:spPr>
+          <a:xfrm flipH="1">
+            <a:off x="10248180" y="6084183"/>
+            <a:ext cx="1" cy="247606"/>
+          </a:xfrm>
+          <a:prstGeom prst="line">
+            <a:avLst/>
+          </a:prstGeom>
+        </p:spPr>
+        <p:style>
+          <a:lnRef idx="1">
+            <a:schemeClr val="dk1"/>
+          </a:lnRef>
+          <a:fillRef idx="0">
+            <a:schemeClr val="dk1"/>
+          </a:fillRef>
+          <a:effectRef idx="0">
+            <a:schemeClr val="dk1"/>
+          </a:effectRef>
+          <a:fontRef idx="minor">
+            <a:schemeClr val="tx1"/>
+          </a:fontRef>
+        </p:style>
+      </p:cxnSp>
+      <p:cxnSp>
+        <p:nvCxnSpPr>
+          <p:cNvPr id="146" name="Прямая со стрелкой 145">
+            <a:extLst>
+              <a:ext uri="{FF2B5EF4-FFF2-40B4-BE49-F238E27FC236}">
+                <a16:creationId xmlns:a16="http://schemas.microsoft.com/office/drawing/2014/main" id="{68060A2F-A14F-4932-BFC2-C0041CA1F7E6}"/>
+              </a:ext>
+            </a:extLst>
+          </p:cNvPr>
+          <p:cNvCxnSpPr/>
+          <p:nvPr/>
+        </p:nvCxnSpPr>
+        <p:spPr>
+          <a:xfrm flipH="1">
+            <a:off x="8315607" y="6331789"/>
+            <a:ext cx="1932573" cy="0"/>
+          </a:xfrm>
+          <a:prstGeom prst="straightConnector1">
+            <a:avLst/>
+          </a:prstGeom>
+          <a:ln>
+            <a:tailEnd type="triangle"/>
+          </a:ln>
+        </p:spPr>
+        <p:style>
+          <a:lnRef idx="1">
+            <a:schemeClr val="dk1"/>
+          </a:lnRef>
+          <a:fillRef idx="0">
+            <a:schemeClr val="dk1"/>
+          </a:fillRef>
+          <a:effectRef idx="0">
+            <a:schemeClr val="dk1"/>
+          </a:effectRef>
+          <a:fontRef idx="minor">
+            <a:schemeClr val="tx1"/>
+          </a:fontRef>
+        </p:style>
+      </p:cxnSp>
+      <p:cxnSp>
+        <p:nvCxnSpPr>
+          <p:cNvPr id="147" name="Прямая со стрелкой 146">
+            <a:extLst>
+              <a:ext uri="{FF2B5EF4-FFF2-40B4-BE49-F238E27FC236}">
+                <a16:creationId xmlns:a16="http://schemas.microsoft.com/office/drawing/2014/main" id="{C5396AE7-1FF5-4912-993D-E99C63DE22CA}"/>
+              </a:ext>
+            </a:extLst>
+          </p:cNvPr>
+          <p:cNvCxnSpPr>
+            <a:cxnSpLocks/>
+          </p:cNvCxnSpPr>
+          <p:nvPr/>
+        </p:nvCxnSpPr>
+        <p:spPr>
+          <a:xfrm flipH="1">
+            <a:off x="10248181" y="6331789"/>
+            <a:ext cx="1207698" cy="0"/>
+          </a:xfrm>
+          <a:prstGeom prst="straightConnector1">
+            <a:avLst/>
+          </a:prstGeom>
+          <a:ln>
+            <a:tailEnd type="triangle"/>
+          </a:ln>
+        </p:spPr>
+        <p:style>
+          <a:lnRef idx="1">
+            <a:schemeClr val="dk1"/>
+          </a:lnRef>
+          <a:fillRef idx="0">
+            <a:schemeClr val="dk1"/>
+          </a:fillRef>
+          <a:effectRef idx="0">
+            <a:schemeClr val="dk1"/>
+          </a:effectRef>
+          <a:fontRef idx="minor">
+            <a:schemeClr val="tx1"/>
+          </a:fontRef>
+        </p:style>
+      </p:cxnSp>
+      <p:sp>
+        <p:nvSpPr>
+          <p:cNvPr id="150" name="TextBox 149">
+            <a:extLst>
+              <a:ext uri="{FF2B5EF4-FFF2-40B4-BE49-F238E27FC236}">
+                <a16:creationId xmlns:a16="http://schemas.microsoft.com/office/drawing/2014/main" id="{96883CF0-D872-468E-99F7-9BCDF4EA62B0}"/>
+              </a:ext>
+            </a:extLst>
+          </p:cNvPr>
+          <p:cNvSpPr txBox="1"/>
+          <p:nvPr/>
+        </p:nvSpPr>
+        <p:spPr>
+          <a:xfrm>
+            <a:off x="10441619" y="3250155"/>
+            <a:ext cx="621102" cy="369332"/>
+          </a:xfrm>
+          <a:prstGeom prst="rect">
+            <a:avLst/>
+          </a:prstGeom>
+          <a:noFill/>
+        </p:spPr>
+        <p:txBody>
+          <a:bodyPr wrap="square" rtlCol="0">
+            <a:spAutoFit/>
+          </a:bodyPr>
+          <a:lstStyle/>
+          <a:p>
+            <a:r>
+              <a:rPr lang="ru-RU" dirty="0"/>
+              <a:t>Да</a:t>
+            </a:r>
+          </a:p>
+        </p:txBody>
+      </p:sp>
+      <p:sp>
+        <p:nvSpPr>
+          <p:cNvPr id="151" name="TextBox 150">
+            <a:extLst>
+              <a:ext uri="{FF2B5EF4-FFF2-40B4-BE49-F238E27FC236}">
+                <a16:creationId xmlns:a16="http://schemas.microsoft.com/office/drawing/2014/main" id="{9885A64B-214E-4A12-9763-096FD55D56AA}"/>
+              </a:ext>
+            </a:extLst>
+          </p:cNvPr>
+          <p:cNvSpPr txBox="1"/>
+          <p:nvPr/>
+        </p:nvSpPr>
+        <p:spPr>
+          <a:xfrm>
+            <a:off x="9670211" y="3928706"/>
+            <a:ext cx="621102" cy="369332"/>
+          </a:xfrm>
+          <a:prstGeom prst="rect">
+            <a:avLst/>
+          </a:prstGeom>
+          <a:noFill/>
+        </p:spPr>
+        <p:txBody>
+          <a:bodyPr wrap="square" rtlCol="0">
+            <a:spAutoFit/>
+          </a:bodyPr>
+          <a:lstStyle/>
+          <a:p>
+            <a:r>
+              <a:rPr lang="ru-RU" dirty="0"/>
+              <a:t>Нет</a:t>
+            </a:r>
+          </a:p>
+        </p:txBody>
+      </p:sp>
+      <p:sp>
+        <p:nvSpPr>
+          <p:cNvPr id="152" name="TextBox 151">
+            <a:extLst>
+              <a:ext uri="{FF2B5EF4-FFF2-40B4-BE49-F238E27FC236}">
+                <a16:creationId xmlns:a16="http://schemas.microsoft.com/office/drawing/2014/main" id="{087FAD26-ACBC-45ED-BC04-A8B95D44ADF5}"/>
+              </a:ext>
+            </a:extLst>
+          </p:cNvPr>
+          <p:cNvSpPr txBox="1"/>
+          <p:nvPr/>
+        </p:nvSpPr>
+        <p:spPr>
+          <a:xfrm>
+            <a:off x="7617311" y="3563924"/>
+            <a:ext cx="621102" cy="369332"/>
+          </a:xfrm>
+          <a:prstGeom prst="rect">
+            <a:avLst/>
+          </a:prstGeom>
+          <a:noFill/>
+        </p:spPr>
+        <p:txBody>
+          <a:bodyPr wrap="square" rtlCol="0">
+            <a:spAutoFit/>
+          </a:bodyPr>
+          <a:lstStyle/>
+          <a:p>
+            <a:r>
+              <a:rPr lang="ru-RU" dirty="0"/>
+              <a:t>Да</a:t>
+            </a:r>
+          </a:p>
+        </p:txBody>
+      </p:sp>
+      <p:sp>
+        <p:nvSpPr>
+          <p:cNvPr id="153" name="TextBox 152">
+            <a:extLst>
+              <a:ext uri="{FF2B5EF4-FFF2-40B4-BE49-F238E27FC236}">
+                <a16:creationId xmlns:a16="http://schemas.microsoft.com/office/drawing/2014/main" id="{57B87923-27E0-4E25-937B-74D0ECA44382}"/>
+              </a:ext>
+            </a:extLst>
+          </p:cNvPr>
+          <p:cNvSpPr txBox="1"/>
+          <p:nvPr/>
+        </p:nvSpPr>
+        <p:spPr>
+          <a:xfrm>
+            <a:off x="7517483" y="2603067"/>
+            <a:ext cx="621102" cy="369332"/>
+          </a:xfrm>
+          <a:prstGeom prst="rect">
+            <a:avLst/>
+          </a:prstGeom>
+          <a:noFill/>
+        </p:spPr>
+        <p:txBody>
+          <a:bodyPr wrap="square" rtlCol="0">
+            <a:spAutoFit/>
+          </a:bodyPr>
+          <a:lstStyle/>
+          <a:p>
+            <a:r>
+              <a:rPr lang="ru-RU" dirty="0"/>
+              <a:t>Да</a:t>
+            </a:r>
+          </a:p>
+        </p:txBody>
+      </p:sp>
+      <p:sp>
+        <p:nvSpPr>
+          <p:cNvPr id="154" name="TextBox 153">
+            <a:extLst>
+              <a:ext uri="{FF2B5EF4-FFF2-40B4-BE49-F238E27FC236}">
+                <a16:creationId xmlns:a16="http://schemas.microsoft.com/office/drawing/2014/main" id="{0B2DBC2A-A3EA-4A45-B954-18F52AE91D25}"/>
+              </a:ext>
+            </a:extLst>
+          </p:cNvPr>
+          <p:cNvSpPr txBox="1"/>
+          <p:nvPr/>
+        </p:nvSpPr>
+        <p:spPr>
+          <a:xfrm>
+            <a:off x="6036590" y="4216545"/>
+            <a:ext cx="621102" cy="369332"/>
+          </a:xfrm>
+          <a:prstGeom prst="rect">
+            <a:avLst/>
+          </a:prstGeom>
+          <a:noFill/>
+        </p:spPr>
+        <p:txBody>
+          <a:bodyPr wrap="square" rtlCol="0">
+            <a:spAutoFit/>
+          </a:bodyPr>
+          <a:lstStyle/>
+          <a:p>
+            <a:r>
+              <a:rPr lang="ru-RU" dirty="0"/>
+              <a:t>Нет</a:t>
+            </a:r>
+          </a:p>
+        </p:txBody>
+      </p:sp>
+      <p:sp>
+        <p:nvSpPr>
+          <p:cNvPr id="155" name="TextBox 154">
+            <a:extLst>
+              <a:ext uri="{FF2B5EF4-FFF2-40B4-BE49-F238E27FC236}">
+                <a16:creationId xmlns:a16="http://schemas.microsoft.com/office/drawing/2014/main" id="{803CDED0-6FDB-47DB-AE5A-2688A3371DE3}"/>
+              </a:ext>
+            </a:extLst>
+          </p:cNvPr>
+          <p:cNvSpPr txBox="1"/>
+          <p:nvPr/>
+        </p:nvSpPr>
+        <p:spPr>
+          <a:xfrm>
+            <a:off x="6036590" y="3280727"/>
+            <a:ext cx="621102" cy="369332"/>
+          </a:xfrm>
+          <a:prstGeom prst="rect">
+            <a:avLst/>
+          </a:prstGeom>
+          <a:noFill/>
+        </p:spPr>
+        <p:txBody>
+          <a:bodyPr wrap="square" rtlCol="0">
+            <a:spAutoFit/>
+          </a:bodyPr>
+          <a:lstStyle/>
+          <a:p>
+            <a:r>
+              <a:rPr lang="ru-RU" dirty="0"/>
+              <a:t>Нет</a:t>
+            </a:r>
+          </a:p>
+        </p:txBody>
+      </p:sp>
+      <p:sp>
+        <p:nvSpPr>
+          <p:cNvPr id="156" name="TextBox 155">
+            <a:extLst>
+              <a:ext uri="{FF2B5EF4-FFF2-40B4-BE49-F238E27FC236}">
+                <a16:creationId xmlns:a16="http://schemas.microsoft.com/office/drawing/2014/main" id="{A05618FE-D304-4AE7-BE2F-746C633BC67B}"/>
+              </a:ext>
+            </a:extLst>
+          </p:cNvPr>
+          <p:cNvSpPr txBox="1"/>
+          <p:nvPr/>
+        </p:nvSpPr>
+        <p:spPr>
+          <a:xfrm>
+            <a:off x="5757217" y="2043741"/>
+            <a:ext cx="621102" cy="369332"/>
+          </a:xfrm>
+          <a:prstGeom prst="rect">
+            <a:avLst/>
+          </a:prstGeom>
+          <a:noFill/>
+        </p:spPr>
+        <p:txBody>
+          <a:bodyPr wrap="square" rtlCol="0">
+            <a:spAutoFit/>
+          </a:bodyPr>
+          <a:lstStyle/>
+          <a:p>
+            <a:r>
+              <a:rPr lang="ru-RU" dirty="0"/>
+              <a:t>Нет</a:t>
+            </a:r>
+          </a:p>
+        </p:txBody>
+      </p:sp>
+    </p:spTree>
+    <p:extLst>
+      <p:ext uri="{BB962C8B-B14F-4D97-AF65-F5344CB8AC3E}">
+        <p14:creationId xmlns:p14="http://schemas.microsoft.com/office/powerpoint/2010/main" val="1641061385"/>
+      </p:ext>
+    </p:extLst>
+  </p:cSld>
+  <p:clrMapOvr>
+    <a:masterClrMapping/>
+  </p:clrMapOvr>
+</p:sld>
+</file>
+
+<file path=ppt/slides/slide4.xml><?xml version="1.0" encoding="utf-8"?>
+<p:sld xmlns:a="http://schemas.openxmlformats.org/drawingml/2006/main" xmlns:r="http://schemas.openxmlformats.org/officeDocument/2006/relationships" xmlns:p="http://schemas.openxmlformats.org/presentationml/2006/main">
+  <p:cSld>
+    <p:spTree>
+      <p:nvGrpSpPr>
+        <p:cNvPr id="1" name=""/>
+        <p:cNvGrpSpPr/>
+        <p:nvPr/>
+      </p:nvGrpSpPr>
+      <p:grpSpPr>
+        <a:xfrm>
+          <a:off x="0" y="0"/>
+          <a:ext cx="0" cy="0"/>
+          <a:chOff x="0" y="0"/>
+          <a:chExt cx="0" cy="0"/>
+        </a:xfrm>
+      </p:grpSpPr>
+      <p:sp>
+        <p:nvSpPr>
+          <p:cNvPr id="2" name="Заголовок 1">
+            <a:extLst>
+              <a:ext uri="{FF2B5EF4-FFF2-40B4-BE49-F238E27FC236}">
+                <a16:creationId xmlns:a16="http://schemas.microsoft.com/office/drawing/2014/main" id="{7C614D15-B8D9-419B-898C-E6422D45EDC0}"/>
+              </a:ext>
+            </a:extLst>
+          </p:cNvPr>
+          <p:cNvSpPr>
+            <a:spLocks noGrp="1"/>
+          </p:cNvSpPr>
+          <p:nvPr>
+            <p:ph type="title"/>
+          </p:nvPr>
+        </p:nvSpPr>
+        <p:spPr>
+          <a:xfrm>
+            <a:off x="3601593" y="193167"/>
+            <a:ext cx="4988814" cy="645033"/>
+          </a:xfrm>
+        </p:spPr>
+        <p:txBody>
+          <a:bodyPr>
+            <a:normAutofit fontScale="90000"/>
+          </a:bodyPr>
+          <a:lstStyle/>
+          <a:p>
+            <a:r>
+              <a:rPr lang="ru-RU" dirty="0"/>
+              <a:t>Блок-схема алгоритма</a:t>
+            </a:r>
+          </a:p>
+        </p:txBody>
+      </p:sp>
+      <p:sp>
+        <p:nvSpPr>
+          <p:cNvPr id="45" name="Прямоугольник: скругленные углы 44">
+            <a:extLst>
+              <a:ext uri="{FF2B5EF4-FFF2-40B4-BE49-F238E27FC236}">
+                <a16:creationId xmlns:a16="http://schemas.microsoft.com/office/drawing/2014/main" id="{BFE559C6-FD1A-476A-B3AF-5463F8B1E8B0}"/>
+              </a:ext>
+            </a:extLst>
+          </p:cNvPr>
+          <p:cNvSpPr/>
+          <p:nvPr/>
+        </p:nvSpPr>
+        <p:spPr>
+          <a:xfrm>
+            <a:off x="3303240" y="1069465"/>
+            <a:ext cx="2545785" cy="335171"/>
+          </a:xfrm>
+          <a:prstGeom prst="roundRect">
+            <a:avLst>
+              <a:gd name="adj" fmla="val 50000"/>
+            </a:avLst>
+          </a:prstGeom>
+          <a:solidFill>
+            <a:schemeClr val="bg1"/>
+          </a:solidFill>
+          <a:ln>
+            <a:solidFill>
+              <a:schemeClr val="tx1"/>
+            </a:solidFill>
+          </a:ln>
+        </p:spPr>
+        <p:style>
+          <a:lnRef idx="2">
+            <a:schemeClr val="accent1">
+              <a:shade val="50000"/>
+            </a:schemeClr>
+          </a:lnRef>
+          <a:fillRef idx="1">
+            <a:schemeClr val="accent1"/>
+          </a:fillRef>
+          <a:effectRef idx="0">
+            <a:schemeClr val="accent1"/>
+          </a:effectRef>
+          <a:fontRef idx="minor">
+            <a:schemeClr val="lt1"/>
+          </a:fontRef>
+        </p:style>
+        <p:txBody>
+          <a:bodyPr rtlCol="0" anchor="ctr"/>
+          <a:lstStyle/>
+          <a:p>
+            <a:pPr algn="ctr"/>
+            <a:r>
+              <a:rPr lang="ru-RU" sz="1200" dirty="0">
+                <a:solidFill>
+                  <a:schemeClr val="tx1"/>
+                </a:solidFill>
+                <a:latin typeface="Arial" panose="020B0604020202020204" pitchFamily="34" charset="0"/>
+                <a:cs typeface="Arial" panose="020B0604020202020204" pitchFamily="34" charset="0"/>
+              </a:rPr>
+              <a:t>Поиск идентификатора</a:t>
+            </a:r>
+          </a:p>
+        </p:txBody>
+      </p:sp>
+      <p:cxnSp>
+        <p:nvCxnSpPr>
+          <p:cNvPr id="47" name="Прямая со стрелкой 46">
+            <a:extLst>
+              <a:ext uri="{FF2B5EF4-FFF2-40B4-BE49-F238E27FC236}">
+                <a16:creationId xmlns:a16="http://schemas.microsoft.com/office/drawing/2014/main" id="{4FE3D7F8-8D94-4F36-ACBE-6604822AD7B5}"/>
+              </a:ext>
+            </a:extLst>
+          </p:cNvPr>
+          <p:cNvCxnSpPr>
+            <a:cxnSpLocks/>
+          </p:cNvCxnSpPr>
+          <p:nvPr/>
+        </p:nvCxnSpPr>
+        <p:spPr>
+          <a:xfrm flipH="1">
+            <a:off x="4543566" y="1414247"/>
+            <a:ext cx="2893" cy="335171"/>
+          </a:xfrm>
+          <a:prstGeom prst="straightConnector1">
+            <a:avLst/>
+          </a:prstGeom>
+          <a:ln>
+            <a:tailEnd type="triangle"/>
+          </a:ln>
+        </p:spPr>
+        <p:style>
+          <a:lnRef idx="1">
+            <a:schemeClr val="dk1"/>
+          </a:lnRef>
+          <a:fillRef idx="0">
+            <a:schemeClr val="dk1"/>
+          </a:fillRef>
+          <a:effectRef idx="0">
+            <a:schemeClr val="dk1"/>
+          </a:effectRef>
+          <a:fontRef idx="minor">
+            <a:schemeClr val="tx1"/>
+          </a:fontRef>
+        </p:style>
+      </p:cxnSp>
+      <p:sp>
+        <p:nvSpPr>
+          <p:cNvPr id="75" name="Блок-схема: решение 74">
+            <a:extLst>
+              <a:ext uri="{FF2B5EF4-FFF2-40B4-BE49-F238E27FC236}">
+                <a16:creationId xmlns:a16="http://schemas.microsoft.com/office/drawing/2014/main" id="{82358B59-126D-45B0-B71B-9D22A75CD0E3}"/>
+              </a:ext>
+            </a:extLst>
+          </p:cNvPr>
+          <p:cNvSpPr/>
+          <p:nvPr/>
+        </p:nvSpPr>
+        <p:spPr>
+          <a:xfrm>
+            <a:off x="3558658" y="1739807"/>
+            <a:ext cx="1950085" cy="769440"/>
+          </a:xfrm>
+          <a:prstGeom prst="flowChartDecision">
+            <a:avLst/>
+          </a:prstGeom>
+          <a:solidFill>
+            <a:schemeClr val="bg1"/>
+          </a:solidFill>
+          <a:ln>
+            <a:solidFill>
+              <a:schemeClr val="tx1"/>
+            </a:solidFill>
+          </a:ln>
+        </p:spPr>
+        <p:style>
+          <a:lnRef idx="2">
+            <a:schemeClr val="accent1">
+              <a:shade val="50000"/>
+            </a:schemeClr>
+          </a:lnRef>
+          <a:fillRef idx="1">
+            <a:schemeClr val="accent1"/>
+          </a:fillRef>
+          <a:effectRef idx="0">
+            <a:schemeClr val="accent1"/>
+          </a:effectRef>
+          <a:fontRef idx="minor">
+            <a:schemeClr val="lt1"/>
+          </a:fontRef>
+        </p:style>
+        <p:txBody>
+          <a:bodyPr rtlCol="0" anchor="ctr"/>
+          <a:lstStyle/>
+          <a:p>
+            <a:pPr algn="ctr"/>
+            <a:r>
+              <a:rPr lang="ru-RU" sz="1100" dirty="0">
+                <a:solidFill>
+                  <a:schemeClr val="tx1"/>
+                </a:solidFill>
+                <a:latin typeface="Arial" panose="020B0604020202020204" pitchFamily="34" charset="0"/>
+                <a:cs typeface="Arial" panose="020B0604020202020204" pitchFamily="34" charset="0"/>
+              </a:rPr>
+              <a:t>Элемент</a:t>
+            </a:r>
+            <a:r>
+              <a:rPr lang="en-US" sz="1100" dirty="0">
+                <a:solidFill>
+                  <a:schemeClr val="tx1"/>
+                </a:solidFill>
+                <a:latin typeface="Arial" panose="020B0604020202020204" pitchFamily="34" charset="0"/>
+                <a:cs typeface="Arial" panose="020B0604020202020204" pitchFamily="34" charset="0"/>
+              </a:rPr>
+              <a:t> </a:t>
+            </a:r>
+            <a:r>
+              <a:rPr lang="ru-RU" sz="1100" dirty="0">
+                <a:solidFill>
+                  <a:schemeClr val="tx1"/>
+                </a:solidFill>
+                <a:latin typeface="Arial" panose="020B0604020202020204" pitchFamily="34" charset="0"/>
+                <a:cs typeface="Arial" panose="020B0604020202020204" pitchFamily="34" charset="0"/>
+              </a:rPr>
+              <a:t>=</a:t>
+            </a:r>
+            <a:r>
+              <a:rPr lang="en-US" sz="1100" dirty="0">
+                <a:solidFill>
+                  <a:schemeClr val="tx1"/>
+                </a:solidFill>
+                <a:latin typeface="Arial" panose="020B0604020202020204" pitchFamily="34" charset="0"/>
+                <a:cs typeface="Arial" panose="020B0604020202020204" pitchFamily="34" charset="0"/>
+              </a:rPr>
+              <a:t> </a:t>
+            </a:r>
+            <a:r>
+              <a:rPr lang="ru-RU" sz="1100" dirty="0">
+                <a:solidFill>
+                  <a:schemeClr val="tx1"/>
+                </a:solidFill>
+                <a:latin typeface="Arial" panose="020B0604020202020204" pitchFamily="34" charset="0"/>
+                <a:cs typeface="Arial" panose="020B0604020202020204" pitchFamily="34" charset="0"/>
+              </a:rPr>
+              <a:t>текущему?</a:t>
+            </a:r>
+          </a:p>
+        </p:txBody>
+      </p:sp>
+      <p:cxnSp>
+        <p:nvCxnSpPr>
+          <p:cNvPr id="4" name="Прямая соединительная линия 3">
+            <a:extLst>
+              <a:ext uri="{FF2B5EF4-FFF2-40B4-BE49-F238E27FC236}">
+                <a16:creationId xmlns:a16="http://schemas.microsoft.com/office/drawing/2014/main" id="{83E2039C-700C-4015-B1C8-527BC28281B9}"/>
+              </a:ext>
+            </a:extLst>
+          </p:cNvPr>
+          <p:cNvCxnSpPr>
+            <a:stCxn id="75" idx="3"/>
+          </p:cNvCxnSpPr>
+          <p:nvPr/>
+        </p:nvCxnSpPr>
+        <p:spPr>
+          <a:xfrm>
+            <a:off x="5508743" y="2124527"/>
+            <a:ext cx="857551" cy="0"/>
+          </a:xfrm>
+          <a:prstGeom prst="line">
+            <a:avLst/>
+          </a:prstGeom>
+        </p:spPr>
+        <p:style>
+          <a:lnRef idx="1">
+            <a:schemeClr val="dk1"/>
+          </a:lnRef>
+          <a:fillRef idx="0">
+            <a:schemeClr val="dk1"/>
+          </a:fillRef>
+          <a:effectRef idx="0">
+            <a:schemeClr val="dk1"/>
+          </a:effectRef>
+          <a:fontRef idx="minor">
+            <a:schemeClr val="tx1"/>
+          </a:fontRef>
+        </p:style>
+      </p:cxnSp>
+      <p:cxnSp>
+        <p:nvCxnSpPr>
+          <p:cNvPr id="79" name="Прямая со стрелкой 78">
+            <a:extLst>
+              <a:ext uri="{FF2B5EF4-FFF2-40B4-BE49-F238E27FC236}">
+                <a16:creationId xmlns:a16="http://schemas.microsoft.com/office/drawing/2014/main" id="{6198BEF4-7C8A-4D98-AC0D-63A965092E38}"/>
+              </a:ext>
+            </a:extLst>
+          </p:cNvPr>
+          <p:cNvCxnSpPr>
+            <a:cxnSpLocks/>
+          </p:cNvCxnSpPr>
+          <p:nvPr/>
+        </p:nvCxnSpPr>
+        <p:spPr>
+          <a:xfrm flipH="1">
+            <a:off x="6366294" y="2124527"/>
+            <a:ext cx="2893" cy="335171"/>
+          </a:xfrm>
+          <a:prstGeom prst="straightConnector1">
+            <a:avLst/>
+          </a:prstGeom>
+          <a:ln>
+            <a:tailEnd type="triangle"/>
+          </a:ln>
+        </p:spPr>
+        <p:style>
+          <a:lnRef idx="1">
+            <a:schemeClr val="dk1"/>
+          </a:lnRef>
+          <a:fillRef idx="0">
+            <a:schemeClr val="dk1"/>
+          </a:fillRef>
+          <a:effectRef idx="0">
+            <a:schemeClr val="dk1"/>
+          </a:effectRef>
+          <a:fontRef idx="minor">
+            <a:schemeClr val="tx1"/>
+          </a:fontRef>
+        </p:style>
+      </p:cxnSp>
+      <p:sp>
+        <p:nvSpPr>
+          <p:cNvPr id="80" name="Прямоугольник 79">
+            <a:extLst>
+              <a:ext uri="{FF2B5EF4-FFF2-40B4-BE49-F238E27FC236}">
+                <a16:creationId xmlns:a16="http://schemas.microsoft.com/office/drawing/2014/main" id="{7AC06290-72E1-4CD4-9D5E-44CFF27F1E47}"/>
+              </a:ext>
+            </a:extLst>
+          </p:cNvPr>
+          <p:cNvSpPr/>
+          <p:nvPr/>
+        </p:nvSpPr>
+        <p:spPr>
+          <a:xfrm>
+            <a:off x="5591510" y="2459698"/>
+            <a:ext cx="1549567" cy="449211"/>
+          </a:xfrm>
+          <a:prstGeom prst="rect">
+            <a:avLst/>
+          </a:prstGeom>
+          <a:solidFill>
+            <a:schemeClr val="bg1"/>
+          </a:solidFill>
+        </p:spPr>
+        <p:style>
+          <a:lnRef idx="2">
+            <a:schemeClr val="dk1">
+              <a:shade val="50000"/>
+            </a:schemeClr>
+          </a:lnRef>
+          <a:fillRef idx="1">
+            <a:schemeClr val="dk1"/>
+          </a:fillRef>
+          <a:effectRef idx="0">
+            <a:schemeClr val="dk1"/>
+          </a:effectRef>
+          <a:fontRef idx="minor">
+            <a:schemeClr val="lt1"/>
+          </a:fontRef>
+        </p:style>
+        <p:txBody>
+          <a:bodyPr rtlCol="0" anchor="ctr"/>
+          <a:lstStyle/>
+          <a:p>
+            <a:pPr algn="ctr"/>
+            <a:r>
+              <a:rPr lang="ru-RU" sz="1100" dirty="0">
+                <a:solidFill>
+                  <a:schemeClr val="tx1"/>
+                </a:solidFill>
+                <a:latin typeface="Arial" panose="020B0604020202020204" pitchFamily="34" charset="0"/>
+                <a:cs typeface="Arial" panose="020B0604020202020204" pitchFamily="34" charset="0"/>
+              </a:rPr>
+              <a:t>Элемент найден</a:t>
+            </a:r>
+          </a:p>
+        </p:txBody>
+      </p:sp>
+      <p:cxnSp>
+        <p:nvCxnSpPr>
+          <p:cNvPr id="18" name="Прямая соединительная линия 17">
+            <a:extLst>
+              <a:ext uri="{FF2B5EF4-FFF2-40B4-BE49-F238E27FC236}">
+                <a16:creationId xmlns:a16="http://schemas.microsoft.com/office/drawing/2014/main" id="{B72EAEB6-C079-4C43-A72B-B33F0D20CE63}"/>
+              </a:ext>
+            </a:extLst>
+          </p:cNvPr>
+          <p:cNvCxnSpPr>
+            <a:cxnSpLocks/>
+            <a:stCxn id="80" idx="2"/>
+          </p:cNvCxnSpPr>
+          <p:nvPr/>
+        </p:nvCxnSpPr>
+        <p:spPr>
+          <a:xfrm>
+            <a:off x="6366294" y="2908909"/>
+            <a:ext cx="0" cy="136216"/>
+          </a:xfrm>
+          <a:prstGeom prst="line">
+            <a:avLst/>
+          </a:prstGeom>
+        </p:spPr>
+        <p:style>
+          <a:lnRef idx="1">
+            <a:schemeClr val="dk1"/>
+          </a:lnRef>
+          <a:fillRef idx="0">
+            <a:schemeClr val="dk1"/>
+          </a:fillRef>
+          <a:effectRef idx="0">
+            <a:schemeClr val="dk1"/>
+          </a:effectRef>
+          <a:fontRef idx="minor">
+            <a:schemeClr val="tx1"/>
+          </a:fontRef>
+        </p:style>
+      </p:cxnSp>
+      <p:cxnSp>
+        <p:nvCxnSpPr>
+          <p:cNvPr id="82" name="Прямая со стрелкой 81">
+            <a:extLst>
+              <a:ext uri="{FF2B5EF4-FFF2-40B4-BE49-F238E27FC236}">
+                <a16:creationId xmlns:a16="http://schemas.microsoft.com/office/drawing/2014/main" id="{C451D7FB-D2B5-4DBC-99A3-B5FD23C44F3B}"/>
+              </a:ext>
+            </a:extLst>
+          </p:cNvPr>
+          <p:cNvCxnSpPr>
+            <a:cxnSpLocks/>
+          </p:cNvCxnSpPr>
+          <p:nvPr/>
+        </p:nvCxnSpPr>
+        <p:spPr>
+          <a:xfrm>
+            <a:off x="6346909" y="3045125"/>
+            <a:ext cx="1190445" cy="0"/>
+          </a:xfrm>
+          <a:prstGeom prst="straightConnector1">
+            <a:avLst/>
+          </a:prstGeom>
+          <a:ln>
+            <a:tailEnd type="triangle"/>
+          </a:ln>
+        </p:spPr>
+        <p:style>
+          <a:lnRef idx="1">
+            <a:schemeClr val="dk1"/>
+          </a:lnRef>
+          <a:fillRef idx="0">
+            <a:schemeClr val="dk1"/>
+          </a:fillRef>
+          <a:effectRef idx="0">
+            <a:schemeClr val="dk1"/>
+          </a:effectRef>
+          <a:fontRef idx="minor">
+            <a:schemeClr val="tx1"/>
+          </a:fontRef>
+        </p:style>
+      </p:cxnSp>
+      <p:sp>
+        <p:nvSpPr>
+          <p:cNvPr id="84" name="Овал 83">
+            <a:extLst>
+              <a:ext uri="{FF2B5EF4-FFF2-40B4-BE49-F238E27FC236}">
+                <a16:creationId xmlns:a16="http://schemas.microsoft.com/office/drawing/2014/main" id="{722D422E-7962-4153-8DBF-FE69069550C3}"/>
+              </a:ext>
+            </a:extLst>
+          </p:cNvPr>
+          <p:cNvSpPr/>
+          <p:nvPr/>
+        </p:nvSpPr>
+        <p:spPr>
+          <a:xfrm>
+            <a:off x="7556738" y="2837078"/>
+            <a:ext cx="463672" cy="449211"/>
+          </a:xfrm>
+          <a:prstGeom prst="ellipse">
+            <a:avLst/>
+          </a:prstGeom>
+          <a:solidFill>
+            <a:schemeClr val="bg1"/>
+          </a:solidFill>
+        </p:spPr>
+        <p:style>
+          <a:lnRef idx="2">
+            <a:schemeClr val="dk1">
+              <a:shade val="50000"/>
+            </a:schemeClr>
+          </a:lnRef>
+          <a:fillRef idx="1">
+            <a:schemeClr val="dk1"/>
+          </a:fillRef>
+          <a:effectRef idx="0">
+            <a:schemeClr val="dk1"/>
+          </a:effectRef>
+          <a:fontRef idx="minor">
+            <a:schemeClr val="lt1"/>
+          </a:fontRef>
+        </p:style>
+        <p:txBody>
+          <a:bodyPr rtlCol="0" anchor="ctr"/>
+          <a:lstStyle/>
+          <a:p>
+            <a:pPr algn="ctr"/>
+            <a:r>
+              <a:rPr lang="ru-RU" dirty="0">
+                <a:solidFill>
+                  <a:schemeClr val="tx1"/>
+                </a:solidFill>
+              </a:rPr>
+              <a:t>А</a:t>
+            </a:r>
+          </a:p>
+        </p:txBody>
+      </p:sp>
+      <p:cxnSp>
+        <p:nvCxnSpPr>
+          <p:cNvPr id="85" name="Прямая со стрелкой 84">
+            <a:extLst>
+              <a:ext uri="{FF2B5EF4-FFF2-40B4-BE49-F238E27FC236}">
+                <a16:creationId xmlns:a16="http://schemas.microsoft.com/office/drawing/2014/main" id="{65491C37-BA20-4AE1-B328-29BAD53B0D79}"/>
+              </a:ext>
+            </a:extLst>
+          </p:cNvPr>
+          <p:cNvCxnSpPr>
+            <a:cxnSpLocks/>
+            <a:endCxn id="88" idx="0"/>
+          </p:cNvCxnSpPr>
+          <p:nvPr/>
+        </p:nvCxnSpPr>
+        <p:spPr>
+          <a:xfrm>
+            <a:off x="4533703" y="2499636"/>
+            <a:ext cx="9863" cy="477381"/>
+          </a:xfrm>
+          <a:prstGeom prst="straightConnector1">
+            <a:avLst/>
+          </a:prstGeom>
+          <a:ln>
+            <a:tailEnd type="triangle"/>
+          </a:ln>
+        </p:spPr>
+        <p:style>
+          <a:lnRef idx="1">
+            <a:schemeClr val="dk1"/>
+          </a:lnRef>
+          <a:fillRef idx="0">
+            <a:schemeClr val="dk1"/>
+          </a:fillRef>
+          <a:effectRef idx="0">
+            <a:schemeClr val="dk1"/>
+          </a:effectRef>
+          <a:fontRef idx="minor">
+            <a:schemeClr val="tx1"/>
+          </a:fontRef>
+        </p:style>
+      </p:cxnSp>
+      <p:sp>
+        <p:nvSpPr>
+          <p:cNvPr id="88" name="Блок-схема: решение 87">
+            <a:extLst>
+              <a:ext uri="{FF2B5EF4-FFF2-40B4-BE49-F238E27FC236}">
+                <a16:creationId xmlns:a16="http://schemas.microsoft.com/office/drawing/2014/main" id="{5ECC4650-5FAC-43F0-91F8-AC999809A529}"/>
+              </a:ext>
+            </a:extLst>
+          </p:cNvPr>
+          <p:cNvSpPr/>
+          <p:nvPr/>
+        </p:nvSpPr>
+        <p:spPr>
+          <a:xfrm>
+            <a:off x="3568523" y="2977017"/>
+            <a:ext cx="1950085" cy="769440"/>
+          </a:xfrm>
+          <a:prstGeom prst="flowChartDecision">
+            <a:avLst/>
+          </a:prstGeom>
+          <a:solidFill>
+            <a:schemeClr val="bg1"/>
+          </a:solidFill>
+          <a:ln>
+            <a:solidFill>
+              <a:schemeClr val="tx1"/>
+            </a:solidFill>
+          </a:ln>
+        </p:spPr>
+        <p:style>
+          <a:lnRef idx="2">
+            <a:schemeClr val="accent1">
+              <a:shade val="50000"/>
+            </a:schemeClr>
+          </a:lnRef>
+          <a:fillRef idx="1">
+            <a:schemeClr val="accent1"/>
+          </a:fillRef>
+          <a:effectRef idx="0">
+            <a:schemeClr val="accent1"/>
+          </a:effectRef>
+          <a:fontRef idx="minor">
+            <a:schemeClr val="lt1"/>
+          </a:fontRef>
+        </p:style>
+        <p:txBody>
+          <a:bodyPr rtlCol="0" anchor="ctr"/>
+          <a:lstStyle/>
+          <a:p>
+            <a:pPr algn="ctr"/>
+            <a:r>
+              <a:rPr lang="ru-RU" sz="1100" dirty="0">
+                <a:solidFill>
+                  <a:schemeClr val="tx1"/>
+                </a:solidFill>
+                <a:latin typeface="Arial" panose="020B0604020202020204" pitchFamily="34" charset="0"/>
+                <a:cs typeface="Arial" panose="020B0604020202020204" pitchFamily="34" charset="0"/>
+              </a:rPr>
+              <a:t>Элемент </a:t>
+            </a:r>
+            <a:r>
+              <a:rPr lang="en-US" sz="1100" dirty="0">
+                <a:solidFill>
+                  <a:schemeClr val="tx1"/>
+                </a:solidFill>
+                <a:latin typeface="Arial" panose="020B0604020202020204" pitchFamily="34" charset="0"/>
+                <a:cs typeface="Arial" panose="020B0604020202020204" pitchFamily="34" charset="0"/>
+              </a:rPr>
+              <a:t>&lt; </a:t>
+            </a:r>
+            <a:r>
+              <a:rPr lang="ru-RU" sz="1100" dirty="0">
+                <a:solidFill>
+                  <a:schemeClr val="tx1"/>
+                </a:solidFill>
+                <a:latin typeface="Arial" panose="020B0604020202020204" pitchFamily="34" charset="0"/>
+                <a:cs typeface="Arial" panose="020B0604020202020204" pitchFamily="34" charset="0"/>
+              </a:rPr>
+              <a:t>текущего</a:t>
+            </a:r>
+          </a:p>
+        </p:txBody>
+      </p:sp>
+      <p:cxnSp>
+        <p:nvCxnSpPr>
+          <p:cNvPr id="92" name="Прямая соединительная линия 91">
+            <a:extLst>
+              <a:ext uri="{FF2B5EF4-FFF2-40B4-BE49-F238E27FC236}">
+                <a16:creationId xmlns:a16="http://schemas.microsoft.com/office/drawing/2014/main" id="{8843F8AF-CEC9-4902-8009-ABCA968C1652}"/>
+              </a:ext>
+            </a:extLst>
+          </p:cNvPr>
+          <p:cNvCxnSpPr>
+            <a:cxnSpLocks/>
+          </p:cNvCxnSpPr>
+          <p:nvPr/>
+        </p:nvCxnSpPr>
+        <p:spPr>
+          <a:xfrm>
+            <a:off x="5508742" y="3361737"/>
+            <a:ext cx="1804955" cy="0"/>
+          </a:xfrm>
+          <a:prstGeom prst="line">
+            <a:avLst/>
+          </a:prstGeom>
+        </p:spPr>
+        <p:style>
+          <a:lnRef idx="1">
+            <a:schemeClr val="dk1"/>
+          </a:lnRef>
+          <a:fillRef idx="0">
+            <a:schemeClr val="dk1"/>
+          </a:fillRef>
+          <a:effectRef idx="0">
+            <a:schemeClr val="dk1"/>
+          </a:effectRef>
+          <a:fontRef idx="minor">
+            <a:schemeClr val="tx1"/>
+          </a:fontRef>
+        </p:style>
+      </p:cxnSp>
+      <p:cxnSp>
+        <p:nvCxnSpPr>
+          <p:cNvPr id="94" name="Прямая со стрелкой 93">
+            <a:extLst>
+              <a:ext uri="{FF2B5EF4-FFF2-40B4-BE49-F238E27FC236}">
+                <a16:creationId xmlns:a16="http://schemas.microsoft.com/office/drawing/2014/main" id="{D6FB1B35-7F84-41BC-A2EC-85368CF13F7A}"/>
+              </a:ext>
+            </a:extLst>
+          </p:cNvPr>
+          <p:cNvCxnSpPr>
+            <a:cxnSpLocks/>
+          </p:cNvCxnSpPr>
+          <p:nvPr/>
+        </p:nvCxnSpPr>
+        <p:spPr>
+          <a:xfrm flipH="1">
+            <a:off x="7316590" y="3361737"/>
+            <a:ext cx="1" cy="136217"/>
+          </a:xfrm>
+          <a:prstGeom prst="straightConnector1">
+            <a:avLst/>
+          </a:prstGeom>
+          <a:ln>
+            <a:tailEnd type="triangle"/>
+          </a:ln>
+        </p:spPr>
+        <p:style>
+          <a:lnRef idx="1">
+            <a:schemeClr val="dk1"/>
+          </a:lnRef>
+          <a:fillRef idx="0">
+            <a:schemeClr val="dk1"/>
+          </a:fillRef>
+          <a:effectRef idx="0">
+            <a:schemeClr val="dk1"/>
+          </a:effectRef>
+          <a:fontRef idx="minor">
+            <a:schemeClr val="tx1"/>
+          </a:fontRef>
+        </p:style>
+      </p:cxnSp>
+      <p:sp>
+        <p:nvSpPr>
+          <p:cNvPr id="95" name="Блок-схема: решение 94">
+            <a:extLst>
+              <a:ext uri="{FF2B5EF4-FFF2-40B4-BE49-F238E27FC236}">
+                <a16:creationId xmlns:a16="http://schemas.microsoft.com/office/drawing/2014/main" id="{57E37C6F-ED7B-4CA6-8BBD-1B59B743DC0B}"/>
+              </a:ext>
+            </a:extLst>
+          </p:cNvPr>
+          <p:cNvSpPr/>
+          <p:nvPr/>
+        </p:nvSpPr>
+        <p:spPr>
+          <a:xfrm>
+            <a:off x="6338654" y="3512894"/>
+            <a:ext cx="1950085" cy="769440"/>
+          </a:xfrm>
+          <a:prstGeom prst="flowChartDecision">
+            <a:avLst/>
+          </a:prstGeom>
+          <a:solidFill>
+            <a:schemeClr val="bg1"/>
+          </a:solidFill>
+          <a:ln>
+            <a:solidFill>
+              <a:schemeClr val="tx1"/>
+            </a:solidFill>
+          </a:ln>
+        </p:spPr>
+        <p:style>
+          <a:lnRef idx="2">
+            <a:schemeClr val="accent1">
+              <a:shade val="50000"/>
+            </a:schemeClr>
+          </a:lnRef>
+          <a:fillRef idx="1">
+            <a:schemeClr val="accent1"/>
+          </a:fillRef>
+          <a:effectRef idx="0">
+            <a:schemeClr val="accent1"/>
+          </a:effectRef>
+          <a:fontRef idx="minor">
+            <a:schemeClr val="lt1"/>
+          </a:fontRef>
+        </p:style>
+        <p:txBody>
+          <a:bodyPr rtlCol="0" anchor="ctr"/>
+          <a:lstStyle/>
+          <a:p>
+            <a:pPr algn="ctr"/>
+            <a:r>
+              <a:rPr lang="ru-RU" sz="1100" dirty="0">
+                <a:solidFill>
+                  <a:schemeClr val="tx1"/>
+                </a:solidFill>
+                <a:latin typeface="Arial" panose="020B0604020202020204" pitchFamily="34" charset="0"/>
+                <a:cs typeface="Arial" panose="020B0604020202020204" pitchFamily="34" charset="0"/>
+              </a:rPr>
+              <a:t>Правая ветвь пуста?</a:t>
+            </a:r>
+          </a:p>
+        </p:txBody>
+      </p:sp>
+      <p:cxnSp>
+        <p:nvCxnSpPr>
+          <p:cNvPr id="96" name="Прямая соединительная линия 95">
+            <a:extLst>
+              <a:ext uri="{FF2B5EF4-FFF2-40B4-BE49-F238E27FC236}">
+                <a16:creationId xmlns:a16="http://schemas.microsoft.com/office/drawing/2014/main" id="{3E2B43B8-FE39-4A3D-B39D-FD8810F23F58}"/>
+              </a:ext>
+            </a:extLst>
+          </p:cNvPr>
+          <p:cNvCxnSpPr>
+            <a:cxnSpLocks/>
+          </p:cNvCxnSpPr>
+          <p:nvPr/>
+        </p:nvCxnSpPr>
+        <p:spPr>
+          <a:xfrm>
+            <a:off x="8288739" y="3897614"/>
+            <a:ext cx="475698" cy="0"/>
+          </a:xfrm>
+          <a:prstGeom prst="line">
+            <a:avLst/>
+          </a:prstGeom>
+        </p:spPr>
+        <p:style>
+          <a:lnRef idx="1">
+            <a:schemeClr val="dk1"/>
+          </a:lnRef>
+          <a:fillRef idx="0">
+            <a:schemeClr val="dk1"/>
+          </a:fillRef>
+          <a:effectRef idx="0">
+            <a:schemeClr val="dk1"/>
+          </a:effectRef>
+          <a:fontRef idx="minor">
+            <a:schemeClr val="tx1"/>
+          </a:fontRef>
+        </p:style>
+      </p:cxnSp>
+      <p:cxnSp>
+        <p:nvCxnSpPr>
+          <p:cNvPr id="98" name="Прямая со стрелкой 97">
+            <a:extLst>
+              <a:ext uri="{FF2B5EF4-FFF2-40B4-BE49-F238E27FC236}">
+                <a16:creationId xmlns:a16="http://schemas.microsoft.com/office/drawing/2014/main" id="{25AA9FA1-419F-45EE-9D07-229C4A7473B6}"/>
+              </a:ext>
+            </a:extLst>
+          </p:cNvPr>
+          <p:cNvCxnSpPr>
+            <a:cxnSpLocks/>
+          </p:cNvCxnSpPr>
+          <p:nvPr/>
+        </p:nvCxnSpPr>
+        <p:spPr>
+          <a:xfrm>
+            <a:off x="8764437" y="3897614"/>
+            <a:ext cx="0" cy="384720"/>
+          </a:xfrm>
+          <a:prstGeom prst="straightConnector1">
+            <a:avLst/>
+          </a:prstGeom>
+          <a:ln>
+            <a:tailEnd type="triangle"/>
+          </a:ln>
+        </p:spPr>
+        <p:style>
+          <a:lnRef idx="1">
+            <a:schemeClr val="dk1"/>
+          </a:lnRef>
+          <a:fillRef idx="0">
+            <a:schemeClr val="dk1"/>
+          </a:fillRef>
+          <a:effectRef idx="0">
+            <a:schemeClr val="dk1"/>
+          </a:effectRef>
+          <a:fontRef idx="minor">
+            <a:schemeClr val="tx1"/>
+          </a:fontRef>
+        </p:style>
+      </p:cxnSp>
+      <p:sp>
+        <p:nvSpPr>
+          <p:cNvPr id="101" name="Овал 100">
+            <a:extLst>
+              <a:ext uri="{FF2B5EF4-FFF2-40B4-BE49-F238E27FC236}">
+                <a16:creationId xmlns:a16="http://schemas.microsoft.com/office/drawing/2014/main" id="{F986697E-AAC4-405E-AA75-066C6020A7C7}"/>
+              </a:ext>
+            </a:extLst>
+          </p:cNvPr>
+          <p:cNvSpPr/>
+          <p:nvPr/>
+        </p:nvSpPr>
+        <p:spPr>
+          <a:xfrm>
+            <a:off x="8532601" y="4282334"/>
+            <a:ext cx="463672" cy="449211"/>
+          </a:xfrm>
+          <a:prstGeom prst="ellipse">
+            <a:avLst/>
+          </a:prstGeom>
+          <a:solidFill>
+            <a:schemeClr val="bg1"/>
+          </a:solidFill>
+        </p:spPr>
+        <p:style>
+          <a:lnRef idx="2">
+            <a:schemeClr val="dk1">
+              <a:shade val="50000"/>
+            </a:schemeClr>
+          </a:lnRef>
+          <a:fillRef idx="1">
+            <a:schemeClr val="dk1"/>
+          </a:fillRef>
+          <a:effectRef idx="0">
+            <a:schemeClr val="dk1"/>
+          </a:effectRef>
+          <a:fontRef idx="minor">
+            <a:schemeClr val="lt1"/>
+          </a:fontRef>
+        </p:style>
+        <p:txBody>
+          <a:bodyPr rtlCol="0" anchor="ctr"/>
+          <a:lstStyle/>
+          <a:p>
+            <a:pPr algn="ctr"/>
+            <a:r>
+              <a:rPr lang="en-US" dirty="0">
+                <a:solidFill>
+                  <a:schemeClr val="tx1"/>
+                </a:solidFill>
+              </a:rPr>
+              <a:t>B</a:t>
+            </a:r>
+            <a:endParaRPr lang="ru-RU" dirty="0">
+              <a:solidFill>
+                <a:schemeClr val="tx1"/>
+              </a:solidFill>
+            </a:endParaRPr>
+          </a:p>
+        </p:txBody>
+      </p:sp>
+      <p:cxnSp>
+        <p:nvCxnSpPr>
+          <p:cNvPr id="103" name="Прямая со стрелкой 102">
+            <a:extLst>
+              <a:ext uri="{FF2B5EF4-FFF2-40B4-BE49-F238E27FC236}">
+                <a16:creationId xmlns:a16="http://schemas.microsoft.com/office/drawing/2014/main" id="{62B96EA5-1DDF-45F2-BFC2-7D3B032E64EC}"/>
+              </a:ext>
+            </a:extLst>
+          </p:cNvPr>
+          <p:cNvCxnSpPr>
+            <a:cxnSpLocks/>
+          </p:cNvCxnSpPr>
+          <p:nvPr/>
+        </p:nvCxnSpPr>
+        <p:spPr>
+          <a:xfrm flipH="1">
+            <a:off x="7313695" y="4265904"/>
+            <a:ext cx="3" cy="333043"/>
+          </a:xfrm>
+          <a:prstGeom prst="straightConnector1">
+            <a:avLst/>
+          </a:prstGeom>
+          <a:ln>
+            <a:tailEnd type="triangle"/>
+          </a:ln>
+        </p:spPr>
+        <p:style>
+          <a:lnRef idx="1">
+            <a:schemeClr val="dk1"/>
+          </a:lnRef>
+          <a:fillRef idx="0">
+            <a:schemeClr val="dk1"/>
+          </a:fillRef>
+          <a:effectRef idx="0">
+            <a:schemeClr val="dk1"/>
+          </a:effectRef>
+          <a:fontRef idx="minor">
+            <a:schemeClr val="tx1"/>
+          </a:fontRef>
+        </p:style>
+      </p:cxnSp>
+      <p:sp>
+        <p:nvSpPr>
+          <p:cNvPr id="106" name="Прямоугольник 105">
+            <a:extLst>
+              <a:ext uri="{FF2B5EF4-FFF2-40B4-BE49-F238E27FC236}">
+                <a16:creationId xmlns:a16="http://schemas.microsoft.com/office/drawing/2014/main" id="{30D40268-4267-4C06-8351-528724510CEA}"/>
+              </a:ext>
+            </a:extLst>
+          </p:cNvPr>
+          <p:cNvSpPr/>
+          <p:nvPr/>
+        </p:nvSpPr>
+        <p:spPr>
+          <a:xfrm>
+            <a:off x="6538911" y="4634581"/>
+            <a:ext cx="1549567" cy="449211"/>
+          </a:xfrm>
+          <a:prstGeom prst="rect">
+            <a:avLst/>
+          </a:prstGeom>
+          <a:solidFill>
+            <a:schemeClr val="bg1"/>
+          </a:solidFill>
+        </p:spPr>
+        <p:style>
+          <a:lnRef idx="2">
+            <a:schemeClr val="dk1">
+              <a:shade val="50000"/>
+            </a:schemeClr>
+          </a:lnRef>
+          <a:fillRef idx="1">
+            <a:schemeClr val="dk1"/>
+          </a:fillRef>
+          <a:effectRef idx="0">
+            <a:schemeClr val="dk1"/>
+          </a:effectRef>
+          <a:fontRef idx="minor">
+            <a:schemeClr val="lt1"/>
+          </a:fontRef>
+        </p:style>
+        <p:txBody>
+          <a:bodyPr rtlCol="0" anchor="ctr"/>
+          <a:lstStyle/>
+          <a:p>
+            <a:pPr algn="ctr"/>
+            <a:r>
+              <a:rPr lang="ru-RU" sz="1100" dirty="0">
+                <a:solidFill>
+                  <a:schemeClr val="tx1"/>
+                </a:solidFill>
+                <a:latin typeface="Arial" panose="020B0604020202020204" pitchFamily="34" charset="0"/>
+                <a:cs typeface="Arial" panose="020B0604020202020204" pitchFamily="34" charset="0"/>
+              </a:rPr>
+              <a:t>Сделать правый узел текущим</a:t>
+            </a:r>
+          </a:p>
+        </p:txBody>
+      </p:sp>
+      <p:cxnSp>
+        <p:nvCxnSpPr>
+          <p:cNvPr id="107" name="Прямая соединительная линия 106">
+            <a:extLst>
+              <a:ext uri="{FF2B5EF4-FFF2-40B4-BE49-F238E27FC236}">
+                <a16:creationId xmlns:a16="http://schemas.microsoft.com/office/drawing/2014/main" id="{79CB6B18-BB79-4D67-800C-1F2C86350176}"/>
+              </a:ext>
+            </a:extLst>
+          </p:cNvPr>
+          <p:cNvCxnSpPr>
+            <a:cxnSpLocks/>
+          </p:cNvCxnSpPr>
+          <p:nvPr/>
+        </p:nvCxnSpPr>
+        <p:spPr>
+          <a:xfrm>
+            <a:off x="8088478" y="4859186"/>
+            <a:ext cx="1331567" cy="0"/>
+          </a:xfrm>
+          <a:prstGeom prst="line">
+            <a:avLst/>
+          </a:prstGeom>
+        </p:spPr>
+        <p:style>
+          <a:lnRef idx="1">
+            <a:schemeClr val="dk1"/>
+          </a:lnRef>
+          <a:fillRef idx="0">
+            <a:schemeClr val="dk1"/>
+          </a:fillRef>
+          <a:effectRef idx="0">
+            <a:schemeClr val="dk1"/>
+          </a:effectRef>
+          <a:fontRef idx="minor">
+            <a:schemeClr val="tx1"/>
+          </a:fontRef>
+        </p:style>
+      </p:cxnSp>
+      <p:cxnSp>
+        <p:nvCxnSpPr>
+          <p:cNvPr id="109" name="Прямая соединительная линия 108">
+            <a:extLst>
+              <a:ext uri="{FF2B5EF4-FFF2-40B4-BE49-F238E27FC236}">
+                <a16:creationId xmlns:a16="http://schemas.microsoft.com/office/drawing/2014/main" id="{8F6F9644-4B75-432A-99E6-50184DA960B3}"/>
+              </a:ext>
+            </a:extLst>
+          </p:cNvPr>
+          <p:cNvCxnSpPr>
+            <a:cxnSpLocks/>
+          </p:cNvCxnSpPr>
+          <p:nvPr/>
+        </p:nvCxnSpPr>
+        <p:spPr>
+          <a:xfrm flipV="1">
+            <a:off x="9420045" y="1581832"/>
+            <a:ext cx="0" cy="3277354"/>
+          </a:xfrm>
+          <a:prstGeom prst="line">
+            <a:avLst/>
+          </a:prstGeom>
+        </p:spPr>
+        <p:style>
+          <a:lnRef idx="1">
+            <a:schemeClr val="dk1"/>
+          </a:lnRef>
+          <a:fillRef idx="0">
+            <a:schemeClr val="dk1"/>
+          </a:fillRef>
+          <a:effectRef idx="0">
+            <a:schemeClr val="dk1"/>
+          </a:effectRef>
+          <a:fontRef idx="minor">
+            <a:schemeClr val="tx1"/>
+          </a:fontRef>
+        </p:style>
+      </p:cxnSp>
+      <p:cxnSp>
+        <p:nvCxnSpPr>
+          <p:cNvPr id="113" name="Прямая со стрелкой 112">
+            <a:extLst>
+              <a:ext uri="{FF2B5EF4-FFF2-40B4-BE49-F238E27FC236}">
+                <a16:creationId xmlns:a16="http://schemas.microsoft.com/office/drawing/2014/main" id="{80FDF4B1-CC9D-479B-B110-BC651EB2809C}"/>
+              </a:ext>
+            </a:extLst>
+          </p:cNvPr>
+          <p:cNvCxnSpPr>
+            <a:cxnSpLocks/>
+          </p:cNvCxnSpPr>
+          <p:nvPr/>
+        </p:nvCxnSpPr>
+        <p:spPr>
+          <a:xfrm flipH="1">
+            <a:off x="4533701" y="1577783"/>
+            <a:ext cx="4886344" cy="4049"/>
+          </a:xfrm>
+          <a:prstGeom prst="straightConnector1">
+            <a:avLst/>
+          </a:prstGeom>
+          <a:ln>
+            <a:tailEnd type="triangle"/>
+          </a:ln>
+        </p:spPr>
+        <p:style>
+          <a:lnRef idx="1">
+            <a:schemeClr val="dk1"/>
+          </a:lnRef>
+          <a:fillRef idx="0">
+            <a:schemeClr val="dk1"/>
+          </a:fillRef>
+          <a:effectRef idx="0">
+            <a:schemeClr val="dk1"/>
+          </a:effectRef>
+          <a:fontRef idx="minor">
+            <a:schemeClr val="tx1"/>
+          </a:fontRef>
+        </p:style>
+      </p:cxnSp>
+      <p:cxnSp>
+        <p:nvCxnSpPr>
+          <p:cNvPr id="116" name="Прямая со стрелкой 115">
+            <a:extLst>
+              <a:ext uri="{FF2B5EF4-FFF2-40B4-BE49-F238E27FC236}">
+                <a16:creationId xmlns:a16="http://schemas.microsoft.com/office/drawing/2014/main" id="{8D4E78AB-974E-4218-9705-7DB4C7663E9C}"/>
+              </a:ext>
+            </a:extLst>
+          </p:cNvPr>
+          <p:cNvCxnSpPr>
+            <a:cxnSpLocks/>
+          </p:cNvCxnSpPr>
+          <p:nvPr/>
+        </p:nvCxnSpPr>
+        <p:spPr>
+          <a:xfrm>
+            <a:off x="4543565" y="3746457"/>
+            <a:ext cx="9863" cy="477381"/>
+          </a:xfrm>
+          <a:prstGeom prst="straightConnector1">
+            <a:avLst/>
+          </a:prstGeom>
+          <a:ln>
+            <a:tailEnd type="triangle"/>
+          </a:ln>
+        </p:spPr>
+        <p:style>
+          <a:lnRef idx="1">
+            <a:schemeClr val="dk1"/>
+          </a:lnRef>
+          <a:fillRef idx="0">
+            <a:schemeClr val="dk1"/>
+          </a:fillRef>
+          <a:effectRef idx="0">
+            <a:schemeClr val="dk1"/>
+          </a:effectRef>
+          <a:fontRef idx="minor">
+            <a:schemeClr val="tx1"/>
+          </a:fontRef>
+        </p:style>
+      </p:cxnSp>
+      <p:sp>
+        <p:nvSpPr>
+          <p:cNvPr id="118" name="Блок-схема: решение 117">
+            <a:extLst>
+              <a:ext uri="{FF2B5EF4-FFF2-40B4-BE49-F238E27FC236}">
+                <a16:creationId xmlns:a16="http://schemas.microsoft.com/office/drawing/2014/main" id="{CD9A3A7E-4819-47BD-AC43-38D9DF43ED1C}"/>
+              </a:ext>
+            </a:extLst>
+          </p:cNvPr>
+          <p:cNvSpPr/>
+          <p:nvPr/>
+        </p:nvSpPr>
+        <p:spPr>
+          <a:xfrm>
+            <a:off x="3576891" y="4223838"/>
+            <a:ext cx="1950085" cy="769440"/>
+          </a:xfrm>
+          <a:prstGeom prst="flowChartDecision">
+            <a:avLst/>
+          </a:prstGeom>
+          <a:solidFill>
+            <a:schemeClr val="bg1"/>
+          </a:solidFill>
+          <a:ln>
+            <a:solidFill>
+              <a:schemeClr val="tx1"/>
+            </a:solidFill>
+          </a:ln>
+        </p:spPr>
+        <p:style>
+          <a:lnRef idx="2">
+            <a:schemeClr val="accent1">
+              <a:shade val="50000"/>
+            </a:schemeClr>
+          </a:lnRef>
+          <a:fillRef idx="1">
+            <a:schemeClr val="accent1"/>
+          </a:fillRef>
+          <a:effectRef idx="0">
+            <a:schemeClr val="accent1"/>
+          </a:effectRef>
+          <a:fontRef idx="minor">
+            <a:schemeClr val="lt1"/>
+          </a:fontRef>
+        </p:style>
+        <p:txBody>
+          <a:bodyPr rtlCol="0" anchor="ctr"/>
+          <a:lstStyle/>
+          <a:p>
+            <a:pPr algn="ctr"/>
+            <a:r>
+              <a:rPr lang="ru-RU" sz="1100" dirty="0">
+                <a:solidFill>
+                  <a:schemeClr val="tx1"/>
+                </a:solidFill>
+                <a:latin typeface="Arial" panose="020B0604020202020204" pitchFamily="34" charset="0"/>
+                <a:cs typeface="Arial" panose="020B0604020202020204" pitchFamily="34" charset="0"/>
+              </a:rPr>
+              <a:t>Левая ветвь пуста?</a:t>
+            </a:r>
+          </a:p>
+        </p:txBody>
+      </p:sp>
+      <p:cxnSp>
+        <p:nvCxnSpPr>
+          <p:cNvPr id="119" name="Прямая соединительная линия 118">
+            <a:extLst>
+              <a:ext uri="{FF2B5EF4-FFF2-40B4-BE49-F238E27FC236}">
+                <a16:creationId xmlns:a16="http://schemas.microsoft.com/office/drawing/2014/main" id="{A6E24CC5-CDCE-47BA-B5E9-10C98F3D21A5}"/>
+              </a:ext>
+            </a:extLst>
+          </p:cNvPr>
+          <p:cNvCxnSpPr>
+            <a:cxnSpLocks/>
+          </p:cNvCxnSpPr>
+          <p:nvPr/>
+        </p:nvCxnSpPr>
+        <p:spPr>
+          <a:xfrm flipV="1">
+            <a:off x="5508742" y="4608558"/>
+            <a:ext cx="340283" cy="2340"/>
+          </a:xfrm>
+          <a:prstGeom prst="line">
+            <a:avLst/>
+          </a:prstGeom>
+        </p:spPr>
+        <p:style>
+          <a:lnRef idx="1">
+            <a:schemeClr val="dk1"/>
+          </a:lnRef>
+          <a:fillRef idx="0">
+            <a:schemeClr val="dk1"/>
+          </a:fillRef>
+          <a:effectRef idx="0">
+            <a:schemeClr val="dk1"/>
+          </a:effectRef>
+          <a:fontRef idx="minor">
+            <a:schemeClr val="tx1"/>
+          </a:fontRef>
+        </p:style>
+      </p:cxnSp>
+      <p:cxnSp>
+        <p:nvCxnSpPr>
+          <p:cNvPr id="121" name="Прямая со стрелкой 120">
+            <a:extLst>
+              <a:ext uri="{FF2B5EF4-FFF2-40B4-BE49-F238E27FC236}">
+                <a16:creationId xmlns:a16="http://schemas.microsoft.com/office/drawing/2014/main" id="{AD6E8438-5909-403A-B10C-F6D9856D7CCC}"/>
+              </a:ext>
+            </a:extLst>
+          </p:cNvPr>
+          <p:cNvCxnSpPr>
+            <a:cxnSpLocks/>
+          </p:cNvCxnSpPr>
+          <p:nvPr/>
+        </p:nvCxnSpPr>
+        <p:spPr>
+          <a:xfrm>
+            <a:off x="5849025" y="4146118"/>
+            <a:ext cx="1" cy="466534"/>
+          </a:xfrm>
+          <a:prstGeom prst="straightConnector1">
+            <a:avLst/>
+          </a:prstGeom>
+          <a:ln>
+            <a:tailEnd type="triangle"/>
+          </a:ln>
+        </p:spPr>
+        <p:style>
+          <a:lnRef idx="1">
+            <a:schemeClr val="dk1"/>
+          </a:lnRef>
+          <a:fillRef idx="0">
+            <a:schemeClr val="dk1"/>
+          </a:fillRef>
+          <a:effectRef idx="0">
+            <a:schemeClr val="dk1"/>
+          </a:effectRef>
+          <a:fontRef idx="minor">
+            <a:schemeClr val="tx1"/>
+          </a:fontRef>
+        </p:style>
+      </p:cxnSp>
+      <p:sp>
+        <p:nvSpPr>
+          <p:cNvPr id="124" name="Овал 123">
+            <a:extLst>
+              <a:ext uri="{FF2B5EF4-FFF2-40B4-BE49-F238E27FC236}">
+                <a16:creationId xmlns:a16="http://schemas.microsoft.com/office/drawing/2014/main" id="{82D89A00-FB23-4D77-BF16-11D201B68670}"/>
+              </a:ext>
+            </a:extLst>
+          </p:cNvPr>
+          <p:cNvSpPr/>
+          <p:nvPr/>
+        </p:nvSpPr>
+        <p:spPr>
+          <a:xfrm>
+            <a:off x="5604163" y="3745217"/>
+            <a:ext cx="463672" cy="449211"/>
+          </a:xfrm>
+          <a:prstGeom prst="ellipse">
+            <a:avLst/>
+          </a:prstGeom>
+          <a:solidFill>
+            <a:schemeClr val="bg1"/>
+          </a:solidFill>
+        </p:spPr>
+        <p:style>
+          <a:lnRef idx="2">
+            <a:schemeClr val="dk1">
+              <a:shade val="50000"/>
+            </a:schemeClr>
+          </a:lnRef>
+          <a:fillRef idx="1">
+            <a:schemeClr val="dk1"/>
+          </a:fillRef>
+          <a:effectRef idx="0">
+            <a:schemeClr val="dk1"/>
+          </a:effectRef>
+          <a:fontRef idx="minor">
+            <a:schemeClr val="lt1"/>
+          </a:fontRef>
+        </p:style>
+        <p:txBody>
+          <a:bodyPr rtlCol="0" anchor="ctr"/>
+          <a:lstStyle/>
+          <a:p>
+            <a:pPr algn="ctr"/>
+            <a:r>
+              <a:rPr lang="en-US" dirty="0">
+                <a:solidFill>
+                  <a:schemeClr val="tx1"/>
+                </a:solidFill>
+              </a:rPr>
+              <a:t>B</a:t>
+            </a:r>
+            <a:endParaRPr lang="ru-RU" dirty="0">
+              <a:solidFill>
+                <a:schemeClr val="tx1"/>
+              </a:solidFill>
+            </a:endParaRPr>
+          </a:p>
+        </p:txBody>
+      </p:sp>
+      <p:cxnSp>
+        <p:nvCxnSpPr>
+          <p:cNvPr id="126" name="Прямая со стрелкой 125">
+            <a:extLst>
+              <a:ext uri="{FF2B5EF4-FFF2-40B4-BE49-F238E27FC236}">
+                <a16:creationId xmlns:a16="http://schemas.microsoft.com/office/drawing/2014/main" id="{F8C30F51-B4D0-428D-BE0B-CCBF608E980D}"/>
+              </a:ext>
+            </a:extLst>
+          </p:cNvPr>
+          <p:cNvCxnSpPr>
+            <a:cxnSpLocks/>
+          </p:cNvCxnSpPr>
+          <p:nvPr/>
+        </p:nvCxnSpPr>
+        <p:spPr>
+          <a:xfrm>
+            <a:off x="5849024" y="4599110"/>
+            <a:ext cx="0" cy="638282"/>
+          </a:xfrm>
+          <a:prstGeom prst="straightConnector1">
+            <a:avLst/>
+          </a:prstGeom>
+          <a:ln>
+            <a:tailEnd type="triangle"/>
+          </a:ln>
+        </p:spPr>
+        <p:style>
+          <a:lnRef idx="1">
+            <a:schemeClr val="dk1"/>
+          </a:lnRef>
+          <a:fillRef idx="0">
+            <a:schemeClr val="dk1"/>
+          </a:fillRef>
+          <a:effectRef idx="0">
+            <a:schemeClr val="dk1"/>
+          </a:effectRef>
+          <a:fontRef idx="minor">
+            <a:schemeClr val="tx1"/>
+          </a:fontRef>
+        </p:style>
+      </p:cxnSp>
+      <p:cxnSp>
+        <p:nvCxnSpPr>
+          <p:cNvPr id="128" name="Прямая со стрелкой 127">
+            <a:extLst>
+              <a:ext uri="{FF2B5EF4-FFF2-40B4-BE49-F238E27FC236}">
+                <a16:creationId xmlns:a16="http://schemas.microsoft.com/office/drawing/2014/main" id="{89FABFC3-95E0-4655-8438-73E543D35954}"/>
+              </a:ext>
+            </a:extLst>
+          </p:cNvPr>
+          <p:cNvCxnSpPr>
+            <a:cxnSpLocks/>
+          </p:cNvCxnSpPr>
+          <p:nvPr/>
+        </p:nvCxnSpPr>
+        <p:spPr>
+          <a:xfrm>
+            <a:off x="4543564" y="5004125"/>
+            <a:ext cx="1" cy="466534"/>
+          </a:xfrm>
+          <a:prstGeom prst="straightConnector1">
+            <a:avLst/>
+          </a:prstGeom>
+          <a:ln>
+            <a:tailEnd type="triangle"/>
+          </a:ln>
+        </p:spPr>
+        <p:style>
+          <a:lnRef idx="1">
+            <a:schemeClr val="dk1"/>
+          </a:lnRef>
+          <a:fillRef idx="0">
+            <a:schemeClr val="dk1"/>
+          </a:fillRef>
+          <a:effectRef idx="0">
+            <a:schemeClr val="dk1"/>
+          </a:effectRef>
+          <a:fontRef idx="minor">
+            <a:schemeClr val="tx1"/>
+          </a:fontRef>
+        </p:style>
+      </p:cxnSp>
+      <p:sp>
+        <p:nvSpPr>
+          <p:cNvPr id="131" name="Прямоугольник 130">
+            <a:extLst>
+              <a:ext uri="{FF2B5EF4-FFF2-40B4-BE49-F238E27FC236}">
+                <a16:creationId xmlns:a16="http://schemas.microsoft.com/office/drawing/2014/main" id="{0CEB5862-FB59-411B-B349-5F1BEE9107E6}"/>
+              </a:ext>
+            </a:extLst>
+          </p:cNvPr>
+          <p:cNvSpPr/>
+          <p:nvPr/>
+        </p:nvSpPr>
+        <p:spPr>
+          <a:xfrm>
+            <a:off x="3758916" y="5497755"/>
+            <a:ext cx="1549567" cy="449211"/>
+          </a:xfrm>
+          <a:prstGeom prst="rect">
+            <a:avLst/>
+          </a:prstGeom>
+          <a:solidFill>
+            <a:schemeClr val="bg1"/>
+          </a:solidFill>
+        </p:spPr>
+        <p:style>
+          <a:lnRef idx="2">
+            <a:schemeClr val="dk1">
+              <a:shade val="50000"/>
+            </a:schemeClr>
+          </a:lnRef>
+          <a:fillRef idx="1">
+            <a:schemeClr val="dk1"/>
+          </a:fillRef>
+          <a:effectRef idx="0">
+            <a:schemeClr val="dk1"/>
+          </a:effectRef>
+          <a:fontRef idx="minor">
+            <a:schemeClr val="lt1"/>
+          </a:fontRef>
+        </p:style>
+        <p:txBody>
+          <a:bodyPr rtlCol="0" anchor="ctr"/>
+          <a:lstStyle/>
+          <a:p>
+            <a:pPr algn="ctr"/>
+            <a:r>
+              <a:rPr lang="ru-RU" sz="1100" dirty="0">
+                <a:solidFill>
+                  <a:schemeClr val="tx1"/>
+                </a:solidFill>
+                <a:latin typeface="Arial" panose="020B0604020202020204" pitchFamily="34" charset="0"/>
+                <a:cs typeface="Arial" panose="020B0604020202020204" pitchFamily="34" charset="0"/>
+              </a:rPr>
+              <a:t>Сделать левый узел текущим</a:t>
+            </a:r>
+          </a:p>
+        </p:txBody>
+      </p:sp>
+      <p:cxnSp>
+        <p:nvCxnSpPr>
+          <p:cNvPr id="133" name="Прямая соединительная линия 132">
+            <a:extLst>
+              <a:ext uri="{FF2B5EF4-FFF2-40B4-BE49-F238E27FC236}">
+                <a16:creationId xmlns:a16="http://schemas.microsoft.com/office/drawing/2014/main" id="{D217C3CE-1A06-4C42-9B0A-19FAFA3C5375}"/>
+              </a:ext>
+            </a:extLst>
+          </p:cNvPr>
+          <p:cNvCxnSpPr>
+            <a:cxnSpLocks/>
+            <a:endCxn id="131" idx="2"/>
+          </p:cNvCxnSpPr>
+          <p:nvPr/>
+        </p:nvCxnSpPr>
+        <p:spPr>
+          <a:xfrm flipV="1">
+            <a:off x="4533699" y="5946966"/>
+            <a:ext cx="1" cy="221131"/>
+          </a:xfrm>
+          <a:prstGeom prst="line">
+            <a:avLst/>
+          </a:prstGeom>
+        </p:spPr>
+        <p:style>
+          <a:lnRef idx="1">
+            <a:schemeClr val="dk1"/>
+          </a:lnRef>
+          <a:fillRef idx="0">
+            <a:schemeClr val="dk1"/>
+          </a:fillRef>
+          <a:effectRef idx="0">
+            <a:schemeClr val="dk1"/>
+          </a:effectRef>
+          <a:fontRef idx="minor">
+            <a:schemeClr val="tx1"/>
+          </a:fontRef>
+        </p:style>
+      </p:cxnSp>
+      <p:cxnSp>
+        <p:nvCxnSpPr>
+          <p:cNvPr id="135" name="Прямая соединительная линия 134">
+            <a:extLst>
+              <a:ext uri="{FF2B5EF4-FFF2-40B4-BE49-F238E27FC236}">
+                <a16:creationId xmlns:a16="http://schemas.microsoft.com/office/drawing/2014/main" id="{D5149865-64F0-4094-9A7E-C50F8C9450B8}"/>
+              </a:ext>
+            </a:extLst>
+          </p:cNvPr>
+          <p:cNvCxnSpPr>
+            <a:cxnSpLocks/>
+          </p:cNvCxnSpPr>
+          <p:nvPr/>
+        </p:nvCxnSpPr>
+        <p:spPr>
+          <a:xfrm>
+            <a:off x="3303240" y="6168097"/>
+            <a:ext cx="1230459" cy="1"/>
+          </a:xfrm>
+          <a:prstGeom prst="line">
+            <a:avLst/>
+          </a:prstGeom>
+        </p:spPr>
+        <p:style>
+          <a:lnRef idx="1">
+            <a:schemeClr val="dk1"/>
+          </a:lnRef>
+          <a:fillRef idx="0">
+            <a:schemeClr val="dk1"/>
+          </a:fillRef>
+          <a:effectRef idx="0">
+            <a:schemeClr val="dk1"/>
+          </a:effectRef>
+          <a:fontRef idx="minor">
+            <a:schemeClr val="tx1"/>
+          </a:fontRef>
+        </p:style>
+      </p:cxnSp>
+      <p:cxnSp>
+        <p:nvCxnSpPr>
+          <p:cNvPr id="137" name="Прямая соединительная линия 136">
+            <a:extLst>
+              <a:ext uri="{FF2B5EF4-FFF2-40B4-BE49-F238E27FC236}">
+                <a16:creationId xmlns:a16="http://schemas.microsoft.com/office/drawing/2014/main" id="{DCA365AC-E0DC-4781-917C-59221D2BAEAB}"/>
+              </a:ext>
+            </a:extLst>
+          </p:cNvPr>
+          <p:cNvCxnSpPr>
+            <a:cxnSpLocks/>
+          </p:cNvCxnSpPr>
+          <p:nvPr/>
+        </p:nvCxnSpPr>
+        <p:spPr>
+          <a:xfrm flipH="1">
+            <a:off x="3311221" y="1577783"/>
+            <a:ext cx="13440" cy="4596215"/>
+          </a:xfrm>
+          <a:prstGeom prst="line">
+            <a:avLst/>
+          </a:prstGeom>
+        </p:spPr>
+        <p:style>
+          <a:lnRef idx="1">
+            <a:schemeClr val="dk1"/>
+          </a:lnRef>
+          <a:fillRef idx="0">
+            <a:schemeClr val="dk1"/>
+          </a:fillRef>
+          <a:effectRef idx="0">
+            <a:schemeClr val="dk1"/>
+          </a:effectRef>
+          <a:fontRef idx="minor">
+            <a:schemeClr val="tx1"/>
+          </a:fontRef>
+        </p:style>
+      </p:cxnSp>
+      <p:cxnSp>
+        <p:nvCxnSpPr>
+          <p:cNvPr id="138" name="Прямая со стрелкой 137">
+            <a:extLst>
+              <a:ext uri="{FF2B5EF4-FFF2-40B4-BE49-F238E27FC236}">
+                <a16:creationId xmlns:a16="http://schemas.microsoft.com/office/drawing/2014/main" id="{6999B031-5E65-4FCD-AF76-19BB04B12034}"/>
+              </a:ext>
+            </a:extLst>
+          </p:cNvPr>
+          <p:cNvCxnSpPr>
+            <a:cxnSpLocks/>
+          </p:cNvCxnSpPr>
+          <p:nvPr/>
+        </p:nvCxnSpPr>
+        <p:spPr>
+          <a:xfrm>
+            <a:off x="3317941" y="1577783"/>
+            <a:ext cx="1233992" cy="0"/>
+          </a:xfrm>
+          <a:prstGeom prst="straightConnector1">
+            <a:avLst/>
+          </a:prstGeom>
+          <a:ln>
+            <a:tailEnd type="triangle"/>
+          </a:ln>
+        </p:spPr>
+        <p:style>
+          <a:lnRef idx="1">
+            <a:schemeClr val="dk1"/>
+          </a:lnRef>
+          <a:fillRef idx="0">
+            <a:schemeClr val="dk1"/>
+          </a:fillRef>
+          <a:effectRef idx="0">
+            <a:schemeClr val="dk1"/>
+          </a:effectRef>
+          <a:fontRef idx="minor">
+            <a:schemeClr val="tx1"/>
+          </a:fontRef>
+        </p:style>
+      </p:cxnSp>
+      <p:sp>
+        <p:nvSpPr>
+          <p:cNvPr id="139" name="Прямоугольник 138">
+            <a:extLst>
+              <a:ext uri="{FF2B5EF4-FFF2-40B4-BE49-F238E27FC236}">
+                <a16:creationId xmlns:a16="http://schemas.microsoft.com/office/drawing/2014/main" id="{D22F4A0B-CBF6-4749-9675-2CB46E9181A3}"/>
+              </a:ext>
+            </a:extLst>
+          </p:cNvPr>
+          <p:cNvSpPr/>
+          <p:nvPr/>
+        </p:nvSpPr>
+        <p:spPr>
+          <a:xfrm>
+            <a:off x="5427306" y="5246840"/>
+            <a:ext cx="1549567" cy="449211"/>
+          </a:xfrm>
+          <a:prstGeom prst="rect">
+            <a:avLst/>
+          </a:prstGeom>
+          <a:solidFill>
+            <a:schemeClr val="bg1"/>
+          </a:solidFill>
+        </p:spPr>
+        <p:style>
+          <a:lnRef idx="2">
+            <a:schemeClr val="dk1">
+              <a:shade val="50000"/>
+            </a:schemeClr>
+          </a:lnRef>
+          <a:fillRef idx="1">
+            <a:schemeClr val="dk1"/>
+          </a:fillRef>
+          <a:effectRef idx="0">
+            <a:schemeClr val="dk1"/>
+          </a:effectRef>
+          <a:fontRef idx="minor">
+            <a:schemeClr val="lt1"/>
+          </a:fontRef>
+        </p:style>
+        <p:txBody>
+          <a:bodyPr rtlCol="0" anchor="ctr"/>
+          <a:lstStyle/>
+          <a:p>
+            <a:pPr algn="ctr"/>
+            <a:r>
+              <a:rPr lang="ru-RU" sz="1100" dirty="0">
+                <a:solidFill>
+                  <a:schemeClr val="tx1"/>
+                </a:solidFill>
+                <a:latin typeface="Arial" panose="020B0604020202020204" pitchFamily="34" charset="0"/>
+                <a:cs typeface="Arial" panose="020B0604020202020204" pitchFamily="34" charset="0"/>
+              </a:rPr>
+              <a:t>Элемент не найден</a:t>
+            </a:r>
+          </a:p>
+        </p:txBody>
+      </p:sp>
+      <p:cxnSp>
+        <p:nvCxnSpPr>
+          <p:cNvPr id="141" name="Прямая со стрелкой 140">
+            <a:extLst>
+              <a:ext uri="{FF2B5EF4-FFF2-40B4-BE49-F238E27FC236}">
+                <a16:creationId xmlns:a16="http://schemas.microsoft.com/office/drawing/2014/main" id="{641C1FBB-9C01-4F1A-AC47-9C05655BAA62}"/>
+              </a:ext>
+            </a:extLst>
+          </p:cNvPr>
+          <p:cNvCxnSpPr>
+            <a:cxnSpLocks/>
+          </p:cNvCxnSpPr>
+          <p:nvPr/>
+        </p:nvCxnSpPr>
+        <p:spPr>
+          <a:xfrm>
+            <a:off x="6202089" y="5696051"/>
+            <a:ext cx="0" cy="361480"/>
+          </a:xfrm>
+          <a:prstGeom prst="straightConnector1">
+            <a:avLst/>
+          </a:prstGeom>
+          <a:ln>
+            <a:tailEnd type="triangle"/>
+          </a:ln>
+        </p:spPr>
+        <p:style>
+          <a:lnRef idx="1">
+            <a:schemeClr val="dk1"/>
+          </a:lnRef>
+          <a:fillRef idx="0">
+            <a:schemeClr val="dk1"/>
+          </a:fillRef>
+          <a:effectRef idx="0">
+            <a:schemeClr val="dk1"/>
+          </a:effectRef>
+          <a:fontRef idx="minor">
+            <a:schemeClr val="tx1"/>
+          </a:fontRef>
+        </p:style>
+      </p:cxnSp>
+      <p:sp>
+        <p:nvSpPr>
+          <p:cNvPr id="142" name="Прямоугольник: скругленные углы 141">
+            <a:extLst>
+              <a:ext uri="{FF2B5EF4-FFF2-40B4-BE49-F238E27FC236}">
+                <a16:creationId xmlns:a16="http://schemas.microsoft.com/office/drawing/2014/main" id="{8329D6AD-CC14-4F8F-92FE-381920145CF0}"/>
+              </a:ext>
+            </a:extLst>
+          </p:cNvPr>
+          <p:cNvSpPr/>
+          <p:nvPr/>
+        </p:nvSpPr>
+        <p:spPr>
+          <a:xfrm>
+            <a:off x="5703585" y="6048298"/>
+            <a:ext cx="997008" cy="264920"/>
+          </a:xfrm>
+          <a:prstGeom prst="roundRect">
+            <a:avLst>
+              <a:gd name="adj" fmla="val 50000"/>
+            </a:avLst>
+          </a:prstGeom>
+          <a:solidFill>
+            <a:schemeClr val="bg1"/>
+          </a:solidFill>
+          <a:ln>
+            <a:solidFill>
+              <a:schemeClr val="tx1"/>
+            </a:solidFill>
+          </a:ln>
+        </p:spPr>
+        <p:style>
+          <a:lnRef idx="2">
+            <a:schemeClr val="accent1">
+              <a:shade val="50000"/>
+            </a:schemeClr>
+          </a:lnRef>
+          <a:fillRef idx="1">
+            <a:schemeClr val="accent1"/>
+          </a:fillRef>
+          <a:effectRef idx="0">
+            <a:schemeClr val="accent1"/>
+          </a:effectRef>
+          <a:fontRef idx="minor">
+            <a:schemeClr val="lt1"/>
+          </a:fontRef>
+        </p:style>
+        <p:txBody>
+          <a:bodyPr rtlCol="0" anchor="ctr"/>
+          <a:lstStyle/>
+          <a:p>
+            <a:pPr algn="ctr"/>
+            <a:r>
+              <a:rPr lang="ru-RU" sz="1600" dirty="0">
+                <a:solidFill>
+                  <a:schemeClr val="tx1"/>
+                </a:solidFill>
+                <a:latin typeface="Arial" panose="020B0604020202020204" pitchFamily="34" charset="0"/>
+                <a:cs typeface="Arial" panose="020B0604020202020204" pitchFamily="34" charset="0"/>
+              </a:rPr>
+              <a:t>Конец</a:t>
+            </a:r>
+          </a:p>
+        </p:txBody>
+      </p:sp>
+      <p:cxnSp>
+        <p:nvCxnSpPr>
+          <p:cNvPr id="143" name="Прямая со стрелкой 142">
+            <a:extLst>
+              <a:ext uri="{FF2B5EF4-FFF2-40B4-BE49-F238E27FC236}">
+                <a16:creationId xmlns:a16="http://schemas.microsoft.com/office/drawing/2014/main" id="{B25C804F-6770-41E9-A880-BF04594E5002}"/>
+              </a:ext>
+            </a:extLst>
+          </p:cNvPr>
+          <p:cNvCxnSpPr>
+            <a:cxnSpLocks/>
+          </p:cNvCxnSpPr>
+          <p:nvPr/>
+        </p:nvCxnSpPr>
+        <p:spPr>
+          <a:xfrm flipH="1">
+            <a:off x="6202089" y="5876791"/>
+            <a:ext cx="1190748" cy="0"/>
+          </a:xfrm>
+          <a:prstGeom prst="straightConnector1">
+            <a:avLst/>
+          </a:prstGeom>
+          <a:ln>
+            <a:tailEnd type="triangle"/>
+          </a:ln>
+        </p:spPr>
+        <p:style>
+          <a:lnRef idx="1">
+            <a:schemeClr val="dk1"/>
+          </a:lnRef>
+          <a:fillRef idx="0">
+            <a:schemeClr val="dk1"/>
+          </a:fillRef>
+          <a:effectRef idx="0">
+            <a:schemeClr val="dk1"/>
+          </a:effectRef>
+          <a:fontRef idx="minor">
+            <a:schemeClr val="tx1"/>
+          </a:fontRef>
+        </p:style>
+      </p:cxnSp>
+      <p:sp>
+        <p:nvSpPr>
+          <p:cNvPr id="145" name="Овал 144">
+            <a:extLst>
+              <a:ext uri="{FF2B5EF4-FFF2-40B4-BE49-F238E27FC236}">
+                <a16:creationId xmlns:a16="http://schemas.microsoft.com/office/drawing/2014/main" id="{4007BEAF-5228-4414-A1DB-052DC19021A5}"/>
+              </a:ext>
+            </a:extLst>
+          </p:cNvPr>
+          <p:cNvSpPr/>
+          <p:nvPr/>
+        </p:nvSpPr>
+        <p:spPr>
+          <a:xfrm>
+            <a:off x="7388596" y="5663158"/>
+            <a:ext cx="463672" cy="449211"/>
+          </a:xfrm>
+          <a:prstGeom prst="ellipse">
+            <a:avLst/>
+          </a:prstGeom>
+          <a:solidFill>
+            <a:schemeClr val="bg1"/>
+          </a:solidFill>
+        </p:spPr>
+        <p:style>
+          <a:lnRef idx="2">
+            <a:schemeClr val="dk1">
+              <a:shade val="50000"/>
+            </a:schemeClr>
+          </a:lnRef>
+          <a:fillRef idx="1">
+            <a:schemeClr val="dk1"/>
+          </a:fillRef>
+          <a:effectRef idx="0">
+            <a:schemeClr val="dk1"/>
+          </a:effectRef>
+          <a:fontRef idx="minor">
+            <a:schemeClr val="lt1"/>
+          </a:fontRef>
+        </p:style>
+        <p:txBody>
+          <a:bodyPr rtlCol="0" anchor="ctr"/>
+          <a:lstStyle/>
+          <a:p>
+            <a:pPr algn="ctr"/>
+            <a:r>
+              <a:rPr lang="ru-RU" dirty="0">
+                <a:solidFill>
+                  <a:schemeClr val="tx1"/>
+                </a:solidFill>
+              </a:rPr>
+              <a:t>А</a:t>
+            </a:r>
+          </a:p>
+        </p:txBody>
+      </p:sp>
+      <p:sp>
+        <p:nvSpPr>
+          <p:cNvPr id="148" name="TextBox 147">
+            <a:extLst>
+              <a:ext uri="{FF2B5EF4-FFF2-40B4-BE49-F238E27FC236}">
+                <a16:creationId xmlns:a16="http://schemas.microsoft.com/office/drawing/2014/main" id="{7EF43D6D-008C-4305-A2E0-A40BA7A894D7}"/>
+              </a:ext>
+            </a:extLst>
+          </p:cNvPr>
+          <p:cNvSpPr txBox="1"/>
+          <p:nvPr/>
+        </p:nvSpPr>
+        <p:spPr>
+          <a:xfrm>
+            <a:off x="3994074" y="2549800"/>
+            <a:ext cx="621102" cy="369332"/>
+          </a:xfrm>
+          <a:prstGeom prst="rect">
+            <a:avLst/>
+          </a:prstGeom>
+          <a:noFill/>
+        </p:spPr>
+        <p:txBody>
+          <a:bodyPr wrap="square" rtlCol="0">
+            <a:spAutoFit/>
+          </a:bodyPr>
+          <a:lstStyle/>
+          <a:p>
+            <a:r>
+              <a:rPr lang="ru-RU" dirty="0"/>
+              <a:t>Нет</a:t>
+            </a:r>
+          </a:p>
+        </p:txBody>
+      </p:sp>
+      <p:sp>
+        <p:nvSpPr>
+          <p:cNvPr id="149" name="TextBox 148">
+            <a:extLst>
+              <a:ext uri="{FF2B5EF4-FFF2-40B4-BE49-F238E27FC236}">
+                <a16:creationId xmlns:a16="http://schemas.microsoft.com/office/drawing/2014/main" id="{18A463E8-67DD-408C-85FE-280A75DE4DC0}"/>
+              </a:ext>
+            </a:extLst>
+          </p:cNvPr>
+          <p:cNvSpPr txBox="1"/>
+          <p:nvPr/>
+        </p:nvSpPr>
+        <p:spPr>
+          <a:xfrm>
+            <a:off x="3965740" y="3781232"/>
+            <a:ext cx="621102" cy="369332"/>
+          </a:xfrm>
+          <a:prstGeom prst="rect">
+            <a:avLst/>
+          </a:prstGeom>
+          <a:noFill/>
+        </p:spPr>
+        <p:txBody>
+          <a:bodyPr wrap="square" rtlCol="0">
+            <a:spAutoFit/>
+          </a:bodyPr>
+          <a:lstStyle/>
+          <a:p>
+            <a:r>
+              <a:rPr lang="ru-RU" dirty="0"/>
+              <a:t>Нет</a:t>
+            </a:r>
+          </a:p>
+        </p:txBody>
+      </p:sp>
+      <p:sp>
+        <p:nvSpPr>
+          <p:cNvPr id="157" name="TextBox 156">
+            <a:extLst>
+              <a:ext uri="{FF2B5EF4-FFF2-40B4-BE49-F238E27FC236}">
+                <a16:creationId xmlns:a16="http://schemas.microsoft.com/office/drawing/2014/main" id="{5285C284-FE01-4EED-BDFB-AEAFE3093CB4}"/>
+              </a:ext>
+            </a:extLst>
+          </p:cNvPr>
+          <p:cNvSpPr txBox="1"/>
+          <p:nvPr/>
+        </p:nvSpPr>
+        <p:spPr>
+          <a:xfrm>
+            <a:off x="3994074" y="5005784"/>
+            <a:ext cx="621102" cy="369332"/>
+          </a:xfrm>
+          <a:prstGeom prst="rect">
+            <a:avLst/>
+          </a:prstGeom>
+          <a:noFill/>
+        </p:spPr>
+        <p:txBody>
+          <a:bodyPr wrap="square" rtlCol="0">
+            <a:spAutoFit/>
+          </a:bodyPr>
+          <a:lstStyle/>
+          <a:p>
+            <a:r>
+              <a:rPr lang="ru-RU" dirty="0"/>
+              <a:t>Нет</a:t>
+            </a:r>
+          </a:p>
+        </p:txBody>
+      </p:sp>
+      <p:sp>
+        <p:nvSpPr>
+          <p:cNvPr id="158" name="TextBox 157">
+            <a:extLst>
+              <a:ext uri="{FF2B5EF4-FFF2-40B4-BE49-F238E27FC236}">
+                <a16:creationId xmlns:a16="http://schemas.microsoft.com/office/drawing/2014/main" id="{4ECE1230-3AF3-4BB7-9F16-00B9354AAC13}"/>
+              </a:ext>
+            </a:extLst>
+          </p:cNvPr>
+          <p:cNvSpPr txBox="1"/>
+          <p:nvPr/>
+        </p:nvSpPr>
+        <p:spPr>
+          <a:xfrm>
+            <a:off x="5483035" y="2997830"/>
+            <a:ext cx="621102" cy="369332"/>
+          </a:xfrm>
+          <a:prstGeom prst="rect">
+            <a:avLst/>
+          </a:prstGeom>
+          <a:noFill/>
+        </p:spPr>
+        <p:txBody>
+          <a:bodyPr wrap="square" rtlCol="0">
+            <a:spAutoFit/>
+          </a:bodyPr>
+          <a:lstStyle/>
+          <a:p>
+            <a:r>
+              <a:rPr lang="ru-RU" dirty="0"/>
+              <a:t>Да</a:t>
+            </a:r>
+          </a:p>
+        </p:txBody>
+      </p:sp>
+      <p:sp>
+        <p:nvSpPr>
+          <p:cNvPr id="159" name="TextBox 158">
+            <a:extLst>
+              <a:ext uri="{FF2B5EF4-FFF2-40B4-BE49-F238E27FC236}">
+                <a16:creationId xmlns:a16="http://schemas.microsoft.com/office/drawing/2014/main" id="{7B5576B3-8879-4E22-973E-15F5D4560C4F}"/>
+              </a:ext>
+            </a:extLst>
+          </p:cNvPr>
+          <p:cNvSpPr txBox="1"/>
+          <p:nvPr/>
+        </p:nvSpPr>
+        <p:spPr>
+          <a:xfrm>
+            <a:off x="5418652" y="4219945"/>
+            <a:ext cx="621102" cy="369332"/>
+          </a:xfrm>
+          <a:prstGeom prst="rect">
+            <a:avLst/>
+          </a:prstGeom>
+          <a:noFill/>
+        </p:spPr>
+        <p:txBody>
+          <a:bodyPr wrap="square" rtlCol="0">
+            <a:spAutoFit/>
+          </a:bodyPr>
+          <a:lstStyle/>
+          <a:p>
+            <a:r>
+              <a:rPr lang="ru-RU" dirty="0"/>
+              <a:t>Да</a:t>
+            </a:r>
+          </a:p>
+        </p:txBody>
+      </p:sp>
+      <p:sp>
+        <p:nvSpPr>
+          <p:cNvPr id="160" name="TextBox 159">
+            <a:extLst>
+              <a:ext uri="{FF2B5EF4-FFF2-40B4-BE49-F238E27FC236}">
+                <a16:creationId xmlns:a16="http://schemas.microsoft.com/office/drawing/2014/main" id="{9CDD91B3-D80C-416F-B086-BA6D71884A3C}"/>
+              </a:ext>
+            </a:extLst>
+          </p:cNvPr>
+          <p:cNvSpPr txBox="1"/>
+          <p:nvPr/>
+        </p:nvSpPr>
+        <p:spPr>
+          <a:xfrm>
+            <a:off x="8323244" y="3528281"/>
+            <a:ext cx="621102" cy="369332"/>
+          </a:xfrm>
+          <a:prstGeom prst="rect">
+            <a:avLst/>
+          </a:prstGeom>
+          <a:noFill/>
+        </p:spPr>
+        <p:txBody>
+          <a:bodyPr wrap="square" rtlCol="0">
+            <a:spAutoFit/>
+          </a:bodyPr>
+          <a:lstStyle/>
+          <a:p>
+            <a:r>
+              <a:rPr lang="ru-RU" dirty="0"/>
+              <a:t>Да</a:t>
+            </a:r>
+          </a:p>
+        </p:txBody>
+      </p:sp>
+      <p:sp>
+        <p:nvSpPr>
+          <p:cNvPr id="161" name="TextBox 160">
+            <a:extLst>
+              <a:ext uri="{FF2B5EF4-FFF2-40B4-BE49-F238E27FC236}">
+                <a16:creationId xmlns:a16="http://schemas.microsoft.com/office/drawing/2014/main" id="{4EBE0E03-7ED8-489A-806D-2DA7FA7297BC}"/>
+              </a:ext>
+            </a:extLst>
+          </p:cNvPr>
+          <p:cNvSpPr txBox="1"/>
+          <p:nvPr/>
+        </p:nvSpPr>
+        <p:spPr>
+          <a:xfrm>
+            <a:off x="6818287" y="4244992"/>
+            <a:ext cx="621102" cy="369332"/>
+          </a:xfrm>
+          <a:prstGeom prst="rect">
+            <a:avLst/>
+          </a:prstGeom>
+          <a:noFill/>
+        </p:spPr>
+        <p:txBody>
+          <a:bodyPr wrap="square" rtlCol="0">
+            <a:spAutoFit/>
+          </a:bodyPr>
+          <a:lstStyle/>
+          <a:p>
+            <a:r>
+              <a:rPr lang="ru-RU" dirty="0"/>
+              <a:t>Нет</a:t>
+            </a:r>
+          </a:p>
+        </p:txBody>
+      </p:sp>
+    </p:spTree>
+    <p:extLst>
+      <p:ext uri="{BB962C8B-B14F-4D97-AF65-F5344CB8AC3E}">
+        <p14:creationId xmlns:p14="http://schemas.microsoft.com/office/powerpoint/2010/main" val="840818190"/>
+      </p:ext>
+    </p:extLst>
+  </p:cSld>
+  <p:clrMapOvr>
+    <a:masterClrMapping/>
+  </p:clrMapOvr>
+</p:sld>
+</file>
+
+<file path=ppt/slides/slide5.xml><?xml version="1.0" encoding="utf-8"?>
+<p:sld xmlns:a="http://schemas.openxmlformats.org/drawingml/2006/main" xmlns:r="http://schemas.openxmlformats.org/officeDocument/2006/relationships" xmlns:p="http://schemas.openxmlformats.org/presentationml/2006/main">
+  <p:cSld>
+    <p:spTree>
+      <p:nvGrpSpPr>
+        <p:cNvPr id="1" name=""/>
+        <p:cNvGrpSpPr/>
+        <p:nvPr/>
+      </p:nvGrpSpPr>
+      <p:grpSpPr>
+        <a:xfrm>
+          <a:off x="0" y="0"/>
+          <a:ext cx="0" cy="0"/>
+          <a:chOff x="0" y="0"/>
+          <a:chExt cx="0" cy="0"/>
+        </a:xfrm>
+      </p:grpSpPr>
+      <p:sp>
+        <p:nvSpPr>
+          <p:cNvPr id="2" name="Заголовок 1">
+            <a:extLst>
+              <a:ext uri="{FF2B5EF4-FFF2-40B4-BE49-F238E27FC236}">
+                <a16:creationId xmlns:a16="http://schemas.microsoft.com/office/drawing/2014/main" id="{2FA999AB-5162-4400-80FA-51C7D6BDCC24}"/>
+              </a:ext>
+            </a:extLst>
+          </p:cNvPr>
+          <p:cNvSpPr>
+            <a:spLocks noGrp="1"/>
+          </p:cNvSpPr>
+          <p:nvPr>
+            <p:ph type="title"/>
+          </p:nvPr>
+        </p:nvSpPr>
+        <p:spPr>
+          <a:xfrm>
+            <a:off x="3771181" y="84569"/>
+            <a:ext cx="4649637" cy="488007"/>
+          </a:xfrm>
+        </p:spPr>
+        <p:txBody>
+          <a:bodyPr>
+            <a:noAutofit/>
+          </a:bodyPr>
+          <a:lstStyle/>
+          <a:p>
+            <a:r>
+              <a:rPr lang="ru-RU" sz="2400" dirty="0"/>
+              <a:t>Реализация алгоритма</a:t>
+            </a:r>
+          </a:p>
+        </p:txBody>
+      </p:sp>
+      <p:pic>
+        <p:nvPicPr>
+          <p:cNvPr id="4" name="Объект 3">
+            <a:extLst>
+              <a:ext uri="{FF2B5EF4-FFF2-40B4-BE49-F238E27FC236}">
+                <a16:creationId xmlns:a16="http://schemas.microsoft.com/office/drawing/2014/main" id="{86C95579-F213-4C8B-881E-33AE7C05A7F8}"/>
+              </a:ext>
+            </a:extLst>
+          </p:cNvPr>
+          <p:cNvPicPr>
+            <a:picLocks noGrp="1" noChangeAspect="1"/>
+          </p:cNvPicPr>
+          <p:nvPr>
+            <p:ph idx="1"/>
+          </p:nvPr>
+        </p:nvPicPr>
+        <p:blipFill>
+          <a:blip r:embed="rId2"/>
+          <a:stretch>
+            <a:fillRect/>
+          </a:stretch>
+        </p:blipFill>
+        <p:spPr>
+          <a:xfrm>
+            <a:off x="5212446" y="2113215"/>
+            <a:ext cx="6771738" cy="3235163"/>
+          </a:xfrm>
+          <a:prstGeom prst="rect">
+            <a:avLst/>
+          </a:prstGeom>
+        </p:spPr>
+      </p:pic>
+      <p:pic>
+        <p:nvPicPr>
+          <p:cNvPr id="5" name="Рисунок 4">
+            <a:extLst>
+              <a:ext uri="{FF2B5EF4-FFF2-40B4-BE49-F238E27FC236}">
+                <a16:creationId xmlns:a16="http://schemas.microsoft.com/office/drawing/2014/main" id="{C5A40F2C-F1DA-40B6-96FF-1D05203C4D12}"/>
+              </a:ext>
+            </a:extLst>
+          </p:cNvPr>
+          <p:cNvPicPr>
+            <a:picLocks noChangeAspect="1"/>
+          </p:cNvPicPr>
+          <p:nvPr/>
+        </p:nvPicPr>
+        <p:blipFill>
+          <a:blip r:embed="rId3"/>
+          <a:stretch>
+            <a:fillRect/>
+          </a:stretch>
+        </p:blipFill>
+        <p:spPr>
+          <a:xfrm>
+            <a:off x="66996" y="692867"/>
+            <a:ext cx="5082973" cy="6007868"/>
+          </a:xfrm>
+          <a:prstGeom prst="rect">
+            <a:avLst/>
+          </a:prstGeom>
+        </p:spPr>
+      </p:pic>
+    </p:spTree>
+    <p:extLst>
+      <p:ext uri="{BB962C8B-B14F-4D97-AF65-F5344CB8AC3E}">
+        <p14:creationId xmlns:p14="http://schemas.microsoft.com/office/powerpoint/2010/main" val="1392829735"/>
+      </p:ext>
+    </p:extLst>
+  </p:cSld>
+  <p:clrMapOvr>
+    <a:masterClrMapping/>
+  </p:clrMapOvr>
+</p:sld>
+</file>
+
+<file path=ppt/slides/slide6.xml><?xml version="1.0" encoding="utf-8"?>
+<p:sld xmlns:a="http://schemas.openxmlformats.org/drawingml/2006/main" xmlns:r="http://schemas.openxmlformats.org/officeDocument/2006/relationships" xmlns:p="http://schemas.openxmlformats.org/presentationml/2006/main">
+  <p:cSld>
+    <p:spTree>
+      <p:nvGrpSpPr>
+        <p:cNvPr id="1" name=""/>
+        <p:cNvGrpSpPr/>
+        <p:nvPr/>
+      </p:nvGrpSpPr>
+      <p:grpSpPr>
+        <a:xfrm>
+          <a:off x="0" y="0"/>
+          <a:ext cx="0" cy="0"/>
+          <a:chOff x="0" y="0"/>
+          <a:chExt cx="0" cy="0"/>
+        </a:xfrm>
+      </p:grpSpPr>
+      <p:sp>
+        <p:nvSpPr>
+          <p:cNvPr id="2" name="Заголовок 1">
+            <a:extLst>
+              <a:ext uri="{FF2B5EF4-FFF2-40B4-BE49-F238E27FC236}">
+                <a16:creationId xmlns:a16="http://schemas.microsoft.com/office/drawing/2014/main" id="{2FDCE9A2-22B4-4558-A45C-D73625E75395}"/>
+              </a:ext>
+            </a:extLst>
+          </p:cNvPr>
+          <p:cNvSpPr>
+            <a:spLocks noGrp="1"/>
+          </p:cNvSpPr>
+          <p:nvPr>
+            <p:ph type="title"/>
+          </p:nvPr>
+        </p:nvSpPr>
+        <p:spPr>
+          <a:xfrm>
+            <a:off x="3660360" y="127930"/>
+            <a:ext cx="4871279" cy="536304"/>
+          </a:xfrm>
+        </p:spPr>
+        <p:txBody>
+          <a:bodyPr>
+            <a:normAutofit fontScale="90000"/>
+          </a:bodyPr>
+          <a:lstStyle/>
+          <a:p>
+            <a:r>
+              <a:rPr lang="ru-RU" dirty="0"/>
+              <a:t>Итог работы алгоритма</a:t>
+            </a:r>
+          </a:p>
+        </p:txBody>
+      </p:sp>
+      <p:pic>
+        <p:nvPicPr>
+          <p:cNvPr id="4" name="Объект 3">
+            <a:extLst>
+              <a:ext uri="{FF2B5EF4-FFF2-40B4-BE49-F238E27FC236}">
+                <a16:creationId xmlns:a16="http://schemas.microsoft.com/office/drawing/2014/main" id="{590721E3-EB8E-4F15-8CFF-C9B4B216CF0B}"/>
+              </a:ext>
+            </a:extLst>
+          </p:cNvPr>
+          <p:cNvPicPr>
+            <a:picLocks noGrp="1" noChangeAspect="1"/>
+          </p:cNvPicPr>
+          <p:nvPr>
+            <p:ph idx="1"/>
+          </p:nvPr>
+        </p:nvPicPr>
+        <p:blipFill>
+          <a:blip r:embed="rId2"/>
+          <a:stretch>
+            <a:fillRect/>
+          </a:stretch>
+        </p:blipFill>
+        <p:spPr>
+          <a:xfrm>
+            <a:off x="518741" y="2411756"/>
+            <a:ext cx="4902833" cy="2912208"/>
+          </a:xfrm>
+          <a:prstGeom prst="rect">
+            <a:avLst/>
+          </a:prstGeom>
+        </p:spPr>
+      </p:pic>
+      <p:sp>
+        <p:nvSpPr>
+          <p:cNvPr id="5" name="TextBox 4">
+            <a:extLst>
+              <a:ext uri="{FF2B5EF4-FFF2-40B4-BE49-F238E27FC236}">
+                <a16:creationId xmlns:a16="http://schemas.microsoft.com/office/drawing/2014/main" id="{4F99CEE2-4858-405A-ACA1-85C9044DBFFD}"/>
+              </a:ext>
+            </a:extLst>
+          </p:cNvPr>
+          <p:cNvSpPr txBox="1"/>
+          <p:nvPr/>
+        </p:nvSpPr>
+        <p:spPr>
+          <a:xfrm>
+            <a:off x="931653" y="2033798"/>
+            <a:ext cx="3838755" cy="369332"/>
+          </a:xfrm>
+          <a:prstGeom prst="rect">
+            <a:avLst/>
+          </a:prstGeom>
+          <a:noFill/>
+        </p:spPr>
+        <p:txBody>
+          <a:bodyPr wrap="square" rtlCol="0">
+            <a:spAutoFit/>
+          </a:bodyPr>
+          <a:lstStyle/>
+          <a:p>
+            <a:pPr algn="ctr"/>
+            <a:r>
+              <a:rPr lang="ru-RU" dirty="0"/>
+              <a:t>Вещественные числа</a:t>
+            </a:r>
+          </a:p>
+        </p:txBody>
+      </p:sp>
+      <p:pic>
+        <p:nvPicPr>
+          <p:cNvPr id="6" name="Рисунок 5">
+            <a:extLst>
+              <a:ext uri="{FF2B5EF4-FFF2-40B4-BE49-F238E27FC236}">
+                <a16:creationId xmlns:a16="http://schemas.microsoft.com/office/drawing/2014/main" id="{A29D51C3-8FFF-4C5F-8124-221A12A2063F}"/>
+              </a:ext>
+            </a:extLst>
+          </p:cNvPr>
+          <p:cNvPicPr>
+            <a:picLocks noChangeAspect="1"/>
+          </p:cNvPicPr>
+          <p:nvPr/>
+        </p:nvPicPr>
+        <p:blipFill>
+          <a:blip r:embed="rId3"/>
+          <a:stretch>
+            <a:fillRect/>
+          </a:stretch>
+        </p:blipFill>
+        <p:spPr>
+          <a:xfrm>
+            <a:off x="7360729" y="2385428"/>
+            <a:ext cx="3525808" cy="3016525"/>
+          </a:xfrm>
+          <a:prstGeom prst="rect">
+            <a:avLst/>
+          </a:prstGeom>
+        </p:spPr>
+      </p:pic>
+      <p:sp>
+        <p:nvSpPr>
+          <p:cNvPr id="8" name="TextBox 7">
+            <a:extLst>
+              <a:ext uri="{FF2B5EF4-FFF2-40B4-BE49-F238E27FC236}">
+                <a16:creationId xmlns:a16="http://schemas.microsoft.com/office/drawing/2014/main" id="{7CE19715-BE02-4D1A-BD38-18510A82EC43}"/>
+              </a:ext>
+            </a:extLst>
+          </p:cNvPr>
+          <p:cNvSpPr txBox="1"/>
+          <p:nvPr/>
+        </p:nvSpPr>
+        <p:spPr>
+          <a:xfrm>
+            <a:off x="7360730" y="2042424"/>
+            <a:ext cx="3525808" cy="369332"/>
+          </a:xfrm>
+          <a:prstGeom prst="rect">
+            <a:avLst/>
+          </a:prstGeom>
+          <a:noFill/>
+        </p:spPr>
+        <p:txBody>
+          <a:bodyPr wrap="square" rtlCol="0">
+            <a:spAutoFit/>
+          </a:bodyPr>
+          <a:lstStyle/>
+          <a:p>
+            <a:pPr algn="ctr"/>
+            <a:r>
+              <a:rPr lang="ru-RU" dirty="0"/>
+              <a:t>Целые числа</a:t>
+            </a:r>
+          </a:p>
+        </p:txBody>
+      </p:sp>
+    </p:spTree>
+    <p:extLst>
+      <p:ext uri="{BB962C8B-B14F-4D97-AF65-F5344CB8AC3E}">
+        <p14:creationId xmlns:p14="http://schemas.microsoft.com/office/powerpoint/2010/main" val="3877877656"/>
+      </p:ext>
+    </p:extLst>
+  </p:cSld>
+  <p:clrMapOvr>
+    <a:masterClrMapping/>
+  </p:clrMapOvr>
+</p:sld>
+</file>
+
+<file path=ppt/slides/slide7.xml><?xml version="1.0" encoding="utf-8"?>
+<p:sld xmlns:a="http://schemas.openxmlformats.org/drawingml/2006/main" xmlns:r="http://schemas.openxmlformats.org/officeDocument/2006/relationships" xmlns:p="http://schemas.openxmlformats.org/presentationml/2006/main">
+  <p:cSld>
+    <p:spTree>
+      <p:nvGrpSpPr>
+        <p:cNvPr id="1" name=""/>
+        <p:cNvGrpSpPr/>
+        <p:nvPr/>
+      </p:nvGrpSpPr>
+      <p:grpSpPr>
+        <a:xfrm>
+          <a:off x="0" y="0"/>
+          <a:ext cx="0" cy="0"/>
+          <a:chOff x="0" y="0"/>
+          <a:chExt cx="0" cy="0"/>
+        </a:xfrm>
+      </p:grpSpPr>
+      <p:sp>
+        <p:nvSpPr>
+          <p:cNvPr id="2" name="Заголовок 1">
+            <a:extLst>
+              <a:ext uri="{FF2B5EF4-FFF2-40B4-BE49-F238E27FC236}">
+                <a16:creationId xmlns:a16="http://schemas.microsoft.com/office/drawing/2014/main" id="{393B13D4-6E7A-4A37-B989-3409ABAA377D}"/>
+              </a:ext>
+            </a:extLst>
+          </p:cNvPr>
+          <p:cNvSpPr>
+            <a:spLocks noGrp="1"/>
+          </p:cNvSpPr>
+          <p:nvPr>
+            <p:ph type="title"/>
+          </p:nvPr>
+        </p:nvSpPr>
+        <p:spPr>
+          <a:xfrm>
+            <a:off x="5077968" y="444365"/>
+            <a:ext cx="2036064" cy="673608"/>
+          </a:xfrm>
+        </p:spPr>
+        <p:txBody>
+          <a:bodyPr>
+            <a:normAutofit fontScale="90000"/>
+          </a:bodyPr>
+          <a:lstStyle/>
+          <a:p>
+            <a:r>
+              <a:rPr lang="ru-RU"/>
+              <a:t>Выводы</a:t>
+            </a:r>
+          </a:p>
+        </p:txBody>
+      </p:sp>
+      <p:sp>
+        <p:nvSpPr>
           <p:cNvPr id="3" name="Объект 2">
             <a:extLst>
               <a:ext uri="{FF2B5EF4-FFF2-40B4-BE49-F238E27FC236}">
-                <a16:creationId xmlns:a16="http://schemas.microsoft.com/office/drawing/2014/main" id="{2A109BF7-650E-4D1E-9A9B-528778F96DBF}"/>
+                <a16:creationId xmlns:a16="http://schemas.microsoft.com/office/drawing/2014/main" id="{0D9509A1-F952-46AF-BF47-2D379201C591}"/>
               </a:ext>
             </a:extLst>
           </p:cNvPr>
@@ -3543,19 +9417,147 @@
             <p:ph idx="1"/>
           </p:nvPr>
         </p:nvSpPr>
-        <p:spPr/>
-        <p:txBody>
-          <a:bodyPr/>
-          <a:lstStyle/>
-          <a:p>
-            <a:endParaRPr lang="ru-RU"/>
+        <p:spPr>
+          <a:xfrm>
+            <a:off x="685800" y="1514475"/>
+            <a:ext cx="11417060" cy="4899159"/>
+          </a:xfrm>
+        </p:spPr>
+        <p:txBody>
+          <a:bodyPr>
+            <a:normAutofit/>
+          </a:bodyPr>
+          <a:lstStyle/>
+          <a:p>
+            <a:r>
+              <a:rPr lang="ru-RU" sz="2800" dirty="0"/>
+              <a:t>Сортировка с помощью двоичного дерева имеет среднюю алгоритмическую сложность в реализации</a:t>
+            </a:r>
+          </a:p>
+          <a:p>
+            <a:r>
+              <a:rPr lang="ru-RU" sz="2800" dirty="0"/>
+              <a:t>Относится к группе «быстрых сортировок»</a:t>
+            </a:r>
+          </a:p>
+          <a:p>
+            <a:r>
+              <a:rPr lang="ru-RU" sz="2800" dirty="0"/>
+              <a:t>Имеет сложность при добавлении объекта в разбалансированное дерево</a:t>
+            </a:r>
           </a:p>
         </p:txBody>
       </p:sp>
     </p:spTree>
     <p:extLst>
       <p:ext uri="{BB962C8B-B14F-4D97-AF65-F5344CB8AC3E}">
-        <p14:creationId xmlns:p14="http://schemas.microsoft.com/office/powerpoint/2010/main" val="1641061385"/>
+        <p14:creationId xmlns:p14="http://schemas.microsoft.com/office/powerpoint/2010/main" val="1706092976"/>
+      </p:ext>
+    </p:extLst>
+  </p:cSld>
+  <p:clrMapOvr>
+    <a:masterClrMapping/>
+  </p:clrMapOvr>
+</p:sld>
+</file>
+
+<file path=ppt/slides/slide8.xml><?xml version="1.0" encoding="utf-8"?>
+<p:sld xmlns:a="http://schemas.openxmlformats.org/drawingml/2006/main" xmlns:r="http://schemas.openxmlformats.org/officeDocument/2006/relationships" xmlns:p="http://schemas.openxmlformats.org/presentationml/2006/main">
+  <p:cSld>
+    <p:spTree>
+      <p:nvGrpSpPr>
+        <p:cNvPr id="1" name=""/>
+        <p:cNvGrpSpPr/>
+        <p:nvPr/>
+      </p:nvGrpSpPr>
+      <p:grpSpPr>
+        <a:xfrm>
+          <a:off x="0" y="0"/>
+          <a:ext cx="0" cy="0"/>
+          <a:chOff x="0" y="0"/>
+          <a:chExt cx="0" cy="0"/>
+        </a:xfrm>
+      </p:grpSpPr>
+      <p:sp>
+        <p:nvSpPr>
+          <p:cNvPr id="2" name="Заголовок 1">
+            <a:extLst>
+              <a:ext uri="{FF2B5EF4-FFF2-40B4-BE49-F238E27FC236}">
+                <a16:creationId xmlns:a16="http://schemas.microsoft.com/office/drawing/2014/main" id="{AA19F97D-589D-4C03-9F74-CF5795B7061B}"/>
+              </a:ext>
+            </a:extLst>
+          </p:cNvPr>
+          <p:cNvSpPr>
+            <a:spLocks noGrp="1"/>
+          </p:cNvSpPr>
+          <p:nvPr>
+            <p:ph type="title"/>
+          </p:nvPr>
+        </p:nvSpPr>
+        <p:spPr>
+          <a:xfrm>
+            <a:off x="3886085" y="265952"/>
+            <a:ext cx="4419830" cy="674327"/>
+          </a:xfrm>
+        </p:spPr>
+        <p:txBody>
+          <a:bodyPr>
+            <a:normAutofit fontScale="90000"/>
+          </a:bodyPr>
+          <a:lstStyle/>
+          <a:p>
+            <a:r>
+              <a:rPr lang="ru-RU" dirty="0"/>
+              <a:t>Список литературы</a:t>
+            </a:r>
+          </a:p>
+        </p:txBody>
+      </p:sp>
+      <p:sp>
+        <p:nvSpPr>
+          <p:cNvPr id="3" name="Объект 2">
+            <a:extLst>
+              <a:ext uri="{FF2B5EF4-FFF2-40B4-BE49-F238E27FC236}">
+                <a16:creationId xmlns:a16="http://schemas.microsoft.com/office/drawing/2014/main" id="{E20E158F-D772-4989-B39D-DB3FDA4B33C7}"/>
+              </a:ext>
+            </a:extLst>
+          </p:cNvPr>
+          <p:cNvSpPr>
+            <a:spLocks noGrp="1"/>
+          </p:cNvSpPr>
+          <p:nvPr>
+            <p:ph idx="1"/>
+          </p:nvPr>
+        </p:nvSpPr>
+        <p:spPr>
+          <a:xfrm>
+            <a:off x="163902" y="1285336"/>
+            <a:ext cx="11861321" cy="5374256"/>
+          </a:xfrm>
+        </p:spPr>
+        <p:txBody>
+          <a:bodyPr>
+            <a:normAutofit/>
+          </a:bodyPr>
+          <a:lstStyle/>
+          <a:p>
+            <a:r>
+              <a:rPr lang="ru-RU" sz="2000" dirty="0"/>
+              <a:t>Сортировка с помощью двоичного дерева // Википедия — https://ru.wikipedia.org/wiki/Сортировка_с_помощью_двоичного_дерева (дата обращения: 01.12.2022).</a:t>
+            </a:r>
+          </a:p>
+          <a:p>
+            <a:r>
+              <a:rPr lang="ru-RU" sz="2000" dirty="0"/>
+              <a:t>Сортировка с помощью дерева // Программирование C и C++ — https://prog-cpp.ru/sort-tree/ (дата обращения: 01.12.2022).</a:t>
+            </a:r>
+          </a:p>
+        </p:txBody>
+      </p:sp>
+    </p:spTree>
+    <p:extLst>
+      <p:ext uri="{BB962C8B-B14F-4D97-AF65-F5344CB8AC3E}">
+        <p14:creationId xmlns:p14="http://schemas.microsoft.com/office/powerpoint/2010/main" val="583846903"/>
       </p:ext>
     </p:extLst>
   </p:cSld>
